--- a/EN/GIT.pptx
+++ b/EN/GIT.pptx
@@ -5,21 +5,33 @@
     <p:sldMasterId id="2147483708" r:id="rId1"/>
   </p:sldMasterIdLst>
   <p:notesMasterIdLst>
-    <p:notesMasterId r:id="rId14"/>
+    <p:notesMasterId r:id="rId26"/>
   </p:notesMasterIdLst>
   <p:sldIdLst>
     <p:sldId id="257" r:id="rId2"/>
     <p:sldId id="256" r:id="rId3"/>
-    <p:sldId id="261" r:id="rId4"/>
-    <p:sldId id="263" r:id="rId5"/>
-    <p:sldId id="264" r:id="rId6"/>
-    <p:sldId id="266" r:id="rId7"/>
-    <p:sldId id="267" r:id="rId8"/>
-    <p:sldId id="268" r:id="rId9"/>
-    <p:sldId id="265" r:id="rId10"/>
-    <p:sldId id="270" r:id="rId11"/>
-    <p:sldId id="269" r:id="rId12"/>
-    <p:sldId id="262" r:id="rId13"/>
+    <p:sldId id="271" r:id="rId4"/>
+    <p:sldId id="273" r:id="rId5"/>
+    <p:sldId id="272" r:id="rId6"/>
+    <p:sldId id="274" r:id="rId7"/>
+    <p:sldId id="275" r:id="rId8"/>
+    <p:sldId id="276" r:id="rId9"/>
+    <p:sldId id="277" r:id="rId10"/>
+    <p:sldId id="278" r:id="rId11"/>
+    <p:sldId id="279" r:id="rId12"/>
+    <p:sldId id="280" r:id="rId13"/>
+    <p:sldId id="281" r:id="rId14"/>
+    <p:sldId id="261" r:id="rId15"/>
+    <p:sldId id="263" r:id="rId16"/>
+    <p:sldId id="264" r:id="rId17"/>
+    <p:sldId id="266" r:id="rId18"/>
+    <p:sldId id="267" r:id="rId19"/>
+    <p:sldId id="268" r:id="rId20"/>
+    <p:sldId id="265" r:id="rId21"/>
+    <p:sldId id="270" r:id="rId22"/>
+    <p:sldId id="269" r:id="rId23"/>
+    <p:sldId id="282" r:id="rId24"/>
+    <p:sldId id="262" r:id="rId25"/>
   </p:sldIdLst>
   <p:sldSz cx="12192000" cy="6858000"/>
   <p:notesSz cx="6858000" cy="9144000"/>
@@ -126,6 +138,374 @@
 </p:presentation>
 </file>
 
+<file path=ppt/revisionInfo.xml><?xml version="1.0" encoding="utf-8"?>
+<p1510:revInfo xmlns:a="http://schemas.openxmlformats.org/drawingml/2006/main" xmlns:r="http://schemas.openxmlformats.org/officeDocument/2006/relationships" xmlns:p1510="http://schemas.microsoft.com/office/powerpoint/2015/10/main">
+  <p1510:revLst>
+    <p1510:client id="{44D07C7B-F0A8-44E3-858E-6F10C64459F8}" v="8" dt="2024-06-18T18:30:55.552"/>
+  </p1510:revLst>
+</p1510:revInfo>
+</file>
+
+<file path=ppt/changesInfos/changesInfo1.xml><?xml version="1.0" encoding="utf-8"?>
+<pc:chgInfo xmlns:a="http://schemas.openxmlformats.org/drawingml/2006/main" xmlns:r="http://schemas.openxmlformats.org/officeDocument/2006/relationships" xmlns:ac="http://schemas.microsoft.com/office/drawing/2013/main/command" xmlns:pc="http://schemas.microsoft.com/office/powerpoint/2013/main/command">
+  <pc:docChgLst>
+    <pc:chgData name="Langegger Valentin - s2310307016" userId="c3768bcc-adb3-484d-9ecc-f21554ad6dce" providerId="ADAL" clId="{44D07C7B-F0A8-44E3-858E-6F10C64459F8}"/>
+    <pc:docChg chg="undo custSel addSld delSld modSld">
+      <pc:chgData name="Langegger Valentin - s2310307016" userId="c3768bcc-adb3-484d-9ecc-f21554ad6dce" providerId="ADAL" clId="{44D07C7B-F0A8-44E3-858E-6F10C64459F8}" dt="2024-06-18T18:31:03.049" v="1585" actId="3626"/>
+      <pc:docMkLst>
+        <pc:docMk/>
+      </pc:docMkLst>
+      <pc:sldChg chg="modSp mod">
+        <pc:chgData name="Langegger Valentin - s2310307016" userId="c3768bcc-adb3-484d-9ecc-f21554ad6dce" providerId="ADAL" clId="{44D07C7B-F0A8-44E3-858E-6F10C64459F8}" dt="2024-06-18T18:31:03.049" v="1585" actId="3626"/>
+        <pc:sldMkLst>
+          <pc:docMk/>
+          <pc:sldMk cId="2050878775" sldId="262"/>
+        </pc:sldMkLst>
+        <pc:spChg chg="mod">
+          <ac:chgData name="Langegger Valentin - s2310307016" userId="c3768bcc-adb3-484d-9ecc-f21554ad6dce" providerId="ADAL" clId="{44D07C7B-F0A8-44E3-858E-6F10C64459F8}" dt="2024-06-18T18:31:03.049" v="1585" actId="3626"/>
+          <ac:spMkLst>
+            <pc:docMk/>
+            <pc:sldMk cId="2050878775" sldId="262"/>
+            <ac:spMk id="3" creationId="{42D07A28-9A67-2264-DE01-C5D1B6EDF3B0}"/>
+          </ac:spMkLst>
+        </pc:spChg>
+      </pc:sldChg>
+      <pc:sldChg chg="modSp new mod">
+        <pc:chgData name="Langegger Valentin - s2310307016" userId="c3768bcc-adb3-484d-9ecc-f21554ad6dce" providerId="ADAL" clId="{44D07C7B-F0A8-44E3-858E-6F10C64459F8}" dt="2024-06-18T15:47:59.973" v="75" actId="12"/>
+        <pc:sldMkLst>
+          <pc:docMk/>
+          <pc:sldMk cId="3352256326" sldId="271"/>
+        </pc:sldMkLst>
+        <pc:spChg chg="mod">
+          <ac:chgData name="Langegger Valentin - s2310307016" userId="c3768bcc-adb3-484d-9ecc-f21554ad6dce" providerId="ADAL" clId="{44D07C7B-F0A8-44E3-858E-6F10C64459F8}" dt="2024-06-18T15:47:18.606" v="30" actId="20577"/>
+          <ac:spMkLst>
+            <pc:docMk/>
+            <pc:sldMk cId="3352256326" sldId="271"/>
+            <ac:spMk id="2" creationId="{622BEE68-D4B6-1A5D-1B88-FFA9EE7514AC}"/>
+          </ac:spMkLst>
+        </pc:spChg>
+        <pc:spChg chg="mod">
+          <ac:chgData name="Langegger Valentin - s2310307016" userId="c3768bcc-adb3-484d-9ecc-f21554ad6dce" providerId="ADAL" clId="{44D07C7B-F0A8-44E3-858E-6F10C64459F8}" dt="2024-06-18T15:47:59.973" v="75" actId="12"/>
+          <ac:spMkLst>
+            <pc:docMk/>
+            <pc:sldMk cId="3352256326" sldId="271"/>
+            <ac:spMk id="3" creationId="{6C23710C-D174-0FC1-60FF-8790C85DE36F}"/>
+          </ac:spMkLst>
+        </pc:spChg>
+      </pc:sldChg>
+      <pc:sldChg chg="new del">
+        <pc:chgData name="Langegger Valentin - s2310307016" userId="c3768bcc-adb3-484d-9ecc-f21554ad6dce" providerId="ADAL" clId="{44D07C7B-F0A8-44E3-858E-6F10C64459F8}" dt="2024-06-18T15:46:52.794" v="1" actId="47"/>
+        <pc:sldMkLst>
+          <pc:docMk/>
+          <pc:sldMk cId="3912075723" sldId="271"/>
+        </pc:sldMkLst>
+      </pc:sldChg>
+      <pc:sldChg chg="addSp delSp modSp new mod">
+        <pc:chgData name="Langegger Valentin - s2310307016" userId="c3768bcc-adb3-484d-9ecc-f21554ad6dce" providerId="ADAL" clId="{44D07C7B-F0A8-44E3-858E-6F10C64459F8}" dt="2024-06-18T15:51:21.203" v="289" actId="20577"/>
+        <pc:sldMkLst>
+          <pc:docMk/>
+          <pc:sldMk cId="2367073176" sldId="272"/>
+        </pc:sldMkLst>
+        <pc:spChg chg="mod">
+          <ac:chgData name="Langegger Valentin - s2310307016" userId="c3768bcc-adb3-484d-9ecc-f21554ad6dce" providerId="ADAL" clId="{44D07C7B-F0A8-44E3-858E-6F10C64459F8}" dt="2024-06-18T15:51:21.203" v="289" actId="20577"/>
+          <ac:spMkLst>
+            <pc:docMk/>
+            <pc:sldMk cId="2367073176" sldId="272"/>
+            <ac:spMk id="2" creationId="{E793A25D-DA5C-2CC4-86E2-AC1C31DDB28C}"/>
+          </ac:spMkLst>
+        </pc:spChg>
+        <pc:spChg chg="del">
+          <ac:chgData name="Langegger Valentin - s2310307016" userId="c3768bcc-adb3-484d-9ecc-f21554ad6dce" providerId="ADAL" clId="{44D07C7B-F0A8-44E3-858E-6F10C64459F8}" dt="2024-06-18T15:49:49.384" v="112" actId="478"/>
+          <ac:spMkLst>
+            <pc:docMk/>
+            <pc:sldMk cId="2367073176" sldId="272"/>
+            <ac:spMk id="3" creationId="{C5B4ABC9-3E26-4B39-6243-06193814F0B1}"/>
+          </ac:spMkLst>
+        </pc:spChg>
+        <pc:picChg chg="add mod">
+          <ac:chgData name="Langegger Valentin - s2310307016" userId="c3768bcc-adb3-484d-9ecc-f21554ad6dce" providerId="ADAL" clId="{44D07C7B-F0A8-44E3-858E-6F10C64459F8}" dt="2024-06-18T15:49:05.152" v="81" actId="1076"/>
+          <ac:picMkLst>
+            <pc:docMk/>
+            <pc:sldMk cId="2367073176" sldId="272"/>
+            <ac:picMk id="4" creationId="{5A780290-3B28-2330-D8C2-D5EC3FCC45DF}"/>
+          </ac:picMkLst>
+        </pc:picChg>
+      </pc:sldChg>
+      <pc:sldChg chg="modSp new mod">
+        <pc:chgData name="Langegger Valentin - s2310307016" userId="c3768bcc-adb3-484d-9ecc-f21554ad6dce" providerId="ADAL" clId="{44D07C7B-F0A8-44E3-858E-6F10C64459F8}" dt="2024-06-18T15:50:55.512" v="277" actId="790"/>
+        <pc:sldMkLst>
+          <pc:docMk/>
+          <pc:sldMk cId="937609276" sldId="273"/>
+        </pc:sldMkLst>
+        <pc:spChg chg="mod">
+          <ac:chgData name="Langegger Valentin - s2310307016" userId="c3768bcc-adb3-484d-9ecc-f21554ad6dce" providerId="ADAL" clId="{44D07C7B-F0A8-44E3-858E-6F10C64459F8}" dt="2024-06-18T15:50:55.512" v="277" actId="790"/>
+          <ac:spMkLst>
+            <pc:docMk/>
+            <pc:sldMk cId="937609276" sldId="273"/>
+            <ac:spMk id="2" creationId="{AB28C046-B05F-6B38-6F7A-AA95EA5C85EA}"/>
+          </ac:spMkLst>
+        </pc:spChg>
+        <pc:spChg chg="mod">
+          <ac:chgData name="Langegger Valentin - s2310307016" userId="c3768bcc-adb3-484d-9ecc-f21554ad6dce" providerId="ADAL" clId="{44D07C7B-F0A8-44E3-858E-6F10C64459F8}" dt="2024-06-18T15:50:51.416" v="276" actId="790"/>
+          <ac:spMkLst>
+            <pc:docMk/>
+            <pc:sldMk cId="937609276" sldId="273"/>
+            <ac:spMk id="3" creationId="{D537D221-A59C-3142-9D41-9D17C9D1E4E9}"/>
+          </ac:spMkLst>
+        </pc:spChg>
+      </pc:sldChg>
+      <pc:sldChg chg="modSp new mod">
+        <pc:chgData name="Langegger Valentin - s2310307016" userId="c3768bcc-adb3-484d-9ecc-f21554ad6dce" providerId="ADAL" clId="{44D07C7B-F0A8-44E3-858E-6F10C64459F8}" dt="2024-06-18T16:28:50.166" v="381" actId="20577"/>
+        <pc:sldMkLst>
+          <pc:docMk/>
+          <pc:sldMk cId="399275025" sldId="274"/>
+        </pc:sldMkLst>
+        <pc:spChg chg="mod">
+          <ac:chgData name="Langegger Valentin - s2310307016" userId="c3768bcc-adb3-484d-9ecc-f21554ad6dce" providerId="ADAL" clId="{44D07C7B-F0A8-44E3-858E-6F10C64459F8}" dt="2024-06-18T16:28:05.411" v="307" actId="122"/>
+          <ac:spMkLst>
+            <pc:docMk/>
+            <pc:sldMk cId="399275025" sldId="274"/>
+            <ac:spMk id="2" creationId="{2107C325-1745-F3BE-8284-0213A581C330}"/>
+          </ac:spMkLst>
+        </pc:spChg>
+        <pc:spChg chg="mod">
+          <ac:chgData name="Langegger Valentin - s2310307016" userId="c3768bcc-adb3-484d-9ecc-f21554ad6dce" providerId="ADAL" clId="{44D07C7B-F0A8-44E3-858E-6F10C64459F8}" dt="2024-06-18T16:28:50.166" v="381" actId="20577"/>
+          <ac:spMkLst>
+            <pc:docMk/>
+            <pc:sldMk cId="399275025" sldId="274"/>
+            <ac:spMk id="3" creationId="{6D01F132-007F-5404-6C0D-C0765697469D}"/>
+          </ac:spMkLst>
+        </pc:spChg>
+      </pc:sldChg>
+      <pc:sldChg chg="modSp new mod">
+        <pc:chgData name="Langegger Valentin - s2310307016" userId="c3768bcc-adb3-484d-9ecc-f21554ad6dce" providerId="ADAL" clId="{44D07C7B-F0A8-44E3-858E-6F10C64459F8}" dt="2024-06-18T16:31:44.896" v="609" actId="20577"/>
+        <pc:sldMkLst>
+          <pc:docMk/>
+          <pc:sldMk cId="2430631305" sldId="275"/>
+        </pc:sldMkLst>
+        <pc:spChg chg="mod">
+          <ac:chgData name="Langegger Valentin - s2310307016" userId="c3768bcc-adb3-484d-9ecc-f21554ad6dce" providerId="ADAL" clId="{44D07C7B-F0A8-44E3-858E-6F10C64459F8}" dt="2024-06-18T16:30:31.961" v="441" actId="122"/>
+          <ac:spMkLst>
+            <pc:docMk/>
+            <pc:sldMk cId="2430631305" sldId="275"/>
+            <ac:spMk id="2" creationId="{33580BEF-90D5-ED4F-311A-CE59F017276D}"/>
+          </ac:spMkLst>
+        </pc:spChg>
+        <pc:spChg chg="mod">
+          <ac:chgData name="Langegger Valentin - s2310307016" userId="c3768bcc-adb3-484d-9ecc-f21554ad6dce" providerId="ADAL" clId="{44D07C7B-F0A8-44E3-858E-6F10C64459F8}" dt="2024-06-18T16:31:44.896" v="609" actId="20577"/>
+          <ac:spMkLst>
+            <pc:docMk/>
+            <pc:sldMk cId="2430631305" sldId="275"/>
+            <ac:spMk id="3" creationId="{7340F12B-380C-6AA8-F5FB-649AA5B89434}"/>
+          </ac:spMkLst>
+        </pc:spChg>
+      </pc:sldChg>
+      <pc:sldChg chg="modSp new del mod">
+        <pc:chgData name="Langegger Valentin - s2310307016" userId="c3768bcc-adb3-484d-9ecc-f21554ad6dce" providerId="ADAL" clId="{44D07C7B-F0A8-44E3-858E-6F10C64459F8}" dt="2024-06-18T16:31:30.960" v="559" actId="47"/>
+        <pc:sldMkLst>
+          <pc:docMk/>
+          <pc:sldMk cId="118706450" sldId="276"/>
+        </pc:sldMkLst>
+        <pc:spChg chg="mod">
+          <ac:chgData name="Langegger Valentin - s2310307016" userId="c3768bcc-adb3-484d-9ecc-f21554ad6dce" providerId="ADAL" clId="{44D07C7B-F0A8-44E3-858E-6F10C64459F8}" dt="2024-06-18T16:30:52.586" v="474" actId="122"/>
+          <ac:spMkLst>
+            <pc:docMk/>
+            <pc:sldMk cId="118706450" sldId="276"/>
+            <ac:spMk id="2" creationId="{C570D1D7-383C-A2CF-7D6F-0A93F8F9821D}"/>
+          </ac:spMkLst>
+        </pc:spChg>
+        <pc:spChg chg="mod">
+          <ac:chgData name="Langegger Valentin - s2310307016" userId="c3768bcc-adb3-484d-9ecc-f21554ad6dce" providerId="ADAL" clId="{44D07C7B-F0A8-44E3-858E-6F10C64459F8}" dt="2024-06-18T16:31:19.715" v="558" actId="20577"/>
+          <ac:spMkLst>
+            <pc:docMk/>
+            <pc:sldMk cId="118706450" sldId="276"/>
+            <ac:spMk id="3" creationId="{B39FF400-1890-1E0A-B238-F431F70DC088}"/>
+          </ac:spMkLst>
+        </pc:spChg>
+      </pc:sldChg>
+      <pc:sldChg chg="addSp delSp modSp new mod">
+        <pc:chgData name="Langegger Valentin - s2310307016" userId="c3768bcc-adb3-484d-9ecc-f21554ad6dce" providerId="ADAL" clId="{44D07C7B-F0A8-44E3-858E-6F10C64459F8}" dt="2024-06-18T16:53:37.496" v="834" actId="20577"/>
+        <pc:sldMkLst>
+          <pc:docMk/>
+          <pc:sldMk cId="308071996" sldId="276"/>
+        </pc:sldMkLst>
+        <pc:spChg chg="mod">
+          <ac:chgData name="Langegger Valentin - s2310307016" userId="c3768bcc-adb3-484d-9ecc-f21554ad6dce" providerId="ADAL" clId="{44D07C7B-F0A8-44E3-858E-6F10C64459F8}" dt="2024-06-18T16:31:59.522" v="644" actId="122"/>
+          <ac:spMkLst>
+            <pc:docMk/>
+            <pc:sldMk cId="308071996" sldId="276"/>
+            <ac:spMk id="2" creationId="{9C0DCB4F-4AD8-DB64-CB33-F1EB90CCFFFD}"/>
+          </ac:spMkLst>
+        </pc:spChg>
+        <pc:spChg chg="del mod">
+          <ac:chgData name="Langegger Valentin - s2310307016" userId="c3768bcc-adb3-484d-9ecc-f21554ad6dce" providerId="ADAL" clId="{44D07C7B-F0A8-44E3-858E-6F10C64459F8}" dt="2024-06-18T16:35:49.540" v="694"/>
+          <ac:spMkLst>
+            <pc:docMk/>
+            <pc:sldMk cId="308071996" sldId="276"/>
+            <ac:spMk id="3" creationId="{77DEC2DC-E623-1C92-1459-4361EECE5A7B}"/>
+          </ac:spMkLst>
+        </pc:spChg>
+        <pc:spChg chg="add mod">
+          <ac:chgData name="Langegger Valentin - s2310307016" userId="c3768bcc-adb3-484d-9ecc-f21554ad6dce" providerId="ADAL" clId="{44D07C7B-F0A8-44E3-858E-6F10C64459F8}" dt="2024-06-18T16:53:37.496" v="834" actId="20577"/>
+          <ac:spMkLst>
+            <pc:docMk/>
+            <pc:sldMk cId="308071996" sldId="276"/>
+            <ac:spMk id="5" creationId="{25605F49-7140-9C2A-AD1C-8137C7529391}"/>
+          </ac:spMkLst>
+        </pc:spChg>
+        <pc:picChg chg="add mod">
+          <ac:chgData name="Langegger Valentin - s2310307016" userId="c3768bcc-adb3-484d-9ecc-f21554ad6dce" providerId="ADAL" clId="{44D07C7B-F0A8-44E3-858E-6F10C64459F8}" dt="2024-06-18T16:53:04.859" v="829" actId="1076"/>
+          <ac:picMkLst>
+            <pc:docMk/>
+            <pc:sldMk cId="308071996" sldId="276"/>
+            <ac:picMk id="4" creationId="{F1A731DB-3659-4066-1822-22AB33149F7D}"/>
+          </ac:picMkLst>
+        </pc:picChg>
+      </pc:sldChg>
+      <pc:sldChg chg="modSp new mod">
+        <pc:chgData name="Langegger Valentin - s2310307016" userId="c3768bcc-adb3-484d-9ecc-f21554ad6dce" providerId="ADAL" clId="{44D07C7B-F0A8-44E3-858E-6F10C64459F8}" dt="2024-06-18T18:09:32.365" v="921" actId="20577"/>
+        <pc:sldMkLst>
+          <pc:docMk/>
+          <pc:sldMk cId="3655021036" sldId="277"/>
+        </pc:sldMkLst>
+        <pc:spChg chg="mod">
+          <ac:chgData name="Langegger Valentin - s2310307016" userId="c3768bcc-adb3-484d-9ecc-f21554ad6dce" providerId="ADAL" clId="{44D07C7B-F0A8-44E3-858E-6F10C64459F8}" dt="2024-06-18T16:53:56.609" v="850" actId="122"/>
+          <ac:spMkLst>
+            <pc:docMk/>
+            <pc:sldMk cId="3655021036" sldId="277"/>
+            <ac:spMk id="2" creationId="{AFDC94E8-B36E-8192-8EF9-C7AAD8FD8777}"/>
+          </ac:spMkLst>
+        </pc:spChg>
+        <pc:spChg chg="mod">
+          <ac:chgData name="Langegger Valentin - s2310307016" userId="c3768bcc-adb3-484d-9ecc-f21554ad6dce" providerId="ADAL" clId="{44D07C7B-F0A8-44E3-858E-6F10C64459F8}" dt="2024-06-18T18:09:32.365" v="921" actId="20577"/>
+          <ac:spMkLst>
+            <pc:docMk/>
+            <pc:sldMk cId="3655021036" sldId="277"/>
+            <ac:spMk id="3" creationId="{7A5DF38B-85B6-1AED-F429-E1ADE8489731}"/>
+          </ac:spMkLst>
+        </pc:spChg>
+      </pc:sldChg>
+      <pc:sldChg chg="addSp modSp new mod">
+        <pc:chgData name="Langegger Valentin - s2310307016" userId="c3768bcc-adb3-484d-9ecc-f21554ad6dce" providerId="ADAL" clId="{44D07C7B-F0A8-44E3-858E-6F10C64459F8}" dt="2024-06-18T18:11:36.849" v="1008" actId="1076"/>
+        <pc:sldMkLst>
+          <pc:docMk/>
+          <pc:sldMk cId="1547482182" sldId="278"/>
+        </pc:sldMkLst>
+        <pc:spChg chg="mod">
+          <ac:chgData name="Langegger Valentin - s2310307016" userId="c3768bcc-adb3-484d-9ecc-f21554ad6dce" providerId="ADAL" clId="{44D07C7B-F0A8-44E3-858E-6F10C64459F8}" dt="2024-06-18T18:10:12.543" v="943" actId="122"/>
+          <ac:spMkLst>
+            <pc:docMk/>
+            <pc:sldMk cId="1547482182" sldId="278"/>
+            <ac:spMk id="2" creationId="{969C3B96-6F35-EF27-CF56-BE46DF4498A1}"/>
+          </ac:spMkLst>
+        </pc:spChg>
+        <pc:spChg chg="mod">
+          <ac:chgData name="Langegger Valentin - s2310307016" userId="c3768bcc-adb3-484d-9ecc-f21554ad6dce" providerId="ADAL" clId="{44D07C7B-F0A8-44E3-858E-6F10C64459F8}" dt="2024-06-18T18:11:34.203" v="1007" actId="20577"/>
+          <ac:spMkLst>
+            <pc:docMk/>
+            <pc:sldMk cId="1547482182" sldId="278"/>
+            <ac:spMk id="3" creationId="{6F526A9B-18FB-CE46-4D3D-BDDB1A18B058}"/>
+          </ac:spMkLst>
+        </pc:spChg>
+        <pc:picChg chg="add mod">
+          <ac:chgData name="Langegger Valentin - s2310307016" userId="c3768bcc-adb3-484d-9ecc-f21554ad6dce" providerId="ADAL" clId="{44D07C7B-F0A8-44E3-858E-6F10C64459F8}" dt="2024-06-18T18:11:36.849" v="1008" actId="1076"/>
+          <ac:picMkLst>
+            <pc:docMk/>
+            <pc:sldMk cId="1547482182" sldId="278"/>
+            <ac:picMk id="4" creationId="{DFB76037-4805-956F-7A88-4280DE332495}"/>
+          </ac:picMkLst>
+        </pc:picChg>
+      </pc:sldChg>
+      <pc:sldChg chg="modSp new mod">
+        <pc:chgData name="Langegger Valentin - s2310307016" userId="c3768bcc-adb3-484d-9ecc-f21554ad6dce" providerId="ADAL" clId="{44D07C7B-F0A8-44E3-858E-6F10C64459F8}" dt="2024-06-18T18:29:04.223" v="1580" actId="20577"/>
+        <pc:sldMkLst>
+          <pc:docMk/>
+          <pc:sldMk cId="1961238011" sldId="279"/>
+        </pc:sldMkLst>
+        <pc:spChg chg="mod">
+          <ac:chgData name="Langegger Valentin - s2310307016" userId="c3768bcc-adb3-484d-9ecc-f21554ad6dce" providerId="ADAL" clId="{44D07C7B-F0A8-44E3-858E-6F10C64459F8}" dt="2024-06-18T18:11:56.323" v="1016" actId="122"/>
+          <ac:spMkLst>
+            <pc:docMk/>
+            <pc:sldMk cId="1961238011" sldId="279"/>
+            <ac:spMk id="2" creationId="{5AFACEA8-4EA7-B78C-95CD-336556021E6A}"/>
+          </ac:spMkLst>
+        </pc:spChg>
+        <pc:spChg chg="mod">
+          <ac:chgData name="Langegger Valentin - s2310307016" userId="c3768bcc-adb3-484d-9ecc-f21554ad6dce" providerId="ADAL" clId="{44D07C7B-F0A8-44E3-858E-6F10C64459F8}" dt="2024-06-18T18:29:04.223" v="1580" actId="20577"/>
+          <ac:spMkLst>
+            <pc:docMk/>
+            <pc:sldMk cId="1961238011" sldId="279"/>
+            <ac:spMk id="3" creationId="{E014FD7A-F336-672C-B5FB-04E2B13F8CF8}"/>
+          </ac:spMkLst>
+        </pc:spChg>
+      </pc:sldChg>
+      <pc:sldChg chg="addSp modSp new mod">
+        <pc:chgData name="Langegger Valentin - s2310307016" userId="c3768bcc-adb3-484d-9ecc-f21554ad6dce" providerId="ADAL" clId="{44D07C7B-F0A8-44E3-858E-6F10C64459F8}" dt="2024-06-18T18:16:01.476" v="1362" actId="20577"/>
+        <pc:sldMkLst>
+          <pc:docMk/>
+          <pc:sldMk cId="1661772110" sldId="280"/>
+        </pc:sldMkLst>
+        <pc:spChg chg="mod">
+          <ac:chgData name="Langegger Valentin - s2310307016" userId="c3768bcc-adb3-484d-9ecc-f21554ad6dce" providerId="ADAL" clId="{44D07C7B-F0A8-44E3-858E-6F10C64459F8}" dt="2024-06-18T18:15:13" v="1317" actId="122"/>
+          <ac:spMkLst>
+            <pc:docMk/>
+            <pc:sldMk cId="1661772110" sldId="280"/>
+            <ac:spMk id="2" creationId="{8EEE58E1-8032-4105-6750-B6FDF1188706}"/>
+          </ac:spMkLst>
+        </pc:spChg>
+        <pc:spChg chg="mod">
+          <ac:chgData name="Langegger Valentin - s2310307016" userId="c3768bcc-adb3-484d-9ecc-f21554ad6dce" providerId="ADAL" clId="{44D07C7B-F0A8-44E3-858E-6F10C64459F8}" dt="2024-06-18T18:16:01.476" v="1362" actId="20577"/>
+          <ac:spMkLst>
+            <pc:docMk/>
+            <pc:sldMk cId="1661772110" sldId="280"/>
+            <ac:spMk id="3" creationId="{4266AE7C-2375-88EC-9042-D199AC1CCAD4}"/>
+          </ac:spMkLst>
+        </pc:spChg>
+        <pc:picChg chg="add mod">
+          <ac:chgData name="Langegger Valentin - s2310307016" userId="c3768bcc-adb3-484d-9ecc-f21554ad6dce" providerId="ADAL" clId="{44D07C7B-F0A8-44E3-858E-6F10C64459F8}" dt="2024-06-18T18:15:45.523" v="1318" actId="1076"/>
+          <ac:picMkLst>
+            <pc:docMk/>
+            <pc:sldMk cId="1661772110" sldId="280"/>
+            <ac:picMk id="5" creationId="{97CA51DF-41B8-6D8D-34DD-251FDCFD33C7}"/>
+          </ac:picMkLst>
+        </pc:picChg>
+        <pc:picChg chg="add mod">
+          <ac:chgData name="Langegger Valentin - s2310307016" userId="c3768bcc-adb3-484d-9ecc-f21554ad6dce" providerId="ADAL" clId="{44D07C7B-F0A8-44E3-858E-6F10C64459F8}" dt="2024-06-18T18:15:00.547" v="1293" actId="1076"/>
+          <ac:picMkLst>
+            <pc:docMk/>
+            <pc:sldMk cId="1661772110" sldId="280"/>
+            <ac:picMk id="7" creationId="{81FD6015-AFDB-20B2-272F-B7A45972F669}"/>
+          </ac:picMkLst>
+        </pc:picChg>
+      </pc:sldChg>
+      <pc:sldChg chg="modSp new mod">
+        <pc:chgData name="Langegger Valentin - s2310307016" userId="c3768bcc-adb3-484d-9ecc-f21554ad6dce" providerId="ADAL" clId="{44D07C7B-F0A8-44E3-858E-6F10C64459F8}" dt="2024-06-18T18:28:49.462" v="1539" actId="20577"/>
+        <pc:sldMkLst>
+          <pc:docMk/>
+          <pc:sldMk cId="3148647295" sldId="281"/>
+        </pc:sldMkLst>
+        <pc:spChg chg="mod">
+          <ac:chgData name="Langegger Valentin - s2310307016" userId="c3768bcc-adb3-484d-9ecc-f21554ad6dce" providerId="ADAL" clId="{44D07C7B-F0A8-44E3-858E-6F10C64459F8}" dt="2024-06-18T18:16:09.798" v="1374" actId="122"/>
+          <ac:spMkLst>
+            <pc:docMk/>
+            <pc:sldMk cId="3148647295" sldId="281"/>
+            <ac:spMk id="2" creationId="{F0786086-3719-ED06-FB16-56822D28FFE2}"/>
+          </ac:spMkLst>
+        </pc:spChg>
+        <pc:spChg chg="mod">
+          <ac:chgData name="Langegger Valentin - s2310307016" userId="c3768bcc-adb3-484d-9ecc-f21554ad6dce" providerId="ADAL" clId="{44D07C7B-F0A8-44E3-858E-6F10C64459F8}" dt="2024-06-18T18:28:49.462" v="1539" actId="20577"/>
+          <ac:spMkLst>
+            <pc:docMk/>
+            <pc:sldMk cId="3148647295" sldId="281"/>
+            <ac:spMk id="3" creationId="{48ADFCF6-ACAE-287E-DD51-9EC91A4CF853}"/>
+          </ac:spMkLst>
+        </pc:spChg>
+      </pc:sldChg>
+    </pc:docChg>
+  </pc:docChgLst>
+</pc:chgInfo>
+</file>
+
 <file path=ppt/notesMasters/notesMaster1.xml><?xml version="1.0" encoding="utf-8"?>
 <p:notesMaster xmlns:a="http://schemas.openxmlformats.org/drawingml/2006/main" xmlns:r="http://schemas.openxmlformats.org/officeDocument/2006/relationships" xmlns:p="http://schemas.openxmlformats.org/presentationml/2006/main">
   <p:cSld>
@@ -208,7 +588,7 @@
           <a:p>
             <a:fld id="{B614D42E-D402-408B-8008-C7C176717511}" type="datetimeFigureOut">
               <a:rPr lang="de-AT" smtClean="0"/>
-              <a:t>14.06.2024</a:t>
+              <a:t>21.06.2024</a:t>
             </a:fld>
             <a:endParaRPr lang="de-AT"/>
           </a:p>
@@ -607,7 +987,7 @@
           <a:p>
             <a:fld id="{B194A4EC-4E50-4867-BB7A-2E9D83FB4FD3}" type="datetimeFigureOut">
               <a:rPr lang="en-AT" smtClean="0"/>
-              <a:t>14/06/2024</a:t>
+              <a:t>21/06/2024</a:t>
             </a:fld>
             <a:endParaRPr lang="en-AT"/>
           </a:p>
@@ -777,7 +1157,7 @@
           <a:p>
             <a:fld id="{B194A4EC-4E50-4867-BB7A-2E9D83FB4FD3}" type="datetimeFigureOut">
               <a:rPr lang="en-AT" smtClean="0"/>
-              <a:t>14/06/2024</a:t>
+              <a:t>21/06/2024</a:t>
             </a:fld>
             <a:endParaRPr lang="en-AT"/>
           </a:p>
@@ -957,7 +1337,7 @@
           <a:p>
             <a:fld id="{B194A4EC-4E50-4867-BB7A-2E9D83FB4FD3}" type="datetimeFigureOut">
               <a:rPr lang="en-AT" smtClean="0"/>
-              <a:t>14/06/2024</a:t>
+              <a:t>21/06/2024</a:t>
             </a:fld>
             <a:endParaRPr lang="en-AT"/>
           </a:p>
@@ -1127,7 +1507,7 @@
           <a:p>
             <a:fld id="{B194A4EC-4E50-4867-BB7A-2E9D83FB4FD3}" type="datetimeFigureOut">
               <a:rPr lang="en-AT" smtClean="0"/>
-              <a:t>14/06/2024</a:t>
+              <a:t>21/06/2024</a:t>
             </a:fld>
             <a:endParaRPr lang="en-AT"/>
           </a:p>
@@ -1373,7 +1753,7 @@
           <a:p>
             <a:fld id="{B194A4EC-4E50-4867-BB7A-2E9D83FB4FD3}" type="datetimeFigureOut">
               <a:rPr lang="en-AT" smtClean="0"/>
-              <a:t>14/06/2024</a:t>
+              <a:t>21/06/2024</a:t>
             </a:fld>
             <a:endParaRPr lang="en-AT"/>
           </a:p>
@@ -1605,7 +1985,7 @@
           <a:p>
             <a:fld id="{B194A4EC-4E50-4867-BB7A-2E9D83FB4FD3}" type="datetimeFigureOut">
               <a:rPr lang="en-AT" smtClean="0"/>
-              <a:t>14/06/2024</a:t>
+              <a:t>21/06/2024</a:t>
             </a:fld>
             <a:endParaRPr lang="en-AT"/>
           </a:p>
@@ -1972,7 +2352,7 @@
           <a:p>
             <a:fld id="{B194A4EC-4E50-4867-BB7A-2E9D83FB4FD3}" type="datetimeFigureOut">
               <a:rPr lang="en-AT" smtClean="0"/>
-              <a:t>14/06/2024</a:t>
+              <a:t>21/06/2024</a:t>
             </a:fld>
             <a:endParaRPr lang="en-AT"/>
           </a:p>
@@ -2090,7 +2470,7 @@
           <a:p>
             <a:fld id="{B194A4EC-4E50-4867-BB7A-2E9D83FB4FD3}" type="datetimeFigureOut">
               <a:rPr lang="en-AT" smtClean="0"/>
-              <a:t>14/06/2024</a:t>
+              <a:t>21/06/2024</a:t>
             </a:fld>
             <a:endParaRPr lang="en-AT"/>
           </a:p>
@@ -2185,7 +2565,7 @@
           <a:p>
             <a:fld id="{B194A4EC-4E50-4867-BB7A-2E9D83FB4FD3}" type="datetimeFigureOut">
               <a:rPr lang="en-AT" smtClean="0"/>
-              <a:t>14/06/2024</a:t>
+              <a:t>21/06/2024</a:t>
             </a:fld>
             <a:endParaRPr lang="en-AT"/>
           </a:p>
@@ -2462,7 +2842,7 @@
           <a:p>
             <a:fld id="{B194A4EC-4E50-4867-BB7A-2E9D83FB4FD3}" type="datetimeFigureOut">
               <a:rPr lang="en-AT" smtClean="0"/>
-              <a:t>14/06/2024</a:t>
+              <a:t>21/06/2024</a:t>
             </a:fld>
             <a:endParaRPr lang="en-AT"/>
           </a:p>
@@ -2719,7 +3099,7 @@
           <a:p>
             <a:fld id="{B194A4EC-4E50-4867-BB7A-2E9D83FB4FD3}" type="datetimeFigureOut">
               <a:rPr lang="en-AT" smtClean="0"/>
-              <a:t>14/06/2024</a:t>
+              <a:t>21/06/2024</a:t>
             </a:fld>
             <a:endParaRPr lang="en-AT"/>
           </a:p>
@@ -2932,7 +3312,7 @@
           <a:p>
             <a:fld id="{B194A4EC-4E50-4867-BB7A-2E9D83FB4FD3}" type="datetimeFigureOut">
               <a:rPr lang="en-AT" smtClean="0"/>
-              <a:t>14/06/2024</a:t>
+              <a:t>21/06/2024</a:t>
             </a:fld>
             <a:endParaRPr lang="en-AT"/>
           </a:p>
@@ -3404,10 +3784,10 @@
       </p:grpSpPr>
       <p:sp>
         <p:nvSpPr>
-          <p:cNvPr id="2" name="Title 1">
+          <p:cNvPr id="2" name="Titel 1">
             <a:extLst>
               <a:ext uri="{FF2B5EF4-FFF2-40B4-BE49-F238E27FC236}">
-                <a16:creationId xmlns:a16="http://schemas.microsoft.com/office/drawing/2014/main" id="{EE50FC3C-AACC-C2FC-154A-A3EC15F30D1E}"/>
+                <a16:creationId xmlns:a16="http://schemas.microsoft.com/office/drawing/2014/main" id="{969C3B96-6F35-EF27-CF56-BE46DF4498A1}"/>
               </a:ext>
             </a:extLst>
           </p:cNvPr>
@@ -3425,18 +3805,19 @@
           <a:p>
             <a:pPr algn="ctr"/>
             <a:r>
-              <a:rPr lang="en-GB" dirty="0"/>
-              <a:t>Squash Commit and Rebase</a:t>
-            </a:r>
-          </a:p>
-        </p:txBody>
-      </p:sp>
-      <p:sp>
-        <p:nvSpPr>
-          <p:cNvPr id="19" name="Content Placeholder 18">
+              <a:rPr lang="de-DE" dirty="0"/>
+              <a:t>Git – Code Review</a:t>
+            </a:r>
+            <a:endParaRPr lang="en-GB" dirty="0"/>
+          </a:p>
+        </p:txBody>
+      </p:sp>
+      <p:sp>
+        <p:nvSpPr>
+          <p:cNvPr id="3" name="Inhaltsplatzhalter 2">
             <a:extLst>
               <a:ext uri="{FF2B5EF4-FFF2-40B4-BE49-F238E27FC236}">
-                <a16:creationId xmlns:a16="http://schemas.microsoft.com/office/drawing/2014/main" id="{08103D50-4417-9C94-54A2-16B0218D2071}"/>
+                <a16:creationId xmlns:a16="http://schemas.microsoft.com/office/drawing/2014/main" id="{6F526A9B-18FB-CE46-4D3D-BDDB1A18B058}"/>
               </a:ext>
             </a:extLst>
           </p:cNvPr>
@@ -3444,181 +3825,72 @@
             <a:spLocks noGrp="1"/>
           </p:cNvSpPr>
           <p:nvPr>
-            <p:ph sz="half" idx="1"/>
-          </p:nvPr>
-        </p:nvSpPr>
-        <p:spPr>
-          <a:xfrm>
-            <a:off x="838200" y="3946357"/>
-            <a:ext cx="5181600" cy="2230605"/>
-          </a:xfrm>
-        </p:spPr>
-        <p:txBody>
-          <a:bodyPr/>
-          <a:lstStyle/>
-          <a:p>
-            <a:pPr marL="0" indent="0" algn="ctr">
-              <a:buNone/>
-            </a:pPr>
-            <a:r>
-              <a:rPr lang="en-GB" b="1" dirty="0"/>
-              <a:t>+</a:t>
-            </a:r>
-          </a:p>
-          <a:p>
-            <a:pPr marL="0" indent="0" algn="ctr">
-              <a:buNone/>
-            </a:pPr>
-            <a:r>
-              <a:rPr lang="en-GB" dirty="0"/>
-              <a:t>Clean history</a:t>
-            </a:r>
-            <a:endParaRPr lang="de-AT" dirty="0"/>
-          </a:p>
-        </p:txBody>
-      </p:sp>
-      <p:sp>
-        <p:nvSpPr>
-          <p:cNvPr id="20" name="Content Placeholder 19">
-            <a:extLst>
-              <a:ext uri="{FF2B5EF4-FFF2-40B4-BE49-F238E27FC236}">
-                <a16:creationId xmlns:a16="http://schemas.microsoft.com/office/drawing/2014/main" id="{60D338C3-E25A-63DD-94CB-DF8DE0EA7815}"/>
-              </a:ext>
-            </a:extLst>
-          </p:cNvPr>
-          <p:cNvSpPr>
-            <a:spLocks noGrp="1"/>
-          </p:cNvSpPr>
-          <p:nvPr>
-            <p:ph sz="half" idx="2"/>
-          </p:nvPr>
-        </p:nvSpPr>
-        <p:spPr>
-          <a:xfrm>
-            <a:off x="6172200" y="3946357"/>
-            <a:ext cx="5181600" cy="2230605"/>
-          </a:xfrm>
-        </p:spPr>
-        <p:txBody>
-          <a:bodyPr/>
-          <a:lstStyle/>
-          <a:p>
-            <a:pPr marL="0" indent="0" algn="ctr">
-              <a:buNone/>
-            </a:pPr>
-            <a:r>
-              <a:rPr lang="en-GB" b="1" dirty="0"/>
-              <a:t>-</a:t>
-            </a:r>
-          </a:p>
-          <a:p>
-            <a:pPr marL="0" indent="0" algn="ctr">
-              <a:buNone/>
-            </a:pPr>
-            <a:r>
-              <a:rPr lang="en-GB" dirty="0"/>
-              <a:t>Rewrites history</a:t>
-            </a:r>
-          </a:p>
-          <a:p>
-            <a:pPr marL="0" indent="0" algn="ctr">
-              <a:buNone/>
-            </a:pPr>
-            <a:r>
-              <a:rPr lang="en-GB" dirty="0"/>
-              <a:t>Commits get compressed</a:t>
-            </a:r>
-          </a:p>
-          <a:p>
-            <a:pPr marL="0" indent="0" algn="ctr">
-              <a:buNone/>
-            </a:pPr>
-            <a:r>
-              <a:rPr lang="en-GB" dirty="0"/>
-              <a:t>Never rebase shared branches!!!</a:t>
-            </a:r>
-            <a:endParaRPr lang="de-AT" dirty="0"/>
-          </a:p>
-        </p:txBody>
-      </p:sp>
-      <p:sp>
-        <p:nvSpPr>
-          <p:cNvPr id="6" name="TextBox 5">
-            <a:extLst>
-              <a:ext uri="{FF2B5EF4-FFF2-40B4-BE49-F238E27FC236}">
-                <a16:creationId xmlns:a16="http://schemas.microsoft.com/office/drawing/2014/main" id="{554B6E34-CEB2-BED3-A433-A8564FA92055}"/>
-              </a:ext>
-            </a:extLst>
-          </p:cNvPr>
-          <p:cNvSpPr txBox="1"/>
-          <p:nvPr/>
-        </p:nvSpPr>
-        <p:spPr>
-          <a:xfrm>
-            <a:off x="0" y="6492875"/>
-            <a:ext cx="8903368" cy="369332"/>
-          </a:xfrm>
-          <a:prstGeom prst="rect">
-            <a:avLst/>
-          </a:prstGeom>
-          <a:noFill/>
-        </p:spPr>
-        <p:txBody>
-          <a:bodyPr wrap="square" rtlCol="0">
-            <a:spAutoFit/>
-          </a:bodyPr>
-          <a:lstStyle/>
-          <a:p>
-            <a:r>
-              <a:rPr lang="de-AT" dirty="0"/>
-              <a:t>https://www.atlassian.com/de/git</a:t>
-            </a:r>
-          </a:p>
-        </p:txBody>
-      </p:sp>
-      <p:sp>
-        <p:nvSpPr>
-          <p:cNvPr id="23" name="TextBox 22">
-            <a:extLst>
-              <a:ext uri="{FF2B5EF4-FFF2-40B4-BE49-F238E27FC236}">
-                <a16:creationId xmlns:a16="http://schemas.microsoft.com/office/drawing/2014/main" id="{08394621-EEAD-A400-28C6-86193001A20E}"/>
-              </a:ext>
-            </a:extLst>
-          </p:cNvPr>
-          <p:cNvSpPr txBox="1"/>
-          <p:nvPr/>
-        </p:nvSpPr>
-        <p:spPr>
-          <a:xfrm>
-            <a:off x="838199" y="1616744"/>
-            <a:ext cx="10515599" cy="523220"/>
-          </a:xfrm>
-          <a:prstGeom prst="rect">
-            <a:avLst/>
-          </a:prstGeom>
-          <a:noFill/>
-        </p:spPr>
-        <p:txBody>
-          <a:bodyPr wrap="square" rtlCol="0">
-            <a:spAutoFit/>
-          </a:bodyPr>
-          <a:lstStyle/>
-          <a:p>
-            <a:pPr algn="ctr"/>
-            <a:r>
-              <a:rPr lang="en-GB" sz="2800" dirty="0"/>
-              <a:t>Changes get added at the end of the main branch, as a single commit</a:t>
-            </a:r>
-            <a:endParaRPr lang="de-AT" sz="2800" dirty="0"/>
+            <p:ph idx="1"/>
+          </p:nvPr>
+        </p:nvSpPr>
+        <p:spPr/>
+        <p:txBody>
+          <a:bodyPr/>
+          <a:lstStyle/>
+          <a:p>
+            <a:r>
+              <a:rPr lang="de-DE" dirty="0"/>
+              <a:t>Manager </a:t>
+            </a:r>
+            <a:r>
+              <a:rPr lang="de-DE" dirty="0" err="1"/>
+              <a:t>reviews</a:t>
+            </a:r>
+            <a:r>
+              <a:rPr lang="de-DE" dirty="0"/>
+              <a:t> </a:t>
+            </a:r>
+            <a:r>
+              <a:rPr lang="de-DE" dirty="0" err="1"/>
+              <a:t>your</a:t>
+            </a:r>
+            <a:r>
+              <a:rPr lang="de-DE" dirty="0"/>
+              <a:t> PR </a:t>
+            </a:r>
+            <a:r>
+              <a:rPr lang="de-DE" dirty="0" err="1"/>
+              <a:t>before</a:t>
+            </a:r>
+            <a:r>
+              <a:rPr lang="de-DE" dirty="0"/>
+              <a:t> </a:t>
+            </a:r>
+            <a:r>
+              <a:rPr lang="de-DE" dirty="0" err="1"/>
+              <a:t>merging</a:t>
+            </a:r>
+            <a:r>
+              <a:rPr lang="de-DE" dirty="0"/>
+              <a:t> </a:t>
+            </a:r>
+            <a:r>
+              <a:rPr lang="de-DE" dirty="0" err="1"/>
+              <a:t>into</a:t>
+            </a:r>
+            <a:r>
+              <a:rPr lang="de-DE" dirty="0"/>
+              <a:t> </a:t>
+            </a:r>
+            <a:r>
+              <a:rPr lang="de-DE" dirty="0" err="1"/>
+              <a:t>main</a:t>
+            </a:r>
+            <a:endParaRPr lang="en-GB" dirty="0"/>
           </a:p>
         </p:txBody>
       </p:sp>
       <p:pic>
         <p:nvPicPr>
-          <p:cNvPr id="4" name="Picture 3" descr="A black background with white and pink circles&#10;&#10;Description automatically generated">
+          <p:cNvPr id="4" name="Picture 3" descr="A white arrow pointing to the left&#10;&#10;Description automatically generated">
             <a:extLst>
               <a:ext uri="{FF2B5EF4-FFF2-40B4-BE49-F238E27FC236}">
-                <a16:creationId xmlns:a16="http://schemas.microsoft.com/office/drawing/2014/main" id="{F8735463-AF6D-6B6D-58D9-CEC882F65278}"/>
+                <a16:creationId xmlns:a16="http://schemas.microsoft.com/office/drawing/2014/main" id="{DFB76037-4805-956F-7A88-4280DE332495}"/>
               </a:ext>
             </a:extLst>
           </p:cNvPr>
@@ -3641,8 +3913,8 @@
         </p:blipFill>
         <p:spPr>
           <a:xfrm>
-            <a:off x="2662238" y="2584282"/>
-            <a:ext cx="6867525" cy="1362075"/>
+            <a:off x="2264634" y="3886719"/>
+            <a:ext cx="7448550" cy="1362075"/>
           </a:xfrm>
           <a:prstGeom prst="rect">
             <a:avLst/>
@@ -3652,7 +3924,7 @@
     </p:spTree>
     <p:extLst>
       <p:ext uri="{BB962C8B-B14F-4D97-AF65-F5344CB8AC3E}">
-        <p14:creationId xmlns:p14="http://schemas.microsoft.com/office/powerpoint/2010/main" val="2062656603"/>
+        <p14:creationId xmlns:p14="http://schemas.microsoft.com/office/powerpoint/2010/main" val="1547482182"/>
       </p:ext>
     </p:extLst>
   </p:cSld>
@@ -3681,10 +3953,10 @@
       </p:grpSpPr>
       <p:sp>
         <p:nvSpPr>
-          <p:cNvPr id="2" name="Title 1">
+          <p:cNvPr id="2" name="Titel 1">
             <a:extLst>
               <a:ext uri="{FF2B5EF4-FFF2-40B4-BE49-F238E27FC236}">
-                <a16:creationId xmlns:a16="http://schemas.microsoft.com/office/drawing/2014/main" id="{EE50FC3C-AACC-C2FC-154A-A3EC15F30D1E}"/>
+                <a16:creationId xmlns:a16="http://schemas.microsoft.com/office/drawing/2014/main" id="{5AFACEA8-4EA7-B78C-95CD-336556021E6A}"/>
               </a:ext>
             </a:extLst>
           </p:cNvPr>
@@ -3702,18 +3974,19 @@
           <a:p>
             <a:pPr algn="ctr"/>
             <a:r>
-              <a:rPr lang="en-GB" dirty="0"/>
-              <a:t>Semi-linear Merge</a:t>
-            </a:r>
-          </a:p>
-        </p:txBody>
-      </p:sp>
-      <p:sp>
-        <p:nvSpPr>
-          <p:cNvPr id="19" name="Content Placeholder 18">
+              <a:rPr lang="de-DE" dirty="0"/>
+              <a:t>GitHub</a:t>
+            </a:r>
+            <a:endParaRPr lang="en-GB" dirty="0"/>
+          </a:p>
+        </p:txBody>
+      </p:sp>
+      <p:sp>
+        <p:nvSpPr>
+          <p:cNvPr id="3" name="Inhaltsplatzhalter 2">
             <a:extLst>
               <a:ext uri="{FF2B5EF4-FFF2-40B4-BE49-F238E27FC236}">
-                <a16:creationId xmlns:a16="http://schemas.microsoft.com/office/drawing/2014/main" id="{08103D50-4417-9C94-54A2-16B0218D2071}"/>
+                <a16:creationId xmlns:a16="http://schemas.microsoft.com/office/drawing/2014/main" id="{E014FD7A-F336-672C-B5FB-04E2B13F8CF8}"/>
               </a:ext>
             </a:extLst>
           </p:cNvPr>
@@ -3721,215 +3994,48 @@
             <a:spLocks noGrp="1"/>
           </p:cNvSpPr>
           <p:nvPr>
-            <p:ph sz="half" idx="1"/>
-          </p:nvPr>
-        </p:nvSpPr>
-        <p:spPr>
-          <a:xfrm>
-            <a:off x="838200" y="3946357"/>
-            <a:ext cx="5181600" cy="2230605"/>
-          </a:xfrm>
-        </p:spPr>
-        <p:txBody>
-          <a:bodyPr/>
-          <a:lstStyle/>
-          <a:p>
-            <a:pPr marL="0" indent="0" algn="ctr">
-              <a:buNone/>
-            </a:pPr>
-            <a:r>
-              <a:rPr lang="en-GB" b="1" dirty="0"/>
-              <a:t>+</a:t>
-            </a:r>
-          </a:p>
-          <a:p>
-            <a:pPr marL="0" indent="0" algn="ctr">
-              <a:buNone/>
-            </a:pPr>
-            <a:r>
-              <a:rPr lang="en-GB" dirty="0"/>
-              <a:t>Cleaner history than merge</a:t>
-            </a:r>
-          </a:p>
-          <a:p>
-            <a:pPr marL="0" indent="0" algn="ctr">
-              <a:buNone/>
-            </a:pPr>
-            <a:r>
-              <a:rPr lang="en-GB" dirty="0"/>
-              <a:t>No list commits</a:t>
-            </a:r>
-            <a:endParaRPr lang="de-AT" dirty="0"/>
-          </a:p>
-        </p:txBody>
-      </p:sp>
-      <p:sp>
-        <p:nvSpPr>
-          <p:cNvPr id="20" name="Content Placeholder 19">
-            <a:extLst>
-              <a:ext uri="{FF2B5EF4-FFF2-40B4-BE49-F238E27FC236}">
-                <a16:creationId xmlns:a16="http://schemas.microsoft.com/office/drawing/2014/main" id="{60D338C3-E25A-63DD-94CB-DF8DE0EA7815}"/>
-              </a:ext>
-            </a:extLst>
-          </p:cNvPr>
-          <p:cNvSpPr>
-            <a:spLocks noGrp="1"/>
-          </p:cNvSpPr>
-          <p:nvPr>
-            <p:ph sz="half" idx="2"/>
-          </p:nvPr>
-        </p:nvSpPr>
-        <p:spPr>
-          <a:xfrm>
-            <a:off x="6172200" y="3946357"/>
-            <a:ext cx="5181600" cy="2230605"/>
-          </a:xfrm>
-        </p:spPr>
-        <p:txBody>
-          <a:bodyPr/>
-          <a:lstStyle/>
-          <a:p>
-            <a:pPr marL="0" indent="0" algn="ctr">
-              <a:buNone/>
-            </a:pPr>
-            <a:r>
-              <a:rPr lang="en-GB" b="1" dirty="0"/>
-              <a:t>-</a:t>
-            </a:r>
-          </a:p>
-          <a:p>
-            <a:pPr marL="0" indent="0" algn="ctr">
-              <a:buNone/>
-            </a:pPr>
-            <a:r>
-              <a:rPr lang="en-GB" dirty="0"/>
-              <a:t>Rewrites history</a:t>
-            </a:r>
-          </a:p>
-          <a:p>
-            <a:pPr marL="0" indent="0" algn="ctr">
-              <a:buNone/>
-            </a:pPr>
-            <a:r>
-              <a:rPr lang="en-GB" dirty="0"/>
-              <a:t>Extra merge commit</a:t>
-            </a:r>
-            <a:endParaRPr lang="de-AT" dirty="0"/>
-          </a:p>
-        </p:txBody>
-      </p:sp>
-      <p:sp>
-        <p:nvSpPr>
-          <p:cNvPr id="6" name="TextBox 5">
-            <a:extLst>
-              <a:ext uri="{FF2B5EF4-FFF2-40B4-BE49-F238E27FC236}">
-                <a16:creationId xmlns:a16="http://schemas.microsoft.com/office/drawing/2014/main" id="{554B6E34-CEB2-BED3-A433-A8564FA92055}"/>
-              </a:ext>
-            </a:extLst>
-          </p:cNvPr>
-          <p:cNvSpPr txBox="1"/>
-          <p:nvPr/>
-        </p:nvSpPr>
-        <p:spPr>
-          <a:xfrm>
-            <a:off x="0" y="6492875"/>
-            <a:ext cx="8903368" cy="369332"/>
-          </a:xfrm>
-          <a:prstGeom prst="rect">
-            <a:avLst/>
-          </a:prstGeom>
-          <a:noFill/>
-        </p:spPr>
-        <p:txBody>
-          <a:bodyPr wrap="square" rtlCol="0">
-            <a:spAutoFit/>
-          </a:bodyPr>
-          <a:lstStyle/>
-          <a:p>
-            <a:r>
-              <a:rPr lang="de-AT" dirty="0"/>
-              <a:t>https://www.atlassian.com/de/git</a:t>
-            </a:r>
-          </a:p>
-        </p:txBody>
-      </p:sp>
-      <p:sp>
-        <p:nvSpPr>
-          <p:cNvPr id="23" name="TextBox 22">
-            <a:extLst>
-              <a:ext uri="{FF2B5EF4-FFF2-40B4-BE49-F238E27FC236}">
-                <a16:creationId xmlns:a16="http://schemas.microsoft.com/office/drawing/2014/main" id="{08394621-EEAD-A400-28C6-86193001A20E}"/>
-              </a:ext>
-            </a:extLst>
-          </p:cNvPr>
-          <p:cNvSpPr txBox="1"/>
-          <p:nvPr/>
-        </p:nvSpPr>
-        <p:spPr>
-          <a:xfrm>
-            <a:off x="838199" y="1616744"/>
-            <a:ext cx="10515599" cy="523220"/>
-          </a:xfrm>
-          <a:prstGeom prst="rect">
-            <a:avLst/>
-          </a:prstGeom>
-          <a:noFill/>
-        </p:spPr>
-        <p:txBody>
-          <a:bodyPr wrap="square" rtlCol="0">
-            <a:spAutoFit/>
-          </a:bodyPr>
-          <a:lstStyle/>
-          <a:p>
-            <a:pPr algn="ctr"/>
-            <a:r>
-              <a:rPr lang="en-GB" sz="2800" dirty="0"/>
-              <a:t>Changes get added at the end of the main branch</a:t>
-            </a:r>
-            <a:endParaRPr lang="de-AT" sz="2800" dirty="0"/>
-          </a:p>
-        </p:txBody>
-      </p:sp>
-      <p:pic>
-        <p:nvPicPr>
-          <p:cNvPr id="7" name="Picture 6" descr="A white arrow pointing to the left&#10;&#10;Description automatically generated">
-            <a:extLst>
-              <a:ext uri="{FF2B5EF4-FFF2-40B4-BE49-F238E27FC236}">
-                <a16:creationId xmlns:a16="http://schemas.microsoft.com/office/drawing/2014/main" id="{EA56E4F0-FC75-BB3A-4036-47A40859250D}"/>
-              </a:ext>
-            </a:extLst>
-          </p:cNvPr>
-          <p:cNvPicPr>
-            <a:picLocks noChangeAspect="1"/>
-          </p:cNvPicPr>
-          <p:nvPr/>
-        </p:nvPicPr>
-        <p:blipFill>
-          <a:blip r:embed="rId2">
-            <a:extLst>
-              <a:ext uri="{28A0092B-C50C-407E-A947-70E740481C1C}">
-                <a14:useLocalDpi xmlns:a14="http://schemas.microsoft.com/office/drawing/2010/main" val="0"/>
-              </a:ext>
-            </a:extLst>
-          </a:blip>
-          <a:stretch>
-            <a:fillRect/>
-          </a:stretch>
-        </p:blipFill>
-        <p:spPr>
-          <a:xfrm>
-            <a:off x="1990723" y="2584282"/>
-            <a:ext cx="8210550" cy="1362075"/>
-          </a:xfrm>
-          <a:prstGeom prst="rect">
-            <a:avLst/>
-          </a:prstGeom>
-        </p:spPr>
-      </p:pic>
+            <p:ph idx="1"/>
+          </p:nvPr>
+        </p:nvSpPr>
+        <p:spPr/>
+        <p:txBody>
+          <a:bodyPr/>
+          <a:lstStyle/>
+          <a:p>
+            <a:r>
+              <a:rPr lang="en-US" dirty="0"/>
+              <a:t>Founded 2007, sold to Microsoft in 2018</a:t>
+            </a:r>
+          </a:p>
+          <a:p>
+            <a:r>
+              <a:rPr lang="en-US" dirty="0"/>
+              <a:t>Over 100 Million users (Jan. </a:t>
+            </a:r>
+            <a:r>
+              <a:rPr lang="en-US"/>
+              <a:t>2023)</a:t>
+            </a:r>
+            <a:endParaRPr lang="en-US" dirty="0"/>
+          </a:p>
+          <a:p>
+            <a:r>
+              <a:rPr lang="en-US" dirty="0"/>
+              <a:t>All repos up until 2020 stored in Arctic World Archive </a:t>
+            </a:r>
+          </a:p>
+          <a:p>
+            <a:r>
+              <a:rPr lang="en-US" dirty="0"/>
+              <a:t>100 Million Repositories -&gt; 21 Terabyte</a:t>
+            </a:r>
+          </a:p>
+        </p:txBody>
+      </p:sp>
     </p:spTree>
     <p:extLst>
       <p:ext uri="{BB962C8B-B14F-4D97-AF65-F5344CB8AC3E}">
-        <p14:creationId xmlns:p14="http://schemas.microsoft.com/office/powerpoint/2010/main" val="935522419"/>
+        <p14:creationId xmlns:p14="http://schemas.microsoft.com/office/powerpoint/2010/main" val="1961238011"/>
       </p:ext>
     </p:extLst>
   </p:cSld>
@@ -3958,10 +4064,303 @@
       </p:grpSpPr>
       <p:sp>
         <p:nvSpPr>
+          <p:cNvPr id="2" name="Titel 1">
+            <a:extLst>
+              <a:ext uri="{FF2B5EF4-FFF2-40B4-BE49-F238E27FC236}">
+                <a16:creationId xmlns:a16="http://schemas.microsoft.com/office/drawing/2014/main" id="{8EEE58E1-8032-4105-6750-B6FDF1188706}"/>
+              </a:ext>
+            </a:extLst>
+          </p:cNvPr>
+          <p:cNvSpPr>
+            <a:spLocks noGrp="1"/>
+          </p:cNvSpPr>
+          <p:nvPr>
+            <p:ph type="title"/>
+          </p:nvPr>
+        </p:nvSpPr>
+        <p:spPr/>
+        <p:txBody>
+          <a:bodyPr/>
+          <a:lstStyle/>
+          <a:p>
+            <a:pPr algn="ctr"/>
+            <a:r>
+              <a:rPr lang="de-DE" dirty="0"/>
+              <a:t>Arctic World Archive</a:t>
+            </a:r>
+            <a:endParaRPr lang="en-GB" dirty="0"/>
+          </a:p>
+        </p:txBody>
+      </p:sp>
+      <p:sp>
+        <p:nvSpPr>
+          <p:cNvPr id="3" name="Inhaltsplatzhalter 2">
+            <a:extLst>
+              <a:ext uri="{FF2B5EF4-FFF2-40B4-BE49-F238E27FC236}">
+                <a16:creationId xmlns:a16="http://schemas.microsoft.com/office/drawing/2014/main" id="{4266AE7C-2375-88EC-9042-D199AC1CCAD4}"/>
+              </a:ext>
+            </a:extLst>
+          </p:cNvPr>
+          <p:cNvSpPr>
+            <a:spLocks noGrp="1"/>
+          </p:cNvSpPr>
+          <p:nvPr>
+            <p:ph idx="1"/>
+          </p:nvPr>
+        </p:nvSpPr>
+        <p:spPr/>
+        <p:txBody>
+          <a:bodyPr/>
+          <a:lstStyle/>
+          <a:p>
+            <a:r>
+              <a:rPr lang="en-US" dirty="0"/>
+              <a:t>Facility for data preservation</a:t>
+            </a:r>
+          </a:p>
+          <a:p>
+            <a:r>
+              <a:rPr lang="en-US" dirty="0"/>
+              <a:t>~200 meters beneath the surface</a:t>
+            </a:r>
+          </a:p>
+          <a:p>
+            <a:r>
+              <a:rPr lang="en-US" dirty="0"/>
+              <a:t>In an abandoned coal mine</a:t>
+            </a:r>
+          </a:p>
+          <a:p>
+            <a:r>
+              <a:rPr lang="en-US" dirty="0"/>
+              <a:t>Store data for up to 1000 years</a:t>
+            </a:r>
+          </a:p>
+          <a:p>
+            <a:endParaRPr lang="en-US" dirty="0"/>
+          </a:p>
+        </p:txBody>
+      </p:sp>
+      <p:pic>
+        <p:nvPicPr>
+          <p:cNvPr id="5" name="Grafik 4" descr="Ein Bild, das Person, Kleidung, Menschliches Gesicht, Helm enthält.&#10;&#10;Automatisch generierte Beschreibung">
+            <a:extLst>
+              <a:ext uri="{FF2B5EF4-FFF2-40B4-BE49-F238E27FC236}">
+                <a16:creationId xmlns:a16="http://schemas.microsoft.com/office/drawing/2014/main" id="{97CA51DF-41B8-6D8D-34DD-251FDCFD33C7}"/>
+              </a:ext>
+            </a:extLst>
+          </p:cNvPr>
+          <p:cNvPicPr>
+            <a:picLocks noChangeAspect="1"/>
+          </p:cNvPicPr>
+          <p:nvPr/>
+        </p:nvPicPr>
+        <p:blipFill>
+          <a:blip r:embed="rId2">
+            <a:extLst>
+              <a:ext uri="{28A0092B-C50C-407E-A947-70E740481C1C}">
+                <a14:useLocalDpi xmlns:a14="http://schemas.microsoft.com/office/drawing/2010/main" val="0"/>
+              </a:ext>
+            </a:extLst>
+          </a:blip>
+          <a:stretch>
+            <a:fillRect/>
+          </a:stretch>
+        </p:blipFill>
+        <p:spPr>
+          <a:xfrm>
+            <a:off x="838200" y="4118347"/>
+            <a:ext cx="4057369" cy="2058616"/>
+          </a:xfrm>
+          <a:prstGeom prst="rect">
+            <a:avLst/>
+          </a:prstGeom>
+        </p:spPr>
+      </p:pic>
+      <p:pic>
+        <p:nvPicPr>
+          <p:cNvPr id="7" name="Grafik 6" descr="Ein Bild, das Text, Schild, Screenshot, Gelände enthält.&#10;&#10;Automatisch generierte Beschreibung">
+            <a:extLst>
+              <a:ext uri="{FF2B5EF4-FFF2-40B4-BE49-F238E27FC236}">
+                <a16:creationId xmlns:a16="http://schemas.microsoft.com/office/drawing/2014/main" id="{81FD6015-AFDB-20B2-272F-B7A45972F669}"/>
+              </a:ext>
+            </a:extLst>
+          </p:cNvPr>
+          <p:cNvPicPr>
+            <a:picLocks noChangeAspect="1"/>
+          </p:cNvPicPr>
+          <p:nvPr/>
+        </p:nvPicPr>
+        <p:blipFill>
+          <a:blip r:embed="rId3">
+            <a:extLst>
+              <a:ext uri="{28A0092B-C50C-407E-A947-70E740481C1C}">
+                <a14:useLocalDpi xmlns:a14="http://schemas.microsoft.com/office/drawing/2010/main" val="0"/>
+              </a:ext>
+            </a:extLst>
+          </a:blip>
+          <a:stretch>
+            <a:fillRect/>
+          </a:stretch>
+        </p:blipFill>
+        <p:spPr>
+          <a:xfrm>
+            <a:off x="7867327" y="2448429"/>
+            <a:ext cx="3486473" cy="1961141"/>
+          </a:xfrm>
+          <a:prstGeom prst="rect">
+            <a:avLst/>
+          </a:prstGeom>
+        </p:spPr>
+      </p:pic>
+    </p:spTree>
+    <p:extLst>
+      <p:ext uri="{BB962C8B-B14F-4D97-AF65-F5344CB8AC3E}">
+        <p14:creationId xmlns:p14="http://schemas.microsoft.com/office/powerpoint/2010/main" val="1661772110"/>
+      </p:ext>
+    </p:extLst>
+  </p:cSld>
+  <p:clrMapOvr>
+    <a:masterClrMapping/>
+  </p:clrMapOvr>
+</p:sld>
+</file>
+
+<file path=ppt/slides/slide13.xml><?xml version="1.0" encoding="utf-8"?>
+<p:sld xmlns:a="http://schemas.openxmlformats.org/drawingml/2006/main" xmlns:r="http://schemas.openxmlformats.org/officeDocument/2006/relationships" xmlns:p="http://schemas.openxmlformats.org/presentationml/2006/main">
+  <p:cSld>
+    <p:spTree>
+      <p:nvGrpSpPr>
+        <p:cNvPr id="1" name=""/>
+        <p:cNvGrpSpPr/>
+        <p:nvPr/>
+      </p:nvGrpSpPr>
+      <p:grpSpPr>
+        <a:xfrm>
+          <a:off x="0" y="0"/>
+          <a:ext cx="0" cy="0"/>
+          <a:chOff x="0" y="0"/>
+          <a:chExt cx="0" cy="0"/>
+        </a:xfrm>
+      </p:grpSpPr>
+      <p:sp>
+        <p:nvSpPr>
+          <p:cNvPr id="2" name="Titel 1">
+            <a:extLst>
+              <a:ext uri="{FF2B5EF4-FFF2-40B4-BE49-F238E27FC236}">
+                <a16:creationId xmlns:a16="http://schemas.microsoft.com/office/drawing/2014/main" id="{F0786086-3719-ED06-FB16-56822D28FFE2}"/>
+              </a:ext>
+            </a:extLst>
+          </p:cNvPr>
+          <p:cNvSpPr>
+            <a:spLocks noGrp="1"/>
+          </p:cNvSpPr>
+          <p:nvPr>
+            <p:ph type="title"/>
+          </p:nvPr>
+        </p:nvSpPr>
+        <p:spPr/>
+        <p:txBody>
+          <a:bodyPr/>
+          <a:lstStyle/>
+          <a:p>
+            <a:pPr algn="ctr"/>
+            <a:r>
+              <a:rPr lang="de-DE" dirty="0" err="1"/>
+              <a:t>GitLab</a:t>
+            </a:r>
+            <a:endParaRPr lang="en-GB" dirty="0"/>
+          </a:p>
+        </p:txBody>
+      </p:sp>
+      <p:sp>
+        <p:nvSpPr>
+          <p:cNvPr id="3" name="Inhaltsplatzhalter 2">
+            <a:extLst>
+              <a:ext uri="{FF2B5EF4-FFF2-40B4-BE49-F238E27FC236}">
+                <a16:creationId xmlns:a16="http://schemas.microsoft.com/office/drawing/2014/main" id="{48ADFCF6-ACAE-287E-DD51-9EC91A4CF853}"/>
+              </a:ext>
+            </a:extLst>
+          </p:cNvPr>
+          <p:cNvSpPr>
+            <a:spLocks noGrp="1"/>
+          </p:cNvSpPr>
+          <p:nvPr>
+            <p:ph idx="1"/>
+          </p:nvPr>
+        </p:nvSpPr>
+        <p:spPr/>
+        <p:txBody>
+          <a:bodyPr/>
+          <a:lstStyle/>
+          <a:p>
+            <a:r>
+              <a:rPr lang="en-US" dirty="0"/>
+              <a:t>Founded in 2011</a:t>
+            </a:r>
+          </a:p>
+          <a:p>
+            <a:r>
+              <a:rPr lang="en-US" dirty="0"/>
+              <a:t>Started as open-source project</a:t>
+            </a:r>
+          </a:p>
+          <a:p>
+            <a:r>
+              <a:rPr lang="en-US" dirty="0"/>
+              <a:t>~30 Million users</a:t>
+            </a:r>
+          </a:p>
+          <a:p>
+            <a:r>
+              <a:rPr lang="en-US" dirty="0"/>
+              <a:t>Offers complete package from planning to monitoring</a:t>
+            </a:r>
+          </a:p>
+          <a:p>
+            <a:r>
+              <a:rPr lang="en-US" dirty="0"/>
+              <a:t>CI/CD deeply integrated</a:t>
+            </a:r>
+          </a:p>
+        </p:txBody>
+      </p:sp>
+    </p:spTree>
+    <p:extLst>
+      <p:ext uri="{BB962C8B-B14F-4D97-AF65-F5344CB8AC3E}">
+        <p14:creationId xmlns:p14="http://schemas.microsoft.com/office/powerpoint/2010/main" val="3148647295"/>
+      </p:ext>
+    </p:extLst>
+  </p:cSld>
+  <p:clrMapOvr>
+    <a:masterClrMapping/>
+  </p:clrMapOvr>
+</p:sld>
+</file>
+
+<file path=ppt/slides/slide14.xml><?xml version="1.0" encoding="utf-8"?>
+<p:sld xmlns:a="http://schemas.openxmlformats.org/drawingml/2006/main" xmlns:r="http://schemas.openxmlformats.org/officeDocument/2006/relationships" xmlns:p="http://schemas.openxmlformats.org/presentationml/2006/main">
+  <p:cSld>
+    <p:spTree>
+      <p:nvGrpSpPr>
+        <p:cNvPr id="1" name=""/>
+        <p:cNvGrpSpPr/>
+        <p:nvPr/>
+      </p:nvGrpSpPr>
+      <p:grpSpPr>
+        <a:xfrm>
+          <a:off x="0" y="0"/>
+          <a:ext cx="0" cy="0"/>
+          <a:chOff x="0" y="0"/>
+          <a:chExt cx="0" cy="0"/>
+        </a:xfrm>
+      </p:grpSpPr>
+      <p:sp>
+        <p:nvSpPr>
           <p:cNvPr id="2" name="Title 1">
             <a:extLst>
               <a:ext uri="{FF2B5EF4-FFF2-40B4-BE49-F238E27FC236}">
-                <a16:creationId xmlns:a16="http://schemas.microsoft.com/office/drawing/2014/main" id="{92BD6434-9075-9FA7-DFEB-BF01AB747D75}"/>
+                <a16:creationId xmlns:a16="http://schemas.microsoft.com/office/drawing/2014/main" id="{EE50FC3C-AACC-C2FC-154A-A3EC15F30D1E}"/>
               </a:ext>
             </a:extLst>
           </p:cNvPr>
@@ -3979,8 +4378,8 @@
           <a:p>
             <a:pPr algn="ctr"/>
             <a:r>
-              <a:rPr lang="de-AT" dirty="0"/>
-              <a:t>Quellen</a:t>
+              <a:rPr lang="en-GB" dirty="0"/>
+              <a:t>Concepts</a:t>
             </a:r>
           </a:p>
         </p:txBody>
@@ -3990,7 +4389,7 @@
           <p:cNvPr id="3" name="Content Placeholder 2">
             <a:extLst>
               <a:ext uri="{FF2B5EF4-FFF2-40B4-BE49-F238E27FC236}">
-                <a16:creationId xmlns:a16="http://schemas.microsoft.com/office/drawing/2014/main" id="{42D07A28-9A67-2264-DE01-C5D1B6EDF3B0}"/>
+                <a16:creationId xmlns:a16="http://schemas.microsoft.com/office/drawing/2014/main" id="{8722525A-36EC-4DFF-6E8B-5551E13A7EAF}"/>
               </a:ext>
             </a:extLst>
           </p:cNvPr>
@@ -4012,8 +4411,8 @@
               <a:buNone/>
             </a:pPr>
             <a:r>
-              <a:rPr lang="de-AT" sz="2000" dirty="0"/>
-              <a:t>https://git-scm.com </a:t>
+              <a:rPr lang="en-GB" b="1" dirty="0"/>
+              <a:t>Repository</a:t>
             </a:r>
           </a:p>
           <a:p>
@@ -4021,8 +4420,8 @@
               <a:buNone/>
             </a:pPr>
             <a:r>
-              <a:rPr lang="de-AT" sz="2000" dirty="0"/>
-              <a:t>https://training.github.com/downloads/github-git-cheat-sheet.pdf </a:t>
+              <a:rPr lang="en-GB" dirty="0"/>
+              <a:t>The scope of a git environment, contains all files managed by git.</a:t>
             </a:r>
           </a:p>
           <a:p>
@@ -4030,28 +4429,1079 @@
               <a:buNone/>
             </a:pPr>
             <a:r>
-              <a:rPr lang="de-AT" sz="2000" dirty="0"/>
-              <a:t>https://www.atlassian.com/de/git</a:t>
+              <a:rPr lang="en-GB" b="1" dirty="0"/>
+              <a:t>Commit</a:t>
             </a:r>
           </a:p>
           <a:p>
             <a:pPr marL="0" indent="0" algn="ctr">
               <a:buNone/>
             </a:pPr>
-            <a:endParaRPr lang="de-AT" sz="2000" dirty="0"/>
+            <a:r>
+              <a:rPr lang="en-GB" dirty="0"/>
+              <a:t>A snapshot of your repository. Records the changes to a repository.</a:t>
+            </a:r>
           </a:p>
           <a:p>
             <a:pPr marL="0" indent="0" algn="ctr">
               <a:buNone/>
             </a:pPr>
-            <a:endParaRPr lang="de-AT" sz="2000" dirty="0"/>
+            <a:r>
+              <a:rPr lang="en-GB" b="1" dirty="0"/>
+              <a:t>Remote</a:t>
+            </a:r>
+          </a:p>
+          <a:p>
+            <a:pPr marL="0" indent="0" algn="ctr">
+              <a:buNone/>
+            </a:pPr>
+            <a:r>
+              <a:rPr lang="en-GB" dirty="0"/>
+              <a:t>A common repository for your team. Hosted on a central server (for example GitHub).</a:t>
+            </a:r>
+          </a:p>
+        </p:txBody>
+      </p:sp>
+      <p:sp>
+        <p:nvSpPr>
+          <p:cNvPr id="6" name="TextBox 5">
+            <a:extLst>
+              <a:ext uri="{FF2B5EF4-FFF2-40B4-BE49-F238E27FC236}">
+                <a16:creationId xmlns:a16="http://schemas.microsoft.com/office/drawing/2014/main" id="{6B3DD968-57A3-9266-4B77-AAB1C8045156}"/>
+              </a:ext>
+            </a:extLst>
+          </p:cNvPr>
+          <p:cNvSpPr txBox="1"/>
+          <p:nvPr/>
+        </p:nvSpPr>
+        <p:spPr>
+          <a:xfrm>
+            <a:off x="0" y="6211669"/>
+            <a:ext cx="8903368" cy="646331"/>
+          </a:xfrm>
+          <a:prstGeom prst="rect">
+            <a:avLst/>
+          </a:prstGeom>
+          <a:noFill/>
+        </p:spPr>
+        <p:txBody>
+          <a:bodyPr wrap="square" rtlCol="0">
+            <a:spAutoFit/>
+          </a:bodyPr>
+          <a:lstStyle/>
+          <a:p>
+            <a:r>
+              <a:rPr lang="de-AT" dirty="0"/>
+              <a:t>https://git-scm.com</a:t>
+            </a:r>
+          </a:p>
+          <a:p>
+            <a:r>
+              <a:rPr lang="de-AT" dirty="0"/>
+              <a:t>https://training.github.com/downloads/github-git-cheat-sheet.pdf</a:t>
+            </a:r>
           </a:p>
         </p:txBody>
       </p:sp>
     </p:spTree>
     <p:extLst>
       <p:ext uri="{BB962C8B-B14F-4D97-AF65-F5344CB8AC3E}">
-        <p14:creationId xmlns:p14="http://schemas.microsoft.com/office/powerpoint/2010/main" val="2050878775"/>
+        <p14:creationId xmlns:p14="http://schemas.microsoft.com/office/powerpoint/2010/main" val="1499640613"/>
+      </p:ext>
+    </p:extLst>
+  </p:cSld>
+  <p:clrMapOvr>
+    <a:masterClrMapping/>
+  </p:clrMapOvr>
+</p:sld>
+</file>
+
+<file path=ppt/slides/slide15.xml><?xml version="1.0" encoding="utf-8"?>
+<p:sld xmlns:a="http://schemas.openxmlformats.org/drawingml/2006/main" xmlns:r="http://schemas.openxmlformats.org/officeDocument/2006/relationships" xmlns:p="http://schemas.openxmlformats.org/presentationml/2006/main">
+  <p:cSld>
+    <p:spTree>
+      <p:nvGrpSpPr>
+        <p:cNvPr id="1" name=""/>
+        <p:cNvGrpSpPr/>
+        <p:nvPr/>
+      </p:nvGrpSpPr>
+      <p:grpSpPr>
+        <a:xfrm>
+          <a:off x="0" y="0"/>
+          <a:ext cx="0" cy="0"/>
+          <a:chOff x="0" y="0"/>
+          <a:chExt cx="0" cy="0"/>
+        </a:xfrm>
+      </p:grpSpPr>
+      <p:sp>
+        <p:nvSpPr>
+          <p:cNvPr id="2" name="Title 1">
+            <a:extLst>
+              <a:ext uri="{FF2B5EF4-FFF2-40B4-BE49-F238E27FC236}">
+                <a16:creationId xmlns:a16="http://schemas.microsoft.com/office/drawing/2014/main" id="{EE50FC3C-AACC-C2FC-154A-A3EC15F30D1E}"/>
+              </a:ext>
+            </a:extLst>
+          </p:cNvPr>
+          <p:cNvSpPr>
+            <a:spLocks noGrp="1"/>
+          </p:cNvSpPr>
+          <p:nvPr>
+            <p:ph type="title"/>
+          </p:nvPr>
+        </p:nvSpPr>
+        <p:spPr/>
+        <p:txBody>
+          <a:bodyPr/>
+          <a:lstStyle/>
+          <a:p>
+            <a:pPr algn="ctr"/>
+            <a:r>
+              <a:rPr lang="en-GB" dirty="0"/>
+              <a:t>Concepts</a:t>
+            </a:r>
+          </a:p>
+        </p:txBody>
+      </p:sp>
+      <p:sp>
+        <p:nvSpPr>
+          <p:cNvPr id="3" name="Content Placeholder 2">
+            <a:extLst>
+              <a:ext uri="{FF2B5EF4-FFF2-40B4-BE49-F238E27FC236}">
+                <a16:creationId xmlns:a16="http://schemas.microsoft.com/office/drawing/2014/main" id="{8722525A-36EC-4DFF-6E8B-5551E13A7EAF}"/>
+              </a:ext>
+            </a:extLst>
+          </p:cNvPr>
+          <p:cNvSpPr>
+            <a:spLocks noGrp="1"/>
+          </p:cNvSpPr>
+          <p:nvPr>
+            <p:ph idx="1"/>
+          </p:nvPr>
+        </p:nvSpPr>
+        <p:spPr/>
+        <p:txBody>
+          <a:bodyPr>
+            <a:normAutofit/>
+          </a:bodyPr>
+          <a:lstStyle/>
+          <a:p>
+            <a:pPr marL="0" indent="0" algn="ctr">
+              <a:buNone/>
+            </a:pPr>
+            <a:r>
+              <a:rPr lang="en-GB" b="1" dirty="0"/>
+              <a:t>Fetch</a:t>
+            </a:r>
+          </a:p>
+          <a:p>
+            <a:pPr marL="0" indent="0" algn="ctr">
+              <a:buNone/>
+            </a:pPr>
+            <a:r>
+              <a:rPr lang="en-GB" dirty="0"/>
+              <a:t>Downloads commits from a remote.</a:t>
+            </a:r>
+          </a:p>
+          <a:p>
+            <a:pPr marL="0" indent="0" algn="ctr">
+              <a:buNone/>
+            </a:pPr>
+            <a:r>
+              <a:rPr lang="en-GB" b="1" dirty="0"/>
+              <a:t>Pull</a:t>
+            </a:r>
+          </a:p>
+          <a:p>
+            <a:pPr marL="0" indent="0" algn="ctr">
+              <a:buNone/>
+            </a:pPr>
+            <a:r>
+              <a:rPr lang="en-GB" dirty="0"/>
+              <a:t>Applies commits form a remote.</a:t>
+            </a:r>
+          </a:p>
+          <a:p>
+            <a:pPr marL="0" indent="0" algn="ctr">
+              <a:buNone/>
+            </a:pPr>
+            <a:r>
+              <a:rPr lang="en-GB" b="1" dirty="0"/>
+              <a:t>Push</a:t>
+            </a:r>
+          </a:p>
+          <a:p>
+            <a:pPr marL="0" indent="0" algn="ctr">
+              <a:buNone/>
+            </a:pPr>
+            <a:r>
+              <a:rPr lang="en-GB" dirty="0"/>
+              <a:t>Applies local changes on the remote.</a:t>
+            </a:r>
+          </a:p>
+        </p:txBody>
+      </p:sp>
+      <p:sp>
+        <p:nvSpPr>
+          <p:cNvPr id="4" name="TextBox 3">
+            <a:extLst>
+              <a:ext uri="{FF2B5EF4-FFF2-40B4-BE49-F238E27FC236}">
+                <a16:creationId xmlns:a16="http://schemas.microsoft.com/office/drawing/2014/main" id="{423BF621-00D8-F9FA-A772-2DAFA5A7FC6C}"/>
+              </a:ext>
+            </a:extLst>
+          </p:cNvPr>
+          <p:cNvSpPr txBox="1"/>
+          <p:nvPr/>
+        </p:nvSpPr>
+        <p:spPr>
+          <a:xfrm>
+            <a:off x="0" y="6492875"/>
+            <a:ext cx="8903368" cy="369332"/>
+          </a:xfrm>
+          <a:prstGeom prst="rect">
+            <a:avLst/>
+          </a:prstGeom>
+          <a:noFill/>
+        </p:spPr>
+        <p:txBody>
+          <a:bodyPr wrap="square" rtlCol="0">
+            <a:spAutoFit/>
+          </a:bodyPr>
+          <a:lstStyle/>
+          <a:p>
+            <a:r>
+              <a:rPr lang="de-AT" dirty="0"/>
+              <a:t>https://git-scm.com</a:t>
+            </a:r>
+          </a:p>
+        </p:txBody>
+      </p:sp>
+    </p:spTree>
+    <p:extLst>
+      <p:ext uri="{BB962C8B-B14F-4D97-AF65-F5344CB8AC3E}">
+        <p14:creationId xmlns:p14="http://schemas.microsoft.com/office/powerpoint/2010/main" val="3045931559"/>
+      </p:ext>
+    </p:extLst>
+  </p:cSld>
+  <p:clrMapOvr>
+    <a:masterClrMapping/>
+  </p:clrMapOvr>
+</p:sld>
+</file>
+
+<file path=ppt/slides/slide16.xml><?xml version="1.0" encoding="utf-8"?>
+<p:sld xmlns:a="http://schemas.openxmlformats.org/drawingml/2006/main" xmlns:r="http://schemas.openxmlformats.org/officeDocument/2006/relationships" xmlns:p="http://schemas.openxmlformats.org/presentationml/2006/main">
+  <p:cSld>
+    <p:spTree>
+      <p:nvGrpSpPr>
+        <p:cNvPr id="1" name=""/>
+        <p:cNvGrpSpPr/>
+        <p:nvPr/>
+      </p:nvGrpSpPr>
+      <p:grpSpPr>
+        <a:xfrm>
+          <a:off x="0" y="0"/>
+          <a:ext cx="0" cy="0"/>
+          <a:chOff x="0" y="0"/>
+          <a:chExt cx="0" cy="0"/>
+        </a:xfrm>
+      </p:grpSpPr>
+      <p:sp>
+        <p:nvSpPr>
+          <p:cNvPr id="2" name="Title 1">
+            <a:extLst>
+              <a:ext uri="{FF2B5EF4-FFF2-40B4-BE49-F238E27FC236}">
+                <a16:creationId xmlns:a16="http://schemas.microsoft.com/office/drawing/2014/main" id="{EE50FC3C-AACC-C2FC-154A-A3EC15F30D1E}"/>
+              </a:ext>
+            </a:extLst>
+          </p:cNvPr>
+          <p:cNvSpPr>
+            <a:spLocks noGrp="1"/>
+          </p:cNvSpPr>
+          <p:nvPr>
+            <p:ph type="title"/>
+          </p:nvPr>
+        </p:nvSpPr>
+        <p:spPr/>
+        <p:txBody>
+          <a:bodyPr/>
+          <a:lstStyle/>
+          <a:p>
+            <a:pPr algn="ctr"/>
+            <a:r>
+              <a:rPr lang="en-GB" dirty="0"/>
+              <a:t>Branching</a:t>
+            </a:r>
+          </a:p>
+        </p:txBody>
+      </p:sp>
+      <p:sp>
+        <p:nvSpPr>
+          <p:cNvPr id="3" name="Content Placeholder 2">
+            <a:extLst>
+              <a:ext uri="{FF2B5EF4-FFF2-40B4-BE49-F238E27FC236}">
+                <a16:creationId xmlns:a16="http://schemas.microsoft.com/office/drawing/2014/main" id="{8722525A-36EC-4DFF-6E8B-5551E13A7EAF}"/>
+              </a:ext>
+            </a:extLst>
+          </p:cNvPr>
+          <p:cNvSpPr>
+            <a:spLocks noGrp="1"/>
+          </p:cNvSpPr>
+          <p:nvPr>
+            <p:ph idx="1"/>
+          </p:nvPr>
+        </p:nvSpPr>
+        <p:spPr/>
+        <p:txBody>
+          <a:bodyPr>
+            <a:normAutofit lnSpcReduction="10000"/>
+          </a:bodyPr>
+          <a:lstStyle/>
+          <a:p>
+            <a:pPr marL="0" indent="0" algn="ctr">
+              <a:buNone/>
+            </a:pPr>
+            <a:r>
+              <a:rPr lang="en-GB" dirty="0"/>
+              <a:t>Allows parallel versions</a:t>
+            </a:r>
+          </a:p>
+          <a:p>
+            <a:pPr marL="0" indent="0" algn="ctr">
+              <a:buNone/>
+            </a:pPr>
+            <a:endParaRPr lang="en-GB" dirty="0"/>
+          </a:p>
+          <a:p>
+            <a:pPr marL="0" indent="0" algn="ctr">
+              <a:buNone/>
+            </a:pPr>
+            <a:r>
+              <a:rPr lang="en-GB" b="1" dirty="0"/>
+              <a:t>Example:</a:t>
+            </a:r>
+          </a:p>
+          <a:p>
+            <a:pPr marL="0" indent="0" algn="ctr">
+              <a:buNone/>
+            </a:pPr>
+            <a:r>
+              <a:rPr lang="en-GB" dirty="0"/>
+              <a:t>Feature Branches</a:t>
+            </a:r>
+          </a:p>
+          <a:p>
+            <a:pPr marL="0" indent="0" algn="ctr">
+              <a:buNone/>
+            </a:pPr>
+            <a:endParaRPr lang="en-GB" dirty="0"/>
+          </a:p>
+          <a:p>
+            <a:pPr marL="0" indent="0" algn="ctr">
+              <a:buNone/>
+            </a:pPr>
+            <a:r>
+              <a:rPr lang="en-GB" b="1" dirty="0"/>
+              <a:t>Problem:</a:t>
+            </a:r>
+          </a:p>
+          <a:p>
+            <a:pPr marL="0" indent="0" algn="ctr">
+              <a:buNone/>
+            </a:pPr>
+            <a:r>
+              <a:rPr lang="en-GB" dirty="0"/>
+              <a:t>How to unify all changes</a:t>
+            </a:r>
+          </a:p>
+          <a:p>
+            <a:pPr marL="0" indent="0" algn="ctr">
+              <a:buNone/>
+            </a:pPr>
+            <a:endParaRPr lang="en-GB" dirty="0"/>
+          </a:p>
+          <a:p>
+            <a:pPr marL="0" indent="0" algn="ctr">
+              <a:buNone/>
+            </a:pPr>
+            <a:r>
+              <a:rPr lang="en-GB" dirty="0"/>
+              <a:t>Answer =&gt;</a:t>
+            </a:r>
+          </a:p>
+        </p:txBody>
+      </p:sp>
+      <p:sp>
+        <p:nvSpPr>
+          <p:cNvPr id="6" name="TextBox 5">
+            <a:extLst>
+              <a:ext uri="{FF2B5EF4-FFF2-40B4-BE49-F238E27FC236}">
+                <a16:creationId xmlns:a16="http://schemas.microsoft.com/office/drawing/2014/main" id="{554B6E34-CEB2-BED3-A433-A8564FA92055}"/>
+              </a:ext>
+            </a:extLst>
+          </p:cNvPr>
+          <p:cNvSpPr txBox="1"/>
+          <p:nvPr/>
+        </p:nvSpPr>
+        <p:spPr>
+          <a:xfrm>
+            <a:off x="0" y="6492875"/>
+            <a:ext cx="8903368" cy="369332"/>
+          </a:xfrm>
+          <a:prstGeom prst="rect">
+            <a:avLst/>
+          </a:prstGeom>
+          <a:noFill/>
+        </p:spPr>
+        <p:txBody>
+          <a:bodyPr wrap="square" rtlCol="0">
+            <a:spAutoFit/>
+          </a:bodyPr>
+          <a:lstStyle/>
+          <a:p>
+            <a:r>
+              <a:rPr lang="de-AT" dirty="0"/>
+              <a:t>https://git-scm.com</a:t>
+            </a:r>
+          </a:p>
+        </p:txBody>
+      </p:sp>
+    </p:spTree>
+    <p:extLst>
+      <p:ext uri="{BB962C8B-B14F-4D97-AF65-F5344CB8AC3E}">
+        <p14:creationId xmlns:p14="http://schemas.microsoft.com/office/powerpoint/2010/main" val="4136370252"/>
+      </p:ext>
+    </p:extLst>
+  </p:cSld>
+  <p:clrMapOvr>
+    <a:masterClrMapping/>
+  </p:clrMapOvr>
+</p:sld>
+</file>
+
+<file path=ppt/slides/slide17.xml><?xml version="1.0" encoding="utf-8"?>
+<p:sld xmlns:a="http://schemas.openxmlformats.org/drawingml/2006/main" xmlns:r="http://schemas.openxmlformats.org/officeDocument/2006/relationships" xmlns:p="http://schemas.openxmlformats.org/presentationml/2006/main">
+  <p:cSld>
+    <p:spTree>
+      <p:nvGrpSpPr>
+        <p:cNvPr id="1" name=""/>
+        <p:cNvGrpSpPr/>
+        <p:nvPr/>
+      </p:nvGrpSpPr>
+      <p:grpSpPr>
+        <a:xfrm>
+          <a:off x="0" y="0"/>
+          <a:ext cx="0" cy="0"/>
+          <a:chOff x="0" y="0"/>
+          <a:chExt cx="0" cy="0"/>
+        </a:xfrm>
+      </p:grpSpPr>
+      <p:sp>
+        <p:nvSpPr>
+          <p:cNvPr id="2" name="Title 1">
+            <a:extLst>
+              <a:ext uri="{FF2B5EF4-FFF2-40B4-BE49-F238E27FC236}">
+                <a16:creationId xmlns:a16="http://schemas.microsoft.com/office/drawing/2014/main" id="{B51DE3DB-FF92-9CC0-4DB1-876E3BB77131}"/>
+              </a:ext>
+            </a:extLst>
+          </p:cNvPr>
+          <p:cNvSpPr>
+            <a:spLocks noGrp="1"/>
+          </p:cNvSpPr>
+          <p:nvPr>
+            <p:ph type="ctrTitle"/>
+          </p:nvPr>
+        </p:nvSpPr>
+        <p:spPr/>
+        <p:txBody>
+          <a:bodyPr/>
+          <a:lstStyle/>
+          <a:p>
+            <a:r>
+              <a:rPr lang="en-GB" dirty="0"/>
+              <a:t>Merging</a:t>
+            </a:r>
+            <a:endParaRPr lang="de-AT" dirty="0"/>
+          </a:p>
+        </p:txBody>
+      </p:sp>
+      <p:sp>
+        <p:nvSpPr>
+          <p:cNvPr id="3" name="Subtitle 2">
+            <a:extLst>
+              <a:ext uri="{FF2B5EF4-FFF2-40B4-BE49-F238E27FC236}">
+                <a16:creationId xmlns:a16="http://schemas.microsoft.com/office/drawing/2014/main" id="{6071911F-8912-FEC5-AF7F-E100E39A4CD2}"/>
+              </a:ext>
+            </a:extLst>
+          </p:cNvPr>
+          <p:cNvSpPr>
+            <a:spLocks noGrp="1"/>
+          </p:cNvSpPr>
+          <p:nvPr>
+            <p:ph type="subTitle" idx="1"/>
+          </p:nvPr>
+        </p:nvSpPr>
+        <p:spPr/>
+        <p:txBody>
+          <a:bodyPr/>
+          <a:lstStyle/>
+          <a:p>
+            <a:r>
+              <a:rPr lang="en-GB" dirty="0"/>
+              <a:t>Joining change histories together</a:t>
+            </a:r>
+            <a:endParaRPr lang="de-AT" dirty="0"/>
+          </a:p>
+        </p:txBody>
+      </p:sp>
+    </p:spTree>
+    <p:extLst>
+      <p:ext uri="{BB962C8B-B14F-4D97-AF65-F5344CB8AC3E}">
+        <p14:creationId xmlns:p14="http://schemas.microsoft.com/office/powerpoint/2010/main" val="4260767231"/>
+      </p:ext>
+    </p:extLst>
+  </p:cSld>
+  <p:clrMapOvr>
+    <a:masterClrMapping/>
+  </p:clrMapOvr>
+</p:sld>
+</file>
+
+<file path=ppt/slides/slide18.xml><?xml version="1.0" encoding="utf-8"?>
+<p:sld xmlns:a="http://schemas.openxmlformats.org/drawingml/2006/main" xmlns:r="http://schemas.openxmlformats.org/officeDocument/2006/relationships" xmlns:p="http://schemas.openxmlformats.org/presentationml/2006/main">
+  <p:cSld>
+    <p:spTree>
+      <p:nvGrpSpPr>
+        <p:cNvPr id="1" name=""/>
+        <p:cNvGrpSpPr/>
+        <p:nvPr/>
+      </p:nvGrpSpPr>
+      <p:grpSpPr>
+        <a:xfrm>
+          <a:off x="0" y="0"/>
+          <a:ext cx="0" cy="0"/>
+          <a:chOff x="0" y="0"/>
+          <a:chExt cx="0" cy="0"/>
+        </a:xfrm>
+      </p:grpSpPr>
+      <p:sp>
+        <p:nvSpPr>
+          <p:cNvPr id="2" name="Title 1">
+            <a:extLst>
+              <a:ext uri="{FF2B5EF4-FFF2-40B4-BE49-F238E27FC236}">
+                <a16:creationId xmlns:a16="http://schemas.microsoft.com/office/drawing/2014/main" id="{EE50FC3C-AACC-C2FC-154A-A3EC15F30D1E}"/>
+              </a:ext>
+            </a:extLst>
+          </p:cNvPr>
+          <p:cNvSpPr>
+            <a:spLocks noGrp="1"/>
+          </p:cNvSpPr>
+          <p:nvPr>
+            <p:ph type="title"/>
+          </p:nvPr>
+        </p:nvSpPr>
+        <p:spPr/>
+        <p:txBody>
+          <a:bodyPr/>
+          <a:lstStyle/>
+          <a:p>
+            <a:pPr algn="ctr"/>
+            <a:r>
+              <a:rPr lang="en-GB" dirty="0"/>
+              <a:t>Fast Forward Merge</a:t>
+            </a:r>
+          </a:p>
+        </p:txBody>
+      </p:sp>
+      <p:sp>
+        <p:nvSpPr>
+          <p:cNvPr id="19" name="Content Placeholder 18">
+            <a:extLst>
+              <a:ext uri="{FF2B5EF4-FFF2-40B4-BE49-F238E27FC236}">
+                <a16:creationId xmlns:a16="http://schemas.microsoft.com/office/drawing/2014/main" id="{08103D50-4417-9C94-54A2-16B0218D2071}"/>
+              </a:ext>
+            </a:extLst>
+          </p:cNvPr>
+          <p:cNvSpPr>
+            <a:spLocks noGrp="1"/>
+          </p:cNvSpPr>
+          <p:nvPr>
+            <p:ph sz="half" idx="1"/>
+          </p:nvPr>
+        </p:nvSpPr>
+        <p:spPr>
+          <a:xfrm>
+            <a:off x="838200" y="3946357"/>
+            <a:ext cx="5181600" cy="2230605"/>
+          </a:xfrm>
+        </p:spPr>
+        <p:txBody>
+          <a:bodyPr/>
+          <a:lstStyle/>
+          <a:p>
+            <a:pPr marL="0" indent="0" algn="ctr">
+              <a:buNone/>
+            </a:pPr>
+            <a:r>
+              <a:rPr lang="en-GB" b="1" dirty="0"/>
+              <a:t>+</a:t>
+            </a:r>
+          </a:p>
+          <a:p>
+            <a:pPr marL="0" indent="0" algn="ctr">
+              <a:buNone/>
+            </a:pPr>
+            <a:r>
+              <a:rPr lang="en-GB" dirty="0"/>
+              <a:t>Easiest merge</a:t>
+            </a:r>
+          </a:p>
+          <a:p>
+            <a:pPr marL="0" indent="0" algn="ctr">
+              <a:buNone/>
+            </a:pPr>
+            <a:r>
+              <a:rPr lang="en-GB" dirty="0"/>
+              <a:t>Clean history</a:t>
+            </a:r>
+            <a:endParaRPr lang="de-AT" dirty="0"/>
+          </a:p>
+        </p:txBody>
+      </p:sp>
+      <p:sp>
+        <p:nvSpPr>
+          <p:cNvPr id="20" name="Content Placeholder 19">
+            <a:extLst>
+              <a:ext uri="{FF2B5EF4-FFF2-40B4-BE49-F238E27FC236}">
+                <a16:creationId xmlns:a16="http://schemas.microsoft.com/office/drawing/2014/main" id="{60D338C3-E25A-63DD-94CB-DF8DE0EA7815}"/>
+              </a:ext>
+            </a:extLst>
+          </p:cNvPr>
+          <p:cNvSpPr>
+            <a:spLocks noGrp="1"/>
+          </p:cNvSpPr>
+          <p:nvPr>
+            <p:ph sz="half" idx="2"/>
+          </p:nvPr>
+        </p:nvSpPr>
+        <p:spPr>
+          <a:xfrm>
+            <a:off x="6172200" y="3946357"/>
+            <a:ext cx="5181600" cy="2230605"/>
+          </a:xfrm>
+        </p:spPr>
+        <p:txBody>
+          <a:bodyPr/>
+          <a:lstStyle/>
+          <a:p>
+            <a:pPr marL="0" indent="0" algn="ctr">
+              <a:buNone/>
+            </a:pPr>
+            <a:r>
+              <a:rPr lang="en-GB" b="1" dirty="0"/>
+              <a:t>-</a:t>
+            </a:r>
+          </a:p>
+          <a:p>
+            <a:pPr marL="0" indent="0" algn="ctr">
+              <a:buNone/>
+            </a:pPr>
+            <a:r>
+              <a:rPr lang="en-GB" dirty="0"/>
+              <a:t>Not always possible</a:t>
+            </a:r>
+            <a:endParaRPr lang="de-AT" dirty="0"/>
+          </a:p>
+        </p:txBody>
+      </p:sp>
+      <p:sp>
+        <p:nvSpPr>
+          <p:cNvPr id="6" name="TextBox 5">
+            <a:extLst>
+              <a:ext uri="{FF2B5EF4-FFF2-40B4-BE49-F238E27FC236}">
+                <a16:creationId xmlns:a16="http://schemas.microsoft.com/office/drawing/2014/main" id="{554B6E34-CEB2-BED3-A433-A8564FA92055}"/>
+              </a:ext>
+            </a:extLst>
+          </p:cNvPr>
+          <p:cNvSpPr txBox="1"/>
+          <p:nvPr/>
+        </p:nvSpPr>
+        <p:spPr>
+          <a:xfrm>
+            <a:off x="0" y="6492875"/>
+            <a:ext cx="8903368" cy="369332"/>
+          </a:xfrm>
+          <a:prstGeom prst="rect">
+            <a:avLst/>
+          </a:prstGeom>
+          <a:noFill/>
+        </p:spPr>
+        <p:txBody>
+          <a:bodyPr wrap="square" rtlCol="0">
+            <a:spAutoFit/>
+          </a:bodyPr>
+          <a:lstStyle/>
+          <a:p>
+            <a:r>
+              <a:rPr lang="de-AT" dirty="0"/>
+              <a:t>https://www.atlassian.com/de/git</a:t>
+            </a:r>
+          </a:p>
+        </p:txBody>
+      </p:sp>
+      <p:pic>
+        <p:nvPicPr>
+          <p:cNvPr id="22" name="Picture 21" descr="A purple circle with white arrows&#10;&#10;Description automatically generated">
+            <a:extLst>
+              <a:ext uri="{FF2B5EF4-FFF2-40B4-BE49-F238E27FC236}">
+                <a16:creationId xmlns:a16="http://schemas.microsoft.com/office/drawing/2014/main" id="{1B587541-19F6-0937-D27D-B563D798B5D7}"/>
+              </a:ext>
+            </a:extLst>
+          </p:cNvPr>
+          <p:cNvPicPr>
+            <a:picLocks noChangeAspect="1"/>
+          </p:cNvPicPr>
+          <p:nvPr/>
+        </p:nvPicPr>
+        <p:blipFill>
+          <a:blip r:embed="rId2">
+            <a:extLst>
+              <a:ext uri="{28A0092B-C50C-407E-A947-70E740481C1C}">
+                <a14:useLocalDpi xmlns:a14="http://schemas.microsoft.com/office/drawing/2010/main" val="0"/>
+              </a:ext>
+            </a:extLst>
+          </a:blip>
+          <a:stretch>
+            <a:fillRect/>
+          </a:stretch>
+        </p:blipFill>
+        <p:spPr>
+          <a:xfrm>
+            <a:off x="2371723" y="2584282"/>
+            <a:ext cx="7448550" cy="1362075"/>
+          </a:xfrm>
+          <a:prstGeom prst="rect">
+            <a:avLst/>
+          </a:prstGeom>
+        </p:spPr>
+      </p:pic>
+      <p:sp>
+        <p:nvSpPr>
+          <p:cNvPr id="23" name="TextBox 22">
+            <a:extLst>
+              <a:ext uri="{FF2B5EF4-FFF2-40B4-BE49-F238E27FC236}">
+                <a16:creationId xmlns:a16="http://schemas.microsoft.com/office/drawing/2014/main" id="{08394621-EEAD-A400-28C6-86193001A20E}"/>
+              </a:ext>
+            </a:extLst>
+          </p:cNvPr>
+          <p:cNvSpPr txBox="1"/>
+          <p:nvPr/>
+        </p:nvSpPr>
+        <p:spPr>
+          <a:xfrm>
+            <a:off x="838199" y="1616744"/>
+            <a:ext cx="10515599" cy="523220"/>
+          </a:xfrm>
+          <a:prstGeom prst="rect">
+            <a:avLst/>
+          </a:prstGeom>
+          <a:noFill/>
+        </p:spPr>
+        <p:txBody>
+          <a:bodyPr wrap="square" rtlCol="0">
+            <a:spAutoFit/>
+          </a:bodyPr>
+          <a:lstStyle/>
+          <a:p>
+            <a:pPr algn="ctr"/>
+            <a:r>
+              <a:rPr lang="en-GB" sz="2800" dirty="0"/>
+              <a:t>Changes get added at the end of the main branch</a:t>
+            </a:r>
+            <a:endParaRPr lang="de-AT" sz="2800" dirty="0"/>
+          </a:p>
+        </p:txBody>
+      </p:sp>
+    </p:spTree>
+    <p:extLst>
+      <p:ext uri="{BB962C8B-B14F-4D97-AF65-F5344CB8AC3E}">
+        <p14:creationId xmlns:p14="http://schemas.microsoft.com/office/powerpoint/2010/main" val="4248700396"/>
+      </p:ext>
+    </p:extLst>
+  </p:cSld>
+  <p:clrMapOvr>
+    <a:masterClrMapping/>
+  </p:clrMapOvr>
+</p:sld>
+</file>
+
+<file path=ppt/slides/slide19.xml><?xml version="1.0" encoding="utf-8"?>
+<p:sld xmlns:a="http://schemas.openxmlformats.org/drawingml/2006/main" xmlns:r="http://schemas.openxmlformats.org/officeDocument/2006/relationships" xmlns:p="http://schemas.openxmlformats.org/presentationml/2006/main">
+  <p:cSld>
+    <p:spTree>
+      <p:nvGrpSpPr>
+        <p:cNvPr id="1" name=""/>
+        <p:cNvGrpSpPr/>
+        <p:nvPr/>
+      </p:nvGrpSpPr>
+      <p:grpSpPr>
+        <a:xfrm>
+          <a:off x="0" y="0"/>
+          <a:ext cx="0" cy="0"/>
+          <a:chOff x="0" y="0"/>
+          <a:chExt cx="0" cy="0"/>
+        </a:xfrm>
+      </p:grpSpPr>
+      <p:sp>
+        <p:nvSpPr>
+          <p:cNvPr id="2" name="Title 1">
+            <a:extLst>
+              <a:ext uri="{FF2B5EF4-FFF2-40B4-BE49-F238E27FC236}">
+                <a16:creationId xmlns:a16="http://schemas.microsoft.com/office/drawing/2014/main" id="{EE50FC3C-AACC-C2FC-154A-A3EC15F30D1E}"/>
+              </a:ext>
+            </a:extLst>
+          </p:cNvPr>
+          <p:cNvSpPr>
+            <a:spLocks noGrp="1"/>
+          </p:cNvSpPr>
+          <p:nvPr>
+            <p:ph type="title"/>
+          </p:nvPr>
+        </p:nvSpPr>
+        <p:spPr/>
+        <p:txBody>
+          <a:bodyPr/>
+          <a:lstStyle/>
+          <a:p>
+            <a:pPr algn="ctr"/>
+            <a:r>
+              <a:rPr lang="en-GB" dirty="0"/>
+              <a:t>Merge</a:t>
+            </a:r>
+          </a:p>
+        </p:txBody>
+      </p:sp>
+      <p:sp>
+        <p:nvSpPr>
+          <p:cNvPr id="19" name="Content Placeholder 18">
+            <a:extLst>
+              <a:ext uri="{FF2B5EF4-FFF2-40B4-BE49-F238E27FC236}">
+                <a16:creationId xmlns:a16="http://schemas.microsoft.com/office/drawing/2014/main" id="{08103D50-4417-9C94-54A2-16B0218D2071}"/>
+              </a:ext>
+            </a:extLst>
+          </p:cNvPr>
+          <p:cNvSpPr>
+            <a:spLocks noGrp="1"/>
+          </p:cNvSpPr>
+          <p:nvPr>
+            <p:ph sz="half" idx="1"/>
+          </p:nvPr>
+        </p:nvSpPr>
+        <p:spPr>
+          <a:xfrm>
+            <a:off x="838200" y="3946357"/>
+            <a:ext cx="5181600" cy="2230605"/>
+          </a:xfrm>
+        </p:spPr>
+        <p:txBody>
+          <a:bodyPr/>
+          <a:lstStyle/>
+          <a:p>
+            <a:pPr marL="0" indent="0" algn="ctr">
+              <a:buNone/>
+            </a:pPr>
+            <a:r>
+              <a:rPr lang="en-GB" b="1" dirty="0"/>
+              <a:t>+</a:t>
+            </a:r>
+          </a:p>
+          <a:p>
+            <a:pPr marL="0" indent="0" algn="ctr">
+              <a:buNone/>
+            </a:pPr>
+            <a:r>
+              <a:rPr lang="en-GB" dirty="0"/>
+              <a:t>Full history</a:t>
+            </a:r>
+          </a:p>
+          <a:p>
+            <a:pPr marL="0" indent="0" algn="ctr">
+              <a:buNone/>
+            </a:pPr>
+            <a:r>
+              <a:rPr lang="en-GB" dirty="0"/>
+              <a:t>No lost commits</a:t>
+            </a:r>
+            <a:endParaRPr lang="de-AT" dirty="0"/>
+          </a:p>
+        </p:txBody>
+      </p:sp>
+      <p:sp>
+        <p:nvSpPr>
+          <p:cNvPr id="20" name="Content Placeholder 19">
+            <a:extLst>
+              <a:ext uri="{FF2B5EF4-FFF2-40B4-BE49-F238E27FC236}">
+                <a16:creationId xmlns:a16="http://schemas.microsoft.com/office/drawing/2014/main" id="{60D338C3-E25A-63DD-94CB-DF8DE0EA7815}"/>
+              </a:ext>
+            </a:extLst>
+          </p:cNvPr>
+          <p:cNvSpPr>
+            <a:spLocks noGrp="1"/>
+          </p:cNvSpPr>
+          <p:nvPr>
+            <p:ph sz="half" idx="2"/>
+          </p:nvPr>
+        </p:nvSpPr>
+        <p:spPr>
+          <a:xfrm>
+            <a:off x="6172200" y="3946357"/>
+            <a:ext cx="5181600" cy="2230605"/>
+          </a:xfrm>
+        </p:spPr>
+        <p:txBody>
+          <a:bodyPr/>
+          <a:lstStyle/>
+          <a:p>
+            <a:pPr marL="0" indent="0" algn="ctr">
+              <a:buNone/>
+            </a:pPr>
+            <a:r>
+              <a:rPr lang="en-GB" b="1" dirty="0"/>
+              <a:t>-</a:t>
+            </a:r>
+          </a:p>
+          <a:p>
+            <a:pPr marL="0" indent="0" algn="ctr">
+              <a:buNone/>
+            </a:pPr>
+            <a:r>
+              <a:rPr lang="en-GB" dirty="0"/>
+              <a:t>Cluttered history</a:t>
+            </a:r>
+          </a:p>
+          <a:p>
+            <a:pPr marL="0" indent="0" algn="ctr">
+              <a:buNone/>
+            </a:pPr>
+            <a:r>
+              <a:rPr lang="en-GB" dirty="0"/>
+              <a:t>Extra merge commit</a:t>
+            </a:r>
+            <a:endParaRPr lang="de-AT" dirty="0"/>
+          </a:p>
+        </p:txBody>
+      </p:sp>
+      <p:sp>
+        <p:nvSpPr>
+          <p:cNvPr id="6" name="TextBox 5">
+            <a:extLst>
+              <a:ext uri="{FF2B5EF4-FFF2-40B4-BE49-F238E27FC236}">
+                <a16:creationId xmlns:a16="http://schemas.microsoft.com/office/drawing/2014/main" id="{554B6E34-CEB2-BED3-A433-A8564FA92055}"/>
+              </a:ext>
+            </a:extLst>
+          </p:cNvPr>
+          <p:cNvSpPr txBox="1"/>
+          <p:nvPr/>
+        </p:nvSpPr>
+        <p:spPr>
+          <a:xfrm>
+            <a:off x="0" y="6492875"/>
+            <a:ext cx="8903368" cy="369332"/>
+          </a:xfrm>
+          <a:prstGeom prst="rect">
+            <a:avLst/>
+          </a:prstGeom>
+          <a:noFill/>
+        </p:spPr>
+        <p:txBody>
+          <a:bodyPr wrap="square" rtlCol="0">
+            <a:spAutoFit/>
+          </a:bodyPr>
+          <a:lstStyle/>
+          <a:p>
+            <a:r>
+              <a:rPr lang="de-AT" dirty="0"/>
+              <a:t>https://www.atlassian.com/de/git</a:t>
+            </a:r>
+          </a:p>
+        </p:txBody>
+      </p:sp>
+      <p:sp>
+        <p:nvSpPr>
+          <p:cNvPr id="23" name="TextBox 22">
+            <a:extLst>
+              <a:ext uri="{FF2B5EF4-FFF2-40B4-BE49-F238E27FC236}">
+                <a16:creationId xmlns:a16="http://schemas.microsoft.com/office/drawing/2014/main" id="{08394621-EEAD-A400-28C6-86193001A20E}"/>
+              </a:ext>
+            </a:extLst>
+          </p:cNvPr>
+          <p:cNvSpPr txBox="1"/>
+          <p:nvPr/>
+        </p:nvSpPr>
+        <p:spPr>
+          <a:xfrm>
+            <a:off x="838199" y="1616744"/>
+            <a:ext cx="10515599" cy="523220"/>
+          </a:xfrm>
+          <a:prstGeom prst="rect">
+            <a:avLst/>
+          </a:prstGeom>
+          <a:noFill/>
+        </p:spPr>
+        <p:txBody>
+          <a:bodyPr wrap="square" rtlCol="0">
+            <a:spAutoFit/>
+          </a:bodyPr>
+          <a:lstStyle/>
+          <a:p>
+            <a:pPr algn="ctr"/>
+            <a:r>
+              <a:rPr lang="en-GB" sz="2800" dirty="0"/>
+              <a:t>Changes get added in a merge commit, preserving the branch</a:t>
+            </a:r>
+            <a:endParaRPr lang="de-AT" sz="2800" dirty="0"/>
+          </a:p>
+        </p:txBody>
+      </p:sp>
+      <p:pic>
+        <p:nvPicPr>
+          <p:cNvPr id="4" name="Picture 3" descr="A white arrow pointing to the left&#10;&#10;Description automatically generated">
+            <a:extLst>
+              <a:ext uri="{FF2B5EF4-FFF2-40B4-BE49-F238E27FC236}">
+                <a16:creationId xmlns:a16="http://schemas.microsoft.com/office/drawing/2014/main" id="{B43BE4AE-8C95-894A-2C01-93344DBF872A}"/>
+              </a:ext>
+            </a:extLst>
+          </p:cNvPr>
+          <p:cNvPicPr>
+            <a:picLocks noChangeAspect="1"/>
+          </p:cNvPicPr>
+          <p:nvPr/>
+        </p:nvPicPr>
+        <p:blipFill>
+          <a:blip r:embed="rId2">
+            <a:extLst>
+              <a:ext uri="{28A0092B-C50C-407E-A947-70E740481C1C}">
+                <a14:useLocalDpi xmlns:a14="http://schemas.microsoft.com/office/drawing/2010/main" val="0"/>
+              </a:ext>
+            </a:extLst>
+          </a:blip>
+          <a:stretch>
+            <a:fillRect/>
+          </a:stretch>
+        </p:blipFill>
+        <p:spPr>
+          <a:xfrm>
+            <a:off x="2371725" y="2584282"/>
+            <a:ext cx="7448550" cy="1362075"/>
+          </a:xfrm>
+          <a:prstGeom prst="rect">
+            <a:avLst/>
+          </a:prstGeom>
+        </p:spPr>
+      </p:pic>
+    </p:spTree>
+    <p:extLst>
+      <p:ext uri="{BB962C8B-B14F-4D97-AF65-F5344CB8AC3E}">
+        <p14:creationId xmlns:p14="http://schemas.microsoft.com/office/powerpoint/2010/main" val="2048745845"/>
       </p:ext>
     </p:extLst>
   </p:cSld>
@@ -4207,15 +5657,7 @@
             <a:pPr algn="r"/>
             <a:r>
               <a:rPr lang="en-GB" dirty="0"/>
-              <a:t>Valentin </a:t>
-            </a:r>
-            <a:r>
-              <a:rPr lang="en-GB" dirty="0" err="1"/>
-              <a:t>Langegger</a:t>
-            </a:r>
-            <a:r>
-              <a:rPr lang="en-GB" dirty="0"/>
-              <a:t>, Elias Leonhardsberger</a:t>
+              <a:t>Valentin Langegger, Elias Leonhardsberger</a:t>
             </a:r>
           </a:p>
           <a:p>
@@ -4236,13 +5678,8 @@
             <a:pPr algn="r"/>
             <a:r>
               <a:rPr lang="en-GB" dirty="0"/>
-              <a:t>FH </a:t>
-            </a:r>
-            <a:r>
-              <a:rPr lang="en-GB" dirty="0" err="1"/>
-              <a:t>Hagenberg</a:t>
-            </a:r>
-            <a:endParaRPr lang="en-GB" dirty="0"/>
+              <a:t>FH Hagenberg</a:t>
+            </a:r>
           </a:p>
         </p:txBody>
       </p:sp>
@@ -4250,6 +5687,1079 @@
     <p:extLst>
       <p:ext uri="{BB962C8B-B14F-4D97-AF65-F5344CB8AC3E}">
         <p14:creationId xmlns:p14="http://schemas.microsoft.com/office/powerpoint/2010/main" val="1899282328"/>
+      </p:ext>
+    </p:extLst>
+  </p:cSld>
+  <p:clrMapOvr>
+    <a:masterClrMapping/>
+  </p:clrMapOvr>
+</p:sld>
+</file>
+
+<file path=ppt/slides/slide20.xml><?xml version="1.0" encoding="utf-8"?>
+<p:sld xmlns:a="http://schemas.openxmlformats.org/drawingml/2006/main" xmlns:r="http://schemas.openxmlformats.org/officeDocument/2006/relationships" xmlns:p="http://schemas.openxmlformats.org/presentationml/2006/main">
+  <p:cSld>
+    <p:spTree>
+      <p:nvGrpSpPr>
+        <p:cNvPr id="1" name=""/>
+        <p:cNvGrpSpPr/>
+        <p:nvPr/>
+      </p:nvGrpSpPr>
+      <p:grpSpPr>
+        <a:xfrm>
+          <a:off x="0" y="0"/>
+          <a:ext cx="0" cy="0"/>
+          <a:chOff x="0" y="0"/>
+          <a:chExt cx="0" cy="0"/>
+        </a:xfrm>
+      </p:grpSpPr>
+      <p:sp>
+        <p:nvSpPr>
+          <p:cNvPr id="2" name="Title 1">
+            <a:extLst>
+              <a:ext uri="{FF2B5EF4-FFF2-40B4-BE49-F238E27FC236}">
+                <a16:creationId xmlns:a16="http://schemas.microsoft.com/office/drawing/2014/main" id="{EE50FC3C-AACC-C2FC-154A-A3EC15F30D1E}"/>
+              </a:ext>
+            </a:extLst>
+          </p:cNvPr>
+          <p:cNvSpPr>
+            <a:spLocks noGrp="1"/>
+          </p:cNvSpPr>
+          <p:nvPr>
+            <p:ph type="title"/>
+          </p:nvPr>
+        </p:nvSpPr>
+        <p:spPr/>
+        <p:txBody>
+          <a:bodyPr/>
+          <a:lstStyle/>
+          <a:p>
+            <a:pPr algn="ctr"/>
+            <a:r>
+              <a:rPr lang="en-GB" dirty="0"/>
+              <a:t>Rebase</a:t>
+            </a:r>
+          </a:p>
+        </p:txBody>
+      </p:sp>
+      <p:sp>
+        <p:nvSpPr>
+          <p:cNvPr id="19" name="Content Placeholder 18">
+            <a:extLst>
+              <a:ext uri="{FF2B5EF4-FFF2-40B4-BE49-F238E27FC236}">
+                <a16:creationId xmlns:a16="http://schemas.microsoft.com/office/drawing/2014/main" id="{08103D50-4417-9C94-54A2-16B0218D2071}"/>
+              </a:ext>
+            </a:extLst>
+          </p:cNvPr>
+          <p:cNvSpPr>
+            <a:spLocks noGrp="1"/>
+          </p:cNvSpPr>
+          <p:nvPr>
+            <p:ph sz="half" idx="1"/>
+          </p:nvPr>
+        </p:nvSpPr>
+        <p:spPr>
+          <a:xfrm>
+            <a:off x="838200" y="3946357"/>
+            <a:ext cx="5181600" cy="2230605"/>
+          </a:xfrm>
+        </p:spPr>
+        <p:txBody>
+          <a:bodyPr/>
+          <a:lstStyle/>
+          <a:p>
+            <a:pPr marL="0" indent="0" algn="ctr">
+              <a:buNone/>
+            </a:pPr>
+            <a:r>
+              <a:rPr lang="en-GB" b="1" dirty="0"/>
+              <a:t>+</a:t>
+            </a:r>
+          </a:p>
+          <a:p>
+            <a:pPr marL="0" indent="0" algn="ctr">
+              <a:buNone/>
+            </a:pPr>
+            <a:r>
+              <a:rPr lang="en-GB" dirty="0"/>
+              <a:t>Clean history</a:t>
+            </a:r>
+          </a:p>
+          <a:p>
+            <a:pPr marL="0" indent="0" algn="ctr">
+              <a:buNone/>
+            </a:pPr>
+            <a:r>
+              <a:rPr lang="en-GB" dirty="0"/>
+              <a:t>Interactive rebase possible</a:t>
+            </a:r>
+          </a:p>
+          <a:p>
+            <a:pPr marL="0" indent="0" algn="ctr">
+              <a:buNone/>
+            </a:pPr>
+            <a:endParaRPr lang="de-AT" dirty="0"/>
+          </a:p>
+        </p:txBody>
+      </p:sp>
+      <p:sp>
+        <p:nvSpPr>
+          <p:cNvPr id="20" name="Content Placeholder 19">
+            <a:extLst>
+              <a:ext uri="{FF2B5EF4-FFF2-40B4-BE49-F238E27FC236}">
+                <a16:creationId xmlns:a16="http://schemas.microsoft.com/office/drawing/2014/main" id="{60D338C3-E25A-63DD-94CB-DF8DE0EA7815}"/>
+              </a:ext>
+            </a:extLst>
+          </p:cNvPr>
+          <p:cNvSpPr>
+            <a:spLocks noGrp="1"/>
+          </p:cNvSpPr>
+          <p:nvPr>
+            <p:ph sz="half" idx="2"/>
+          </p:nvPr>
+        </p:nvSpPr>
+        <p:spPr>
+          <a:xfrm>
+            <a:off x="6172200" y="3946357"/>
+            <a:ext cx="5181600" cy="2230605"/>
+          </a:xfrm>
+        </p:spPr>
+        <p:txBody>
+          <a:bodyPr/>
+          <a:lstStyle/>
+          <a:p>
+            <a:pPr marL="0" indent="0" algn="ctr">
+              <a:buNone/>
+            </a:pPr>
+            <a:r>
+              <a:rPr lang="en-GB" b="1" dirty="0"/>
+              <a:t>-</a:t>
+            </a:r>
+          </a:p>
+          <a:p>
+            <a:pPr marL="0" indent="0" algn="ctr">
+              <a:buNone/>
+            </a:pPr>
+            <a:r>
+              <a:rPr lang="en-GB" dirty="0"/>
+              <a:t>Rewrites history</a:t>
+            </a:r>
+          </a:p>
+          <a:p>
+            <a:pPr marL="0" indent="0" algn="ctr">
+              <a:buNone/>
+            </a:pPr>
+            <a:r>
+              <a:rPr lang="en-GB" dirty="0"/>
+              <a:t>Complex</a:t>
+            </a:r>
+          </a:p>
+          <a:p>
+            <a:pPr marL="0" indent="0" algn="ctr">
+              <a:buNone/>
+            </a:pPr>
+            <a:r>
+              <a:rPr lang="en-GB" dirty="0"/>
+              <a:t>Never rebase shared branches!!!</a:t>
+            </a:r>
+            <a:endParaRPr lang="de-AT" dirty="0"/>
+          </a:p>
+        </p:txBody>
+      </p:sp>
+      <p:sp>
+        <p:nvSpPr>
+          <p:cNvPr id="6" name="TextBox 5">
+            <a:extLst>
+              <a:ext uri="{FF2B5EF4-FFF2-40B4-BE49-F238E27FC236}">
+                <a16:creationId xmlns:a16="http://schemas.microsoft.com/office/drawing/2014/main" id="{554B6E34-CEB2-BED3-A433-A8564FA92055}"/>
+              </a:ext>
+            </a:extLst>
+          </p:cNvPr>
+          <p:cNvSpPr txBox="1"/>
+          <p:nvPr/>
+        </p:nvSpPr>
+        <p:spPr>
+          <a:xfrm>
+            <a:off x="0" y="6492875"/>
+            <a:ext cx="8903368" cy="369332"/>
+          </a:xfrm>
+          <a:prstGeom prst="rect">
+            <a:avLst/>
+          </a:prstGeom>
+          <a:noFill/>
+        </p:spPr>
+        <p:txBody>
+          <a:bodyPr wrap="square" rtlCol="0">
+            <a:spAutoFit/>
+          </a:bodyPr>
+          <a:lstStyle/>
+          <a:p>
+            <a:r>
+              <a:rPr lang="de-AT" dirty="0"/>
+              <a:t>https://www.atlassian.com/de/git</a:t>
+            </a:r>
+          </a:p>
+        </p:txBody>
+      </p:sp>
+      <p:sp>
+        <p:nvSpPr>
+          <p:cNvPr id="23" name="TextBox 22">
+            <a:extLst>
+              <a:ext uri="{FF2B5EF4-FFF2-40B4-BE49-F238E27FC236}">
+                <a16:creationId xmlns:a16="http://schemas.microsoft.com/office/drawing/2014/main" id="{08394621-EEAD-A400-28C6-86193001A20E}"/>
+              </a:ext>
+            </a:extLst>
+          </p:cNvPr>
+          <p:cNvSpPr txBox="1"/>
+          <p:nvPr/>
+        </p:nvSpPr>
+        <p:spPr>
+          <a:xfrm>
+            <a:off x="838199" y="1616744"/>
+            <a:ext cx="10515599" cy="523220"/>
+          </a:xfrm>
+          <a:prstGeom prst="rect">
+            <a:avLst/>
+          </a:prstGeom>
+          <a:noFill/>
+        </p:spPr>
+        <p:txBody>
+          <a:bodyPr wrap="square" rtlCol="0">
+            <a:spAutoFit/>
+          </a:bodyPr>
+          <a:lstStyle/>
+          <a:p>
+            <a:pPr algn="ctr"/>
+            <a:r>
+              <a:rPr lang="en-GB" sz="2800" dirty="0"/>
+              <a:t>Changes get added as NEW commits</a:t>
+            </a:r>
+            <a:endParaRPr lang="de-AT" sz="2800" dirty="0"/>
+          </a:p>
+        </p:txBody>
+      </p:sp>
+      <p:pic>
+        <p:nvPicPr>
+          <p:cNvPr id="25" name="Picture 24" descr="A white arrow pointing to the left&#10;&#10;Description automatically generated">
+            <a:extLst>
+              <a:ext uri="{FF2B5EF4-FFF2-40B4-BE49-F238E27FC236}">
+                <a16:creationId xmlns:a16="http://schemas.microsoft.com/office/drawing/2014/main" id="{8C07384D-B4A1-F21E-996B-F5C7D47CBC25}"/>
+              </a:ext>
+            </a:extLst>
+          </p:cNvPr>
+          <p:cNvPicPr>
+            <a:picLocks noChangeAspect="1"/>
+          </p:cNvPicPr>
+          <p:nvPr/>
+        </p:nvPicPr>
+        <p:blipFill>
+          <a:blip r:embed="rId2">
+            <a:extLst>
+              <a:ext uri="{28A0092B-C50C-407E-A947-70E740481C1C}">
+                <a14:useLocalDpi xmlns:a14="http://schemas.microsoft.com/office/drawing/2010/main" val="0"/>
+              </a:ext>
+            </a:extLst>
+          </a:blip>
+          <a:stretch>
+            <a:fillRect/>
+          </a:stretch>
+        </p:blipFill>
+        <p:spPr>
+          <a:xfrm>
+            <a:off x="2357438" y="2584282"/>
+            <a:ext cx="7477125" cy="1362075"/>
+          </a:xfrm>
+          <a:prstGeom prst="rect">
+            <a:avLst/>
+          </a:prstGeom>
+        </p:spPr>
+      </p:pic>
+    </p:spTree>
+    <p:extLst>
+      <p:ext uri="{BB962C8B-B14F-4D97-AF65-F5344CB8AC3E}">
+        <p14:creationId xmlns:p14="http://schemas.microsoft.com/office/powerpoint/2010/main" val="1057167618"/>
+      </p:ext>
+    </p:extLst>
+  </p:cSld>
+  <p:clrMapOvr>
+    <a:masterClrMapping/>
+  </p:clrMapOvr>
+</p:sld>
+</file>
+
+<file path=ppt/slides/slide21.xml><?xml version="1.0" encoding="utf-8"?>
+<p:sld xmlns:a="http://schemas.openxmlformats.org/drawingml/2006/main" xmlns:r="http://schemas.openxmlformats.org/officeDocument/2006/relationships" xmlns:p="http://schemas.openxmlformats.org/presentationml/2006/main">
+  <p:cSld>
+    <p:spTree>
+      <p:nvGrpSpPr>
+        <p:cNvPr id="1" name=""/>
+        <p:cNvGrpSpPr/>
+        <p:nvPr/>
+      </p:nvGrpSpPr>
+      <p:grpSpPr>
+        <a:xfrm>
+          <a:off x="0" y="0"/>
+          <a:ext cx="0" cy="0"/>
+          <a:chOff x="0" y="0"/>
+          <a:chExt cx="0" cy="0"/>
+        </a:xfrm>
+      </p:grpSpPr>
+      <p:sp>
+        <p:nvSpPr>
+          <p:cNvPr id="2" name="Title 1">
+            <a:extLst>
+              <a:ext uri="{FF2B5EF4-FFF2-40B4-BE49-F238E27FC236}">
+                <a16:creationId xmlns:a16="http://schemas.microsoft.com/office/drawing/2014/main" id="{EE50FC3C-AACC-C2FC-154A-A3EC15F30D1E}"/>
+              </a:ext>
+            </a:extLst>
+          </p:cNvPr>
+          <p:cNvSpPr>
+            <a:spLocks noGrp="1"/>
+          </p:cNvSpPr>
+          <p:nvPr>
+            <p:ph type="title"/>
+          </p:nvPr>
+        </p:nvSpPr>
+        <p:spPr/>
+        <p:txBody>
+          <a:bodyPr/>
+          <a:lstStyle/>
+          <a:p>
+            <a:pPr algn="ctr"/>
+            <a:r>
+              <a:rPr lang="en-GB" dirty="0"/>
+              <a:t>Squash Commit and Rebase</a:t>
+            </a:r>
+          </a:p>
+        </p:txBody>
+      </p:sp>
+      <p:sp>
+        <p:nvSpPr>
+          <p:cNvPr id="19" name="Content Placeholder 18">
+            <a:extLst>
+              <a:ext uri="{FF2B5EF4-FFF2-40B4-BE49-F238E27FC236}">
+                <a16:creationId xmlns:a16="http://schemas.microsoft.com/office/drawing/2014/main" id="{08103D50-4417-9C94-54A2-16B0218D2071}"/>
+              </a:ext>
+            </a:extLst>
+          </p:cNvPr>
+          <p:cNvSpPr>
+            <a:spLocks noGrp="1"/>
+          </p:cNvSpPr>
+          <p:nvPr>
+            <p:ph sz="half" idx="1"/>
+          </p:nvPr>
+        </p:nvSpPr>
+        <p:spPr>
+          <a:xfrm>
+            <a:off x="838200" y="3946357"/>
+            <a:ext cx="5181600" cy="2230605"/>
+          </a:xfrm>
+        </p:spPr>
+        <p:txBody>
+          <a:bodyPr/>
+          <a:lstStyle/>
+          <a:p>
+            <a:pPr marL="0" indent="0" algn="ctr">
+              <a:buNone/>
+            </a:pPr>
+            <a:r>
+              <a:rPr lang="en-GB" b="1" dirty="0"/>
+              <a:t>+</a:t>
+            </a:r>
+          </a:p>
+          <a:p>
+            <a:pPr marL="0" indent="0" algn="ctr">
+              <a:buNone/>
+            </a:pPr>
+            <a:r>
+              <a:rPr lang="en-GB" dirty="0"/>
+              <a:t>Clean history</a:t>
+            </a:r>
+            <a:endParaRPr lang="de-AT" dirty="0"/>
+          </a:p>
+        </p:txBody>
+      </p:sp>
+      <p:sp>
+        <p:nvSpPr>
+          <p:cNvPr id="20" name="Content Placeholder 19">
+            <a:extLst>
+              <a:ext uri="{FF2B5EF4-FFF2-40B4-BE49-F238E27FC236}">
+                <a16:creationId xmlns:a16="http://schemas.microsoft.com/office/drawing/2014/main" id="{60D338C3-E25A-63DD-94CB-DF8DE0EA7815}"/>
+              </a:ext>
+            </a:extLst>
+          </p:cNvPr>
+          <p:cNvSpPr>
+            <a:spLocks noGrp="1"/>
+          </p:cNvSpPr>
+          <p:nvPr>
+            <p:ph sz="half" idx="2"/>
+          </p:nvPr>
+        </p:nvSpPr>
+        <p:spPr>
+          <a:xfrm>
+            <a:off x="6172200" y="3946357"/>
+            <a:ext cx="5181600" cy="2230605"/>
+          </a:xfrm>
+        </p:spPr>
+        <p:txBody>
+          <a:bodyPr/>
+          <a:lstStyle/>
+          <a:p>
+            <a:pPr marL="0" indent="0" algn="ctr">
+              <a:buNone/>
+            </a:pPr>
+            <a:r>
+              <a:rPr lang="en-GB" b="1" dirty="0"/>
+              <a:t>-</a:t>
+            </a:r>
+          </a:p>
+          <a:p>
+            <a:pPr marL="0" indent="0" algn="ctr">
+              <a:buNone/>
+            </a:pPr>
+            <a:r>
+              <a:rPr lang="en-GB" dirty="0"/>
+              <a:t>Rewrites history</a:t>
+            </a:r>
+          </a:p>
+          <a:p>
+            <a:pPr marL="0" indent="0" algn="ctr">
+              <a:buNone/>
+            </a:pPr>
+            <a:r>
+              <a:rPr lang="en-GB" dirty="0"/>
+              <a:t>Commits get compressed</a:t>
+            </a:r>
+          </a:p>
+          <a:p>
+            <a:pPr marL="0" indent="0" algn="ctr">
+              <a:buNone/>
+            </a:pPr>
+            <a:r>
+              <a:rPr lang="en-GB" dirty="0"/>
+              <a:t>Never rebase shared branches!!!</a:t>
+            </a:r>
+            <a:endParaRPr lang="de-AT" dirty="0"/>
+          </a:p>
+        </p:txBody>
+      </p:sp>
+      <p:sp>
+        <p:nvSpPr>
+          <p:cNvPr id="6" name="TextBox 5">
+            <a:extLst>
+              <a:ext uri="{FF2B5EF4-FFF2-40B4-BE49-F238E27FC236}">
+                <a16:creationId xmlns:a16="http://schemas.microsoft.com/office/drawing/2014/main" id="{554B6E34-CEB2-BED3-A433-A8564FA92055}"/>
+              </a:ext>
+            </a:extLst>
+          </p:cNvPr>
+          <p:cNvSpPr txBox="1"/>
+          <p:nvPr/>
+        </p:nvSpPr>
+        <p:spPr>
+          <a:xfrm>
+            <a:off x="0" y="6492875"/>
+            <a:ext cx="8903368" cy="369332"/>
+          </a:xfrm>
+          <a:prstGeom prst="rect">
+            <a:avLst/>
+          </a:prstGeom>
+          <a:noFill/>
+        </p:spPr>
+        <p:txBody>
+          <a:bodyPr wrap="square" rtlCol="0">
+            <a:spAutoFit/>
+          </a:bodyPr>
+          <a:lstStyle/>
+          <a:p>
+            <a:r>
+              <a:rPr lang="de-AT" dirty="0"/>
+              <a:t>https://www.atlassian.com/de/git</a:t>
+            </a:r>
+          </a:p>
+        </p:txBody>
+      </p:sp>
+      <p:sp>
+        <p:nvSpPr>
+          <p:cNvPr id="23" name="TextBox 22">
+            <a:extLst>
+              <a:ext uri="{FF2B5EF4-FFF2-40B4-BE49-F238E27FC236}">
+                <a16:creationId xmlns:a16="http://schemas.microsoft.com/office/drawing/2014/main" id="{08394621-EEAD-A400-28C6-86193001A20E}"/>
+              </a:ext>
+            </a:extLst>
+          </p:cNvPr>
+          <p:cNvSpPr txBox="1"/>
+          <p:nvPr/>
+        </p:nvSpPr>
+        <p:spPr>
+          <a:xfrm>
+            <a:off x="838199" y="1616744"/>
+            <a:ext cx="10515599" cy="523220"/>
+          </a:xfrm>
+          <a:prstGeom prst="rect">
+            <a:avLst/>
+          </a:prstGeom>
+          <a:noFill/>
+        </p:spPr>
+        <p:txBody>
+          <a:bodyPr wrap="square" rtlCol="0">
+            <a:spAutoFit/>
+          </a:bodyPr>
+          <a:lstStyle/>
+          <a:p>
+            <a:pPr algn="ctr"/>
+            <a:r>
+              <a:rPr lang="en-GB" sz="2800" dirty="0"/>
+              <a:t>Changes get added at the end of the main branch, as a single commit</a:t>
+            </a:r>
+            <a:endParaRPr lang="de-AT" sz="2800" dirty="0"/>
+          </a:p>
+        </p:txBody>
+      </p:sp>
+      <p:pic>
+        <p:nvPicPr>
+          <p:cNvPr id="4" name="Picture 3" descr="A black background with white and pink circles&#10;&#10;Description automatically generated">
+            <a:extLst>
+              <a:ext uri="{FF2B5EF4-FFF2-40B4-BE49-F238E27FC236}">
+                <a16:creationId xmlns:a16="http://schemas.microsoft.com/office/drawing/2014/main" id="{F8735463-AF6D-6B6D-58D9-CEC882F65278}"/>
+              </a:ext>
+            </a:extLst>
+          </p:cNvPr>
+          <p:cNvPicPr>
+            <a:picLocks noChangeAspect="1"/>
+          </p:cNvPicPr>
+          <p:nvPr/>
+        </p:nvPicPr>
+        <p:blipFill>
+          <a:blip r:embed="rId2">
+            <a:extLst>
+              <a:ext uri="{28A0092B-C50C-407E-A947-70E740481C1C}">
+                <a14:useLocalDpi xmlns:a14="http://schemas.microsoft.com/office/drawing/2010/main" val="0"/>
+              </a:ext>
+            </a:extLst>
+          </a:blip>
+          <a:stretch>
+            <a:fillRect/>
+          </a:stretch>
+        </p:blipFill>
+        <p:spPr>
+          <a:xfrm>
+            <a:off x="2662238" y="2584282"/>
+            <a:ext cx="6867525" cy="1362075"/>
+          </a:xfrm>
+          <a:prstGeom prst="rect">
+            <a:avLst/>
+          </a:prstGeom>
+        </p:spPr>
+      </p:pic>
+    </p:spTree>
+    <p:extLst>
+      <p:ext uri="{BB962C8B-B14F-4D97-AF65-F5344CB8AC3E}">
+        <p14:creationId xmlns:p14="http://schemas.microsoft.com/office/powerpoint/2010/main" val="2062656603"/>
+      </p:ext>
+    </p:extLst>
+  </p:cSld>
+  <p:clrMapOvr>
+    <a:masterClrMapping/>
+  </p:clrMapOvr>
+</p:sld>
+</file>
+
+<file path=ppt/slides/slide22.xml><?xml version="1.0" encoding="utf-8"?>
+<p:sld xmlns:a="http://schemas.openxmlformats.org/drawingml/2006/main" xmlns:r="http://schemas.openxmlformats.org/officeDocument/2006/relationships" xmlns:p="http://schemas.openxmlformats.org/presentationml/2006/main">
+  <p:cSld>
+    <p:spTree>
+      <p:nvGrpSpPr>
+        <p:cNvPr id="1" name=""/>
+        <p:cNvGrpSpPr/>
+        <p:nvPr/>
+      </p:nvGrpSpPr>
+      <p:grpSpPr>
+        <a:xfrm>
+          <a:off x="0" y="0"/>
+          <a:ext cx="0" cy="0"/>
+          <a:chOff x="0" y="0"/>
+          <a:chExt cx="0" cy="0"/>
+        </a:xfrm>
+      </p:grpSpPr>
+      <p:sp>
+        <p:nvSpPr>
+          <p:cNvPr id="2" name="Title 1">
+            <a:extLst>
+              <a:ext uri="{FF2B5EF4-FFF2-40B4-BE49-F238E27FC236}">
+                <a16:creationId xmlns:a16="http://schemas.microsoft.com/office/drawing/2014/main" id="{EE50FC3C-AACC-C2FC-154A-A3EC15F30D1E}"/>
+              </a:ext>
+            </a:extLst>
+          </p:cNvPr>
+          <p:cNvSpPr>
+            <a:spLocks noGrp="1"/>
+          </p:cNvSpPr>
+          <p:nvPr>
+            <p:ph type="title"/>
+          </p:nvPr>
+        </p:nvSpPr>
+        <p:spPr/>
+        <p:txBody>
+          <a:bodyPr/>
+          <a:lstStyle/>
+          <a:p>
+            <a:pPr algn="ctr"/>
+            <a:r>
+              <a:rPr lang="en-GB" dirty="0"/>
+              <a:t>Semi-linear Merge</a:t>
+            </a:r>
+          </a:p>
+        </p:txBody>
+      </p:sp>
+      <p:sp>
+        <p:nvSpPr>
+          <p:cNvPr id="19" name="Content Placeholder 18">
+            <a:extLst>
+              <a:ext uri="{FF2B5EF4-FFF2-40B4-BE49-F238E27FC236}">
+                <a16:creationId xmlns:a16="http://schemas.microsoft.com/office/drawing/2014/main" id="{08103D50-4417-9C94-54A2-16B0218D2071}"/>
+              </a:ext>
+            </a:extLst>
+          </p:cNvPr>
+          <p:cNvSpPr>
+            <a:spLocks noGrp="1"/>
+          </p:cNvSpPr>
+          <p:nvPr>
+            <p:ph sz="half" idx="1"/>
+          </p:nvPr>
+        </p:nvSpPr>
+        <p:spPr>
+          <a:xfrm>
+            <a:off x="838200" y="3946357"/>
+            <a:ext cx="5181600" cy="2230605"/>
+          </a:xfrm>
+        </p:spPr>
+        <p:txBody>
+          <a:bodyPr/>
+          <a:lstStyle/>
+          <a:p>
+            <a:pPr marL="0" indent="0" algn="ctr">
+              <a:buNone/>
+            </a:pPr>
+            <a:r>
+              <a:rPr lang="en-GB" b="1" dirty="0"/>
+              <a:t>+</a:t>
+            </a:r>
+          </a:p>
+          <a:p>
+            <a:pPr marL="0" indent="0" algn="ctr">
+              <a:buNone/>
+            </a:pPr>
+            <a:r>
+              <a:rPr lang="en-GB" dirty="0"/>
+              <a:t>Cleaner history than merge</a:t>
+            </a:r>
+          </a:p>
+          <a:p>
+            <a:pPr marL="0" indent="0" algn="ctr">
+              <a:buNone/>
+            </a:pPr>
+            <a:r>
+              <a:rPr lang="en-GB" dirty="0"/>
+              <a:t>No list commits</a:t>
+            </a:r>
+            <a:endParaRPr lang="de-AT" dirty="0"/>
+          </a:p>
+        </p:txBody>
+      </p:sp>
+      <p:sp>
+        <p:nvSpPr>
+          <p:cNvPr id="20" name="Content Placeholder 19">
+            <a:extLst>
+              <a:ext uri="{FF2B5EF4-FFF2-40B4-BE49-F238E27FC236}">
+                <a16:creationId xmlns:a16="http://schemas.microsoft.com/office/drawing/2014/main" id="{60D338C3-E25A-63DD-94CB-DF8DE0EA7815}"/>
+              </a:ext>
+            </a:extLst>
+          </p:cNvPr>
+          <p:cNvSpPr>
+            <a:spLocks noGrp="1"/>
+          </p:cNvSpPr>
+          <p:nvPr>
+            <p:ph sz="half" idx="2"/>
+          </p:nvPr>
+        </p:nvSpPr>
+        <p:spPr>
+          <a:xfrm>
+            <a:off x="6172200" y="3946357"/>
+            <a:ext cx="5181600" cy="2230605"/>
+          </a:xfrm>
+        </p:spPr>
+        <p:txBody>
+          <a:bodyPr/>
+          <a:lstStyle/>
+          <a:p>
+            <a:pPr marL="0" indent="0" algn="ctr">
+              <a:buNone/>
+            </a:pPr>
+            <a:r>
+              <a:rPr lang="en-GB" b="1" dirty="0"/>
+              <a:t>-</a:t>
+            </a:r>
+          </a:p>
+          <a:p>
+            <a:pPr marL="0" indent="0" algn="ctr">
+              <a:buNone/>
+            </a:pPr>
+            <a:r>
+              <a:rPr lang="en-GB" dirty="0"/>
+              <a:t>Rewrites history</a:t>
+            </a:r>
+          </a:p>
+          <a:p>
+            <a:pPr marL="0" indent="0" algn="ctr">
+              <a:buNone/>
+            </a:pPr>
+            <a:r>
+              <a:rPr lang="en-GB" dirty="0"/>
+              <a:t>Extra merge commit</a:t>
+            </a:r>
+            <a:endParaRPr lang="de-AT" dirty="0"/>
+          </a:p>
+        </p:txBody>
+      </p:sp>
+      <p:sp>
+        <p:nvSpPr>
+          <p:cNvPr id="6" name="TextBox 5">
+            <a:extLst>
+              <a:ext uri="{FF2B5EF4-FFF2-40B4-BE49-F238E27FC236}">
+                <a16:creationId xmlns:a16="http://schemas.microsoft.com/office/drawing/2014/main" id="{554B6E34-CEB2-BED3-A433-A8564FA92055}"/>
+              </a:ext>
+            </a:extLst>
+          </p:cNvPr>
+          <p:cNvSpPr txBox="1"/>
+          <p:nvPr/>
+        </p:nvSpPr>
+        <p:spPr>
+          <a:xfrm>
+            <a:off x="0" y="6492875"/>
+            <a:ext cx="8903368" cy="369332"/>
+          </a:xfrm>
+          <a:prstGeom prst="rect">
+            <a:avLst/>
+          </a:prstGeom>
+          <a:noFill/>
+        </p:spPr>
+        <p:txBody>
+          <a:bodyPr wrap="square" rtlCol="0">
+            <a:spAutoFit/>
+          </a:bodyPr>
+          <a:lstStyle/>
+          <a:p>
+            <a:r>
+              <a:rPr lang="de-AT" dirty="0"/>
+              <a:t>https://www.atlassian.com/de/git</a:t>
+            </a:r>
+          </a:p>
+        </p:txBody>
+      </p:sp>
+      <p:sp>
+        <p:nvSpPr>
+          <p:cNvPr id="23" name="TextBox 22">
+            <a:extLst>
+              <a:ext uri="{FF2B5EF4-FFF2-40B4-BE49-F238E27FC236}">
+                <a16:creationId xmlns:a16="http://schemas.microsoft.com/office/drawing/2014/main" id="{08394621-EEAD-A400-28C6-86193001A20E}"/>
+              </a:ext>
+            </a:extLst>
+          </p:cNvPr>
+          <p:cNvSpPr txBox="1"/>
+          <p:nvPr/>
+        </p:nvSpPr>
+        <p:spPr>
+          <a:xfrm>
+            <a:off x="838199" y="1616744"/>
+            <a:ext cx="10515599" cy="523220"/>
+          </a:xfrm>
+          <a:prstGeom prst="rect">
+            <a:avLst/>
+          </a:prstGeom>
+          <a:noFill/>
+        </p:spPr>
+        <p:txBody>
+          <a:bodyPr wrap="square" rtlCol="0">
+            <a:spAutoFit/>
+          </a:bodyPr>
+          <a:lstStyle/>
+          <a:p>
+            <a:pPr algn="ctr"/>
+            <a:r>
+              <a:rPr lang="en-GB" sz="2800" dirty="0"/>
+              <a:t>Changes get added at the end of the main branch</a:t>
+            </a:r>
+            <a:endParaRPr lang="de-AT" sz="2800" dirty="0"/>
+          </a:p>
+        </p:txBody>
+      </p:sp>
+      <p:pic>
+        <p:nvPicPr>
+          <p:cNvPr id="7" name="Picture 6" descr="A white arrow pointing to the left&#10;&#10;Description automatically generated">
+            <a:extLst>
+              <a:ext uri="{FF2B5EF4-FFF2-40B4-BE49-F238E27FC236}">
+                <a16:creationId xmlns:a16="http://schemas.microsoft.com/office/drawing/2014/main" id="{EA56E4F0-FC75-BB3A-4036-47A40859250D}"/>
+              </a:ext>
+            </a:extLst>
+          </p:cNvPr>
+          <p:cNvPicPr>
+            <a:picLocks noChangeAspect="1"/>
+          </p:cNvPicPr>
+          <p:nvPr/>
+        </p:nvPicPr>
+        <p:blipFill>
+          <a:blip r:embed="rId2">
+            <a:extLst>
+              <a:ext uri="{28A0092B-C50C-407E-A947-70E740481C1C}">
+                <a14:useLocalDpi xmlns:a14="http://schemas.microsoft.com/office/drawing/2010/main" val="0"/>
+              </a:ext>
+            </a:extLst>
+          </a:blip>
+          <a:stretch>
+            <a:fillRect/>
+          </a:stretch>
+        </p:blipFill>
+        <p:spPr>
+          <a:xfrm>
+            <a:off x="1990723" y="2584282"/>
+            <a:ext cx="8210550" cy="1362075"/>
+          </a:xfrm>
+          <a:prstGeom prst="rect">
+            <a:avLst/>
+          </a:prstGeom>
+        </p:spPr>
+      </p:pic>
+    </p:spTree>
+    <p:extLst>
+      <p:ext uri="{BB962C8B-B14F-4D97-AF65-F5344CB8AC3E}">
+        <p14:creationId xmlns:p14="http://schemas.microsoft.com/office/powerpoint/2010/main" val="935522419"/>
+      </p:ext>
+    </p:extLst>
+  </p:cSld>
+  <p:clrMapOvr>
+    <a:masterClrMapping/>
+  </p:clrMapOvr>
+</p:sld>
+</file>
+
+<file path=ppt/slides/slide23.xml><?xml version="1.0" encoding="utf-8"?>
+<p:sld xmlns:a="http://schemas.openxmlformats.org/drawingml/2006/main" xmlns:r="http://schemas.openxmlformats.org/officeDocument/2006/relationships" xmlns:p="http://schemas.openxmlformats.org/presentationml/2006/main">
+  <p:cSld>
+    <p:spTree>
+      <p:nvGrpSpPr>
+        <p:cNvPr id="1" name=""/>
+        <p:cNvGrpSpPr/>
+        <p:nvPr/>
+      </p:nvGrpSpPr>
+      <p:grpSpPr>
+        <a:xfrm>
+          <a:off x="0" y="0"/>
+          <a:ext cx="0" cy="0"/>
+          <a:chOff x="0" y="0"/>
+          <a:chExt cx="0" cy="0"/>
+        </a:xfrm>
+      </p:grpSpPr>
+      <p:sp>
+        <p:nvSpPr>
+          <p:cNvPr id="2" name="Title 1">
+            <a:extLst>
+              <a:ext uri="{FF2B5EF4-FFF2-40B4-BE49-F238E27FC236}">
+                <a16:creationId xmlns:a16="http://schemas.microsoft.com/office/drawing/2014/main" id="{B51DE3DB-FF92-9CC0-4DB1-876E3BB77131}"/>
+              </a:ext>
+            </a:extLst>
+          </p:cNvPr>
+          <p:cNvSpPr>
+            <a:spLocks noGrp="1"/>
+          </p:cNvSpPr>
+          <p:nvPr>
+            <p:ph type="ctrTitle"/>
+          </p:nvPr>
+        </p:nvSpPr>
+        <p:spPr/>
+        <p:txBody>
+          <a:bodyPr/>
+          <a:lstStyle/>
+          <a:p>
+            <a:r>
+              <a:rPr lang="en-GB" dirty="0"/>
+              <a:t>Live Demo</a:t>
+            </a:r>
+            <a:endParaRPr lang="de-AT" dirty="0"/>
+          </a:p>
+        </p:txBody>
+      </p:sp>
+      <p:sp>
+        <p:nvSpPr>
+          <p:cNvPr id="3" name="Subtitle 2">
+            <a:extLst>
+              <a:ext uri="{FF2B5EF4-FFF2-40B4-BE49-F238E27FC236}">
+                <a16:creationId xmlns:a16="http://schemas.microsoft.com/office/drawing/2014/main" id="{6071911F-8912-FEC5-AF7F-E100E39A4CD2}"/>
+              </a:ext>
+            </a:extLst>
+          </p:cNvPr>
+          <p:cNvSpPr>
+            <a:spLocks noGrp="1"/>
+          </p:cNvSpPr>
+          <p:nvPr>
+            <p:ph type="subTitle" idx="1"/>
+          </p:nvPr>
+        </p:nvSpPr>
+        <p:spPr/>
+        <p:txBody>
+          <a:bodyPr/>
+          <a:lstStyle/>
+          <a:p>
+            <a:r>
+              <a:rPr lang="en-GB" dirty="0"/>
+              <a:t>Using Git in Visual Studio</a:t>
+            </a:r>
+            <a:endParaRPr lang="de-AT" dirty="0"/>
+          </a:p>
+        </p:txBody>
+      </p:sp>
+    </p:spTree>
+    <p:extLst>
+      <p:ext uri="{BB962C8B-B14F-4D97-AF65-F5344CB8AC3E}">
+        <p14:creationId xmlns:p14="http://schemas.microsoft.com/office/powerpoint/2010/main" val="3456375540"/>
+      </p:ext>
+    </p:extLst>
+  </p:cSld>
+  <p:clrMapOvr>
+    <a:masterClrMapping/>
+  </p:clrMapOvr>
+</p:sld>
+</file>
+
+<file path=ppt/slides/slide24.xml><?xml version="1.0" encoding="utf-8"?>
+<p:sld xmlns:a="http://schemas.openxmlformats.org/drawingml/2006/main" xmlns:r="http://schemas.openxmlformats.org/officeDocument/2006/relationships" xmlns:p="http://schemas.openxmlformats.org/presentationml/2006/main">
+  <p:cSld>
+    <p:spTree>
+      <p:nvGrpSpPr>
+        <p:cNvPr id="1" name=""/>
+        <p:cNvGrpSpPr/>
+        <p:nvPr/>
+      </p:nvGrpSpPr>
+      <p:grpSpPr>
+        <a:xfrm>
+          <a:off x="0" y="0"/>
+          <a:ext cx="0" cy="0"/>
+          <a:chOff x="0" y="0"/>
+          <a:chExt cx="0" cy="0"/>
+        </a:xfrm>
+      </p:grpSpPr>
+      <p:sp>
+        <p:nvSpPr>
+          <p:cNvPr id="2" name="Title 1">
+            <a:extLst>
+              <a:ext uri="{FF2B5EF4-FFF2-40B4-BE49-F238E27FC236}">
+                <a16:creationId xmlns:a16="http://schemas.microsoft.com/office/drawing/2014/main" id="{92BD6434-9075-9FA7-DFEB-BF01AB747D75}"/>
+              </a:ext>
+            </a:extLst>
+          </p:cNvPr>
+          <p:cNvSpPr>
+            <a:spLocks noGrp="1"/>
+          </p:cNvSpPr>
+          <p:nvPr>
+            <p:ph type="title"/>
+          </p:nvPr>
+        </p:nvSpPr>
+        <p:spPr/>
+        <p:txBody>
+          <a:bodyPr/>
+          <a:lstStyle/>
+          <a:p>
+            <a:pPr algn="ctr"/>
+            <a:r>
+              <a:rPr lang="de-AT" dirty="0"/>
+              <a:t>Quellen</a:t>
+            </a:r>
+          </a:p>
+        </p:txBody>
+      </p:sp>
+      <p:sp>
+        <p:nvSpPr>
+          <p:cNvPr id="3" name="Content Placeholder 2">
+            <a:extLst>
+              <a:ext uri="{FF2B5EF4-FFF2-40B4-BE49-F238E27FC236}">
+                <a16:creationId xmlns:a16="http://schemas.microsoft.com/office/drawing/2014/main" id="{42D07A28-9A67-2264-DE01-C5D1B6EDF3B0}"/>
+              </a:ext>
+            </a:extLst>
+          </p:cNvPr>
+          <p:cNvSpPr>
+            <a:spLocks noGrp="1"/>
+          </p:cNvSpPr>
+          <p:nvPr>
+            <p:ph idx="1"/>
+          </p:nvPr>
+        </p:nvSpPr>
+        <p:spPr/>
+        <p:txBody>
+          <a:bodyPr>
+            <a:normAutofit/>
+          </a:bodyPr>
+          <a:lstStyle/>
+          <a:p>
+            <a:pPr marL="0" indent="0" algn="ctr">
+              <a:buNone/>
+            </a:pPr>
+            <a:r>
+              <a:rPr lang="de-AT" sz="2000" dirty="0"/>
+              <a:t>https://en.wikipedia.org/wiki/GitLab</a:t>
+            </a:r>
+          </a:p>
+          <a:p>
+            <a:pPr marL="0" indent="0" algn="ctr">
+              <a:buNone/>
+            </a:pPr>
+            <a:r>
+              <a:rPr lang="de-AT" sz="2000" dirty="0"/>
+              <a:t>https://en.wikipedia.org/wiki/GitHub</a:t>
+            </a:r>
+          </a:p>
+          <a:p>
+            <a:pPr marL="0" indent="0" algn="ctr">
+              <a:buNone/>
+            </a:pPr>
+            <a:r>
+              <a:rPr lang="de-AT" sz="2000" dirty="0"/>
+              <a:t>https://git-scm.com </a:t>
+            </a:r>
+          </a:p>
+          <a:p>
+            <a:pPr marL="0" indent="0" algn="ctr">
+              <a:buNone/>
+            </a:pPr>
+            <a:r>
+              <a:rPr lang="de-AT" sz="2000" dirty="0"/>
+              <a:t>https://training.github.com/downloads/github-git-cheat-sheet.pdf </a:t>
+            </a:r>
+          </a:p>
+          <a:p>
+            <a:pPr marL="0" indent="0" algn="ctr">
+              <a:buNone/>
+            </a:pPr>
+            <a:r>
+              <a:rPr lang="de-AT" sz="2000" dirty="0"/>
+              <a:t>https://www.atlassian.com/de/git</a:t>
+            </a:r>
+          </a:p>
+          <a:p>
+            <a:pPr marL="0" indent="0" algn="ctr">
+              <a:buNone/>
+            </a:pPr>
+            <a:endParaRPr lang="de-AT" sz="2000" dirty="0"/>
+          </a:p>
+          <a:p>
+            <a:pPr marL="0" indent="0" algn="ctr">
+              <a:buNone/>
+            </a:pPr>
+            <a:endParaRPr lang="de-AT" sz="2000" dirty="0"/>
+          </a:p>
+        </p:txBody>
+      </p:sp>
+    </p:spTree>
+    <p:extLst>
+      <p:ext uri="{BB962C8B-B14F-4D97-AF65-F5344CB8AC3E}">
+        <p14:creationId xmlns:p14="http://schemas.microsoft.com/office/powerpoint/2010/main" val="2050878775"/>
       </p:ext>
     </p:extLst>
   </p:cSld>
@@ -4278,10 +6788,10 @@
       </p:grpSpPr>
       <p:sp>
         <p:nvSpPr>
-          <p:cNvPr id="2" name="Title 1">
+          <p:cNvPr id="2" name="Titel 1">
             <a:extLst>
               <a:ext uri="{FF2B5EF4-FFF2-40B4-BE49-F238E27FC236}">
-                <a16:creationId xmlns:a16="http://schemas.microsoft.com/office/drawing/2014/main" id="{EE50FC3C-AACC-C2FC-154A-A3EC15F30D1E}"/>
+                <a16:creationId xmlns:a16="http://schemas.microsoft.com/office/drawing/2014/main" id="{622BEE68-D4B6-1A5D-1B88-FFA9EE7514AC}"/>
               </a:ext>
             </a:extLst>
           </p:cNvPr>
@@ -4299,18 +6809,27 @@
           <a:p>
             <a:pPr algn="ctr"/>
             <a:r>
-              <a:rPr lang="en-GB" dirty="0"/>
-              <a:t>Concepts</a:t>
-            </a:r>
-          </a:p>
-        </p:txBody>
-      </p:sp>
-      <p:sp>
-        <p:nvSpPr>
-          <p:cNvPr id="3" name="Content Placeholder 2">
+              <a:rPr lang="de-DE" dirty="0"/>
+              <a:t>Version Control – </a:t>
+            </a:r>
+            <a:r>
+              <a:rPr lang="de-DE" dirty="0" err="1"/>
+              <a:t>Why</a:t>
+            </a:r>
+            <a:r>
+              <a:rPr lang="de-DE" dirty="0"/>
+              <a:t>?</a:t>
+            </a:r>
+            <a:endParaRPr lang="en-GB" dirty="0"/>
+          </a:p>
+        </p:txBody>
+      </p:sp>
+      <p:sp>
+        <p:nvSpPr>
+          <p:cNvPr id="3" name="Inhaltsplatzhalter 2">
             <a:extLst>
               <a:ext uri="{FF2B5EF4-FFF2-40B4-BE49-F238E27FC236}">
-                <a16:creationId xmlns:a16="http://schemas.microsoft.com/office/drawing/2014/main" id="{8722525A-36EC-4DFF-6E8B-5551E13A7EAF}"/>
+                <a16:creationId xmlns:a16="http://schemas.microsoft.com/office/drawing/2014/main" id="{6C23710C-D174-0FC1-60FF-8790C85DE36F}"/>
               </a:ext>
             </a:extLst>
           </p:cNvPr>
@@ -4323,103 +6842,24 @@
         </p:nvSpPr>
         <p:spPr/>
         <p:txBody>
-          <a:bodyPr>
-            <a:normAutofit/>
-          </a:bodyPr>
-          <a:lstStyle/>
-          <a:p>
-            <a:pPr marL="0" indent="0" algn="ctr">
-              <a:buNone/>
-            </a:pPr>
-            <a:r>
-              <a:rPr lang="en-GB" b="1" dirty="0"/>
-              <a:t>Repository</a:t>
-            </a:r>
-          </a:p>
-          <a:p>
-            <a:pPr marL="0" indent="0" algn="ctr">
-              <a:buNone/>
-            </a:pPr>
-            <a:r>
-              <a:rPr lang="en-GB" dirty="0"/>
-              <a:t>The scope of a git environment, contains all files managed by git.</a:t>
-            </a:r>
-          </a:p>
-          <a:p>
-            <a:pPr marL="0" indent="0" algn="ctr">
-              <a:buNone/>
-            </a:pPr>
-            <a:r>
-              <a:rPr lang="en-GB" b="1" dirty="0"/>
-              <a:t>Commit</a:t>
-            </a:r>
-          </a:p>
-          <a:p>
-            <a:pPr marL="0" indent="0" algn="ctr">
-              <a:buNone/>
-            </a:pPr>
-            <a:r>
-              <a:rPr lang="en-GB" dirty="0"/>
-              <a:t>A snapshot of your repository. Records the changes to a repository.</a:t>
-            </a:r>
-          </a:p>
-          <a:p>
-            <a:pPr marL="0" indent="0" algn="ctr">
-              <a:buNone/>
-            </a:pPr>
-            <a:r>
-              <a:rPr lang="en-GB" b="1" dirty="0"/>
-              <a:t>Remote</a:t>
-            </a:r>
-          </a:p>
-          <a:p>
-            <a:pPr marL="0" indent="0" algn="ctr">
-              <a:buNone/>
-            </a:pPr>
-            <a:r>
-              <a:rPr lang="en-GB" dirty="0"/>
-              <a:t>A common repository for your team. Hosted on a central server (for example GitHub).</a:t>
-            </a:r>
-          </a:p>
-        </p:txBody>
-      </p:sp>
-      <p:sp>
-        <p:nvSpPr>
-          <p:cNvPr id="6" name="TextBox 5">
-            <a:extLst>
-              <a:ext uri="{FF2B5EF4-FFF2-40B4-BE49-F238E27FC236}">
-                <a16:creationId xmlns:a16="http://schemas.microsoft.com/office/drawing/2014/main" id="{6B3DD968-57A3-9266-4B77-AAB1C8045156}"/>
-              </a:ext>
-            </a:extLst>
-          </p:cNvPr>
-          <p:cNvSpPr txBox="1"/>
-          <p:nvPr/>
-        </p:nvSpPr>
-        <p:spPr>
-          <a:xfrm>
-            <a:off x="0" y="6211669"/>
-            <a:ext cx="8903368" cy="646331"/>
-          </a:xfrm>
-          <a:prstGeom prst="rect">
-            <a:avLst/>
-          </a:prstGeom>
-          <a:noFill/>
-        </p:spPr>
-        <p:txBody>
-          <a:bodyPr wrap="square" rtlCol="0">
-            <a:spAutoFit/>
-          </a:bodyPr>
-          <a:lstStyle/>
-          <a:p>
-            <a:r>
-              <a:rPr lang="de-AT" dirty="0"/>
-              <a:t>https://git-scm.com</a:t>
-            </a:r>
-          </a:p>
-          <a:p>
-            <a:r>
-              <a:rPr lang="de-AT" dirty="0"/>
-              <a:t>https://training.github.com/downloads/github-git-cheat-sheet.pdf</a:t>
+          <a:bodyPr/>
+          <a:lstStyle/>
+          <a:p>
+            <a:r>
+              <a:rPr lang="en-US" dirty="0"/>
+              <a:t>Code conflicts</a:t>
+            </a:r>
+          </a:p>
+          <a:p>
+            <a:r>
+              <a:rPr lang="en-US" dirty="0"/>
+              <a:t>Lack of history</a:t>
+            </a:r>
+          </a:p>
+          <a:p>
+            <a:r>
+              <a:rPr lang="en-US" dirty="0"/>
+              <a:t>Data loss</a:t>
             </a:r>
           </a:p>
         </p:txBody>
@@ -4427,7 +6867,7 @@
     </p:spTree>
     <p:extLst>
       <p:ext uri="{BB962C8B-B14F-4D97-AF65-F5344CB8AC3E}">
-        <p14:creationId xmlns:p14="http://schemas.microsoft.com/office/powerpoint/2010/main" val="1499640613"/>
+        <p14:creationId xmlns:p14="http://schemas.microsoft.com/office/powerpoint/2010/main" val="3352256326"/>
       </p:ext>
     </p:extLst>
   </p:cSld>
@@ -4456,10 +6896,10 @@
       </p:grpSpPr>
       <p:sp>
         <p:nvSpPr>
-          <p:cNvPr id="2" name="Title 1">
+          <p:cNvPr id="2" name="Titel 1">
             <a:extLst>
               <a:ext uri="{FF2B5EF4-FFF2-40B4-BE49-F238E27FC236}">
-                <a16:creationId xmlns:a16="http://schemas.microsoft.com/office/drawing/2014/main" id="{EE50FC3C-AACC-C2FC-154A-A3EC15F30D1E}"/>
+                <a16:creationId xmlns:a16="http://schemas.microsoft.com/office/drawing/2014/main" id="{AB28C046-B05F-6B38-6F7A-AA95EA5C85EA}"/>
               </a:ext>
             </a:extLst>
           </p:cNvPr>
@@ -4477,18 +6917,18 @@
           <a:p>
             <a:pPr algn="ctr"/>
             <a:r>
-              <a:rPr lang="en-GB" dirty="0"/>
-              <a:t>Concepts</a:t>
-            </a:r>
-          </a:p>
-        </p:txBody>
-      </p:sp>
-      <p:sp>
-        <p:nvSpPr>
-          <p:cNvPr id="3" name="Content Placeholder 2">
+              <a:rPr lang="en-US" dirty="0"/>
+              <a:t>Git – The Beginning</a:t>
+            </a:r>
+          </a:p>
+        </p:txBody>
+      </p:sp>
+      <p:sp>
+        <p:nvSpPr>
+          <p:cNvPr id="3" name="Inhaltsplatzhalter 2">
             <a:extLst>
               <a:ext uri="{FF2B5EF4-FFF2-40B4-BE49-F238E27FC236}">
-                <a16:creationId xmlns:a16="http://schemas.microsoft.com/office/drawing/2014/main" id="{8722525A-36EC-4DFF-6E8B-5551E13A7EAF}"/>
+                <a16:creationId xmlns:a16="http://schemas.microsoft.com/office/drawing/2014/main" id="{D537D221-A59C-3142-9D41-9D17C9D1E4E9}"/>
               </a:ext>
             </a:extLst>
           </p:cNvPr>
@@ -4501,97 +6941,33 @@
         </p:nvSpPr>
         <p:spPr/>
         <p:txBody>
-          <a:bodyPr>
-            <a:normAutofit/>
-          </a:bodyPr>
-          <a:lstStyle/>
-          <a:p>
-            <a:pPr marL="0" indent="0" algn="ctr">
-              <a:buNone/>
-            </a:pPr>
-            <a:r>
-              <a:rPr lang="en-GB" b="1" dirty="0"/>
-              <a:t>Fetch</a:t>
-            </a:r>
-          </a:p>
-          <a:p>
-            <a:pPr marL="0" indent="0" algn="ctr">
-              <a:buNone/>
-            </a:pPr>
-            <a:r>
-              <a:rPr lang="en-GB" dirty="0"/>
-              <a:t>Downloads commits from a remote.</a:t>
-            </a:r>
-          </a:p>
-          <a:p>
-            <a:pPr marL="0" indent="0" algn="ctr">
-              <a:buNone/>
-            </a:pPr>
-            <a:r>
-              <a:rPr lang="en-GB" b="1" dirty="0"/>
-              <a:t>Pull</a:t>
-            </a:r>
-          </a:p>
-          <a:p>
-            <a:pPr marL="0" indent="0" algn="ctr">
-              <a:buNone/>
-            </a:pPr>
-            <a:r>
-              <a:rPr lang="en-GB" dirty="0"/>
-              <a:t>Applies commits form a remote.</a:t>
-            </a:r>
-          </a:p>
-          <a:p>
-            <a:pPr marL="0" indent="0" algn="ctr">
-              <a:buNone/>
-            </a:pPr>
-            <a:r>
-              <a:rPr lang="en-GB" b="1" dirty="0"/>
-              <a:t>Push</a:t>
-            </a:r>
-          </a:p>
-          <a:p>
-            <a:pPr marL="0" indent="0" algn="ctr">
-              <a:buNone/>
-            </a:pPr>
-            <a:r>
-              <a:rPr lang="en-GB" dirty="0"/>
-              <a:t>Applies local changes on the remote.</a:t>
-            </a:r>
-          </a:p>
-        </p:txBody>
-      </p:sp>
-      <p:sp>
-        <p:nvSpPr>
-          <p:cNvPr id="4" name="TextBox 3">
-            <a:extLst>
-              <a:ext uri="{FF2B5EF4-FFF2-40B4-BE49-F238E27FC236}">
-                <a16:creationId xmlns:a16="http://schemas.microsoft.com/office/drawing/2014/main" id="{423BF621-00D8-F9FA-A772-2DAFA5A7FC6C}"/>
-              </a:ext>
-            </a:extLst>
-          </p:cNvPr>
-          <p:cNvSpPr txBox="1"/>
-          <p:nvPr/>
-        </p:nvSpPr>
-        <p:spPr>
-          <a:xfrm>
-            <a:off x="0" y="6492875"/>
-            <a:ext cx="8903368" cy="369332"/>
-          </a:xfrm>
-          <a:prstGeom prst="rect">
-            <a:avLst/>
-          </a:prstGeom>
-          <a:noFill/>
-        </p:spPr>
-        <p:txBody>
-          <a:bodyPr wrap="square" rtlCol="0">
-            <a:spAutoFit/>
-          </a:bodyPr>
-          <a:lstStyle/>
-          <a:p>
-            <a:r>
-              <a:rPr lang="de-AT" dirty="0"/>
-              <a:t>https://git-scm.com</a:t>
+          <a:bodyPr/>
+          <a:lstStyle/>
+          <a:p>
+            <a:r>
+              <a:rPr lang="en-US" dirty="0"/>
+              <a:t>Linux kernel-team used </a:t>
+            </a:r>
+            <a:r>
+              <a:rPr lang="en-US" dirty="0" err="1"/>
+              <a:t>BitKeeper</a:t>
+            </a:r>
+            <a:endParaRPr lang="en-US" dirty="0"/>
+          </a:p>
+          <a:p>
+            <a:r>
+              <a:rPr lang="en-US" dirty="0" err="1"/>
+              <a:t>BitKeeper</a:t>
+            </a:r>
+            <a:r>
+              <a:rPr lang="en-US" dirty="0"/>
+              <a:t> revoked free license in 2005</a:t>
+            </a:r>
+          </a:p>
+          <a:p>
+            <a:r>
+              <a:rPr lang="en-US" dirty="0"/>
+              <a:t>Linux Torvalds decided to take matter into his own hand</a:t>
             </a:r>
           </a:p>
         </p:txBody>
@@ -4599,7 +6975,7 @@
     </p:spTree>
     <p:extLst>
       <p:ext uri="{BB962C8B-B14F-4D97-AF65-F5344CB8AC3E}">
-        <p14:creationId xmlns:p14="http://schemas.microsoft.com/office/powerpoint/2010/main" val="3045931559"/>
+        <p14:creationId xmlns:p14="http://schemas.microsoft.com/office/powerpoint/2010/main" val="937609276"/>
       </p:ext>
     </p:extLst>
   </p:cSld>
@@ -4628,10 +7004,10 @@
       </p:grpSpPr>
       <p:sp>
         <p:nvSpPr>
-          <p:cNvPr id="2" name="Title 1">
+          <p:cNvPr id="2" name="Titel 1">
             <a:extLst>
               <a:ext uri="{FF2B5EF4-FFF2-40B4-BE49-F238E27FC236}">
-                <a16:creationId xmlns:a16="http://schemas.microsoft.com/office/drawing/2014/main" id="{EE50FC3C-AACC-C2FC-154A-A3EC15F30D1E}"/>
+                <a16:creationId xmlns:a16="http://schemas.microsoft.com/office/drawing/2014/main" id="{E793A25D-DA5C-2CC4-86E2-AC1C31DDB28C}"/>
               </a:ext>
             </a:extLst>
           </p:cNvPr>
@@ -4649,147 +7025,57 @@
           <a:p>
             <a:pPr algn="ctr"/>
             <a:r>
-              <a:rPr lang="en-GB" dirty="0"/>
-              <a:t>Branching</a:t>
-            </a:r>
-          </a:p>
-        </p:txBody>
-      </p:sp>
-      <p:sp>
-        <p:nvSpPr>
-          <p:cNvPr id="3" name="Content Placeholder 2">
+              <a:rPr lang="en-US" dirty="0"/>
+              <a:t>Git - Domination</a:t>
+            </a:r>
+          </a:p>
+        </p:txBody>
+      </p:sp>
+      <p:pic>
+        <p:nvPicPr>
+          <p:cNvPr id="4" name="Grafik 3" descr="Ein Bild, das Screenshot, Text, Schrift, Zahl enthält.&#10;&#10;Automatisch generierte Beschreibung">
             <a:extLst>
               <a:ext uri="{FF2B5EF4-FFF2-40B4-BE49-F238E27FC236}">
-                <a16:creationId xmlns:a16="http://schemas.microsoft.com/office/drawing/2014/main" id="{8722525A-36EC-4DFF-6E8B-5551E13A7EAF}"/>
+                <a16:creationId xmlns:a16="http://schemas.microsoft.com/office/drawing/2014/main" id="{5A780290-3B28-2330-D8C2-D5EC3FCC45DF}"/>
               </a:ext>
             </a:extLst>
           </p:cNvPr>
-          <p:cNvSpPr>
-            <a:spLocks noGrp="1"/>
-          </p:cNvSpPr>
-          <p:nvPr>
-            <p:ph idx="1"/>
-          </p:nvPr>
-        </p:nvSpPr>
-        <p:spPr/>
-        <p:txBody>
-          <a:bodyPr>
-            <a:normAutofit lnSpcReduction="10000"/>
-          </a:bodyPr>
-          <a:lstStyle/>
-          <a:p>
-            <a:pPr marL="0" indent="0" algn="ctr">
-              <a:buNone/>
-            </a:pPr>
-            <a:r>
-              <a:rPr lang="en-GB" dirty="0"/>
-              <a:t>Allows parallel versions</a:t>
-            </a:r>
-          </a:p>
-          <a:p>
-            <a:pPr marL="0" indent="0" algn="ctr">
-              <a:buNone/>
-            </a:pPr>
-            <a:endParaRPr lang="en-GB" dirty="0"/>
-          </a:p>
-          <a:p>
-            <a:pPr marL="0" indent="0" algn="ctr">
-              <a:buNone/>
-            </a:pPr>
-            <a:r>
-              <a:rPr lang="en-GB" b="1" dirty="0"/>
-              <a:t>Example:</a:t>
-            </a:r>
-          </a:p>
-          <a:p>
-            <a:pPr marL="0" indent="0" algn="ctr">
-              <a:buNone/>
-            </a:pPr>
-            <a:r>
-              <a:rPr lang="en-GB" dirty="0"/>
-              <a:t>Feature Branches</a:t>
-            </a:r>
-          </a:p>
-          <a:p>
-            <a:pPr marL="0" indent="0" algn="ctr">
-              <a:buNone/>
-            </a:pPr>
-            <a:endParaRPr lang="en-GB" dirty="0"/>
-          </a:p>
-          <a:p>
-            <a:pPr marL="0" indent="0" algn="ctr">
-              <a:buNone/>
-            </a:pPr>
-            <a:r>
-              <a:rPr lang="en-GB" b="1" dirty="0"/>
-              <a:t>Problem:</a:t>
-            </a:r>
-          </a:p>
-          <a:p>
-            <a:pPr marL="0" indent="0" algn="ctr">
-              <a:buNone/>
-            </a:pPr>
-            <a:r>
-              <a:rPr lang="en-GB" dirty="0"/>
-              <a:t>How to unify all changes</a:t>
-            </a:r>
-          </a:p>
-          <a:p>
-            <a:pPr marL="0" indent="0" algn="ctr">
-              <a:buNone/>
-            </a:pPr>
-            <a:endParaRPr lang="en-GB" dirty="0"/>
-          </a:p>
-          <a:p>
-            <a:pPr marL="0" indent="0" algn="ctr">
-              <a:buNone/>
-            </a:pPr>
-            <a:r>
-              <a:rPr lang="en-GB" dirty="0"/>
-              <a:t>Answer =&gt;</a:t>
-            </a:r>
-          </a:p>
-        </p:txBody>
-      </p:sp>
-      <p:sp>
-        <p:nvSpPr>
-          <p:cNvPr id="6" name="TextBox 5">
-            <a:extLst>
-              <a:ext uri="{FF2B5EF4-FFF2-40B4-BE49-F238E27FC236}">
-                <a16:creationId xmlns:a16="http://schemas.microsoft.com/office/drawing/2014/main" id="{554B6E34-CEB2-BED3-A433-A8564FA92055}"/>
-              </a:ext>
-            </a:extLst>
-          </p:cNvPr>
-          <p:cNvSpPr txBox="1"/>
+          <p:cNvPicPr>
+            <a:picLocks noChangeAspect="1"/>
+          </p:cNvPicPr>
           <p:nvPr/>
-        </p:nvSpPr>
-        <p:spPr>
+        </p:nvPicPr>
+        <p:blipFill>
+          <a:blip r:embed="rId2">
+            <a:extLst>
+              <a:ext uri="{28A0092B-C50C-407E-A947-70E740481C1C}">
+                <a14:useLocalDpi xmlns:a14="http://schemas.microsoft.com/office/drawing/2010/main" val="0"/>
+              </a:ext>
+            </a:extLst>
+          </a:blip>
+          <a:srcRect/>
+          <a:stretch>
+            <a:fillRect/>
+          </a:stretch>
+        </p:blipFill>
+        <p:spPr bwMode="auto">
           <a:xfrm>
-            <a:off x="0" y="6492875"/>
-            <a:ext cx="8903368" cy="369332"/>
+            <a:off x="1271853" y="2753636"/>
+            <a:ext cx="9908570" cy="2092683"/>
           </a:xfrm>
           <a:prstGeom prst="rect">
             <a:avLst/>
           </a:prstGeom>
           <a:noFill/>
+          <a:ln>
+            <a:noFill/>
+          </a:ln>
         </p:spPr>
-        <p:txBody>
-          <a:bodyPr wrap="square" rtlCol="0">
-            <a:spAutoFit/>
-          </a:bodyPr>
-          <a:lstStyle/>
-          <a:p>
-            <a:r>
-              <a:rPr lang="de-AT" dirty="0"/>
-              <a:t>https://git-scm.com</a:t>
-            </a:r>
-          </a:p>
-        </p:txBody>
-      </p:sp>
+      </p:pic>
     </p:spTree>
     <p:extLst>
       <p:ext uri="{BB962C8B-B14F-4D97-AF65-F5344CB8AC3E}">
-        <p14:creationId xmlns:p14="http://schemas.microsoft.com/office/powerpoint/2010/main" val="4136370252"/>
+        <p14:creationId xmlns:p14="http://schemas.microsoft.com/office/powerpoint/2010/main" val="2367073176"/>
       </p:ext>
     </p:extLst>
   </p:cSld>
@@ -4818,10 +7104,10 @@
       </p:grpSpPr>
       <p:sp>
         <p:nvSpPr>
-          <p:cNvPr id="2" name="Title 1">
+          <p:cNvPr id="2" name="Titel 1">
             <a:extLst>
               <a:ext uri="{FF2B5EF4-FFF2-40B4-BE49-F238E27FC236}">
-                <a16:creationId xmlns:a16="http://schemas.microsoft.com/office/drawing/2014/main" id="{B51DE3DB-FF92-9CC0-4DB1-876E3BB77131}"/>
+                <a16:creationId xmlns:a16="http://schemas.microsoft.com/office/drawing/2014/main" id="{2107C325-1745-F3BE-8284-0213A581C330}"/>
               </a:ext>
             </a:extLst>
           </p:cNvPr>
@@ -4829,7 +7115,7 @@
             <a:spLocks noGrp="1"/>
           </p:cNvSpPr>
           <p:nvPr>
-            <p:ph type="ctrTitle"/>
+            <p:ph type="title"/>
           </p:nvPr>
         </p:nvSpPr>
         <p:spPr/>
@@ -4837,20 +7123,21 @@
           <a:bodyPr/>
           <a:lstStyle/>
           <a:p>
-            <a:r>
-              <a:rPr lang="en-GB" dirty="0"/>
-              <a:t>Merging</a:t>
-            </a:r>
-            <a:endParaRPr lang="de-AT" dirty="0"/>
-          </a:p>
-        </p:txBody>
-      </p:sp>
-      <p:sp>
-        <p:nvSpPr>
-          <p:cNvPr id="3" name="Subtitle 2">
+            <a:pPr algn="ctr"/>
+            <a:r>
+              <a:rPr lang="de-DE" dirty="0"/>
+              <a:t>Git – Use Cases</a:t>
+            </a:r>
+            <a:endParaRPr lang="en-GB" dirty="0"/>
+          </a:p>
+        </p:txBody>
+      </p:sp>
+      <p:sp>
+        <p:nvSpPr>
+          <p:cNvPr id="3" name="Inhaltsplatzhalter 2">
             <a:extLst>
               <a:ext uri="{FF2B5EF4-FFF2-40B4-BE49-F238E27FC236}">
-                <a16:creationId xmlns:a16="http://schemas.microsoft.com/office/drawing/2014/main" id="{6071911F-8912-FEC5-AF7F-E100E39A4CD2}"/>
+                <a16:creationId xmlns:a16="http://schemas.microsoft.com/office/drawing/2014/main" id="{6D01F132-007F-5404-6C0D-C0765697469D}"/>
               </a:ext>
             </a:extLst>
           </p:cNvPr>
@@ -4858,7 +7145,7 @@
             <a:spLocks noGrp="1"/>
           </p:cNvSpPr>
           <p:nvPr>
-            <p:ph type="subTitle" idx="1"/>
+            <p:ph idx="1"/>
           </p:nvPr>
         </p:nvSpPr>
         <p:spPr/>
@@ -4866,18 +7153,67 @@
           <a:bodyPr/>
           <a:lstStyle/>
           <a:p>
-            <a:r>
-              <a:rPr lang="en-GB" dirty="0"/>
-              <a:t>Joining change histories together</a:t>
-            </a:r>
-            <a:endParaRPr lang="de-AT" dirty="0"/>
+            <a:pPr marL="0" indent="0" algn="ctr">
+              <a:buNone/>
+            </a:pPr>
+            <a:r>
+              <a:rPr lang="de-DE" dirty="0"/>
+              <a:t>Version Control</a:t>
+            </a:r>
+          </a:p>
+          <a:p>
+            <a:pPr marL="0" indent="0" algn="ctr">
+              <a:buNone/>
+            </a:pPr>
+            <a:r>
+              <a:rPr lang="de-DE" dirty="0" err="1"/>
+              <a:t>Collaboration</a:t>
+            </a:r>
+            <a:endParaRPr lang="de-DE" dirty="0"/>
+          </a:p>
+          <a:p>
+            <a:pPr marL="0" indent="0" algn="ctr">
+              <a:buNone/>
+            </a:pPr>
+            <a:r>
+              <a:rPr lang="de-DE" dirty="0" err="1"/>
+              <a:t>Branching</a:t>
+            </a:r>
+            <a:r>
+              <a:rPr lang="de-DE" dirty="0"/>
+              <a:t> and </a:t>
+            </a:r>
+            <a:r>
+              <a:rPr lang="de-DE" dirty="0" err="1"/>
+              <a:t>merging</a:t>
+            </a:r>
+            <a:endParaRPr lang="de-DE" dirty="0"/>
+          </a:p>
+          <a:p>
+            <a:pPr marL="0" indent="0" algn="ctr">
+              <a:buNone/>
+            </a:pPr>
+            <a:r>
+              <a:rPr lang="de-DE" dirty="0"/>
+              <a:t>CI/CD</a:t>
+            </a:r>
+          </a:p>
+          <a:p>
+            <a:pPr marL="0" indent="0" algn="ctr">
+              <a:buNone/>
+            </a:pPr>
+            <a:r>
+              <a:rPr lang="de-DE" dirty="0"/>
+              <a:t>Code Reviews</a:t>
+            </a:r>
+            <a:endParaRPr lang="en-GB" dirty="0"/>
           </a:p>
         </p:txBody>
       </p:sp>
     </p:spTree>
     <p:extLst>
       <p:ext uri="{BB962C8B-B14F-4D97-AF65-F5344CB8AC3E}">
-        <p14:creationId xmlns:p14="http://schemas.microsoft.com/office/powerpoint/2010/main" val="4260767231"/>
+        <p14:creationId xmlns:p14="http://schemas.microsoft.com/office/powerpoint/2010/main" val="399275025"/>
       </p:ext>
     </p:extLst>
   </p:cSld>
@@ -4906,10 +7242,10 @@
       </p:grpSpPr>
       <p:sp>
         <p:nvSpPr>
-          <p:cNvPr id="2" name="Title 1">
+          <p:cNvPr id="2" name="Titel 1">
             <a:extLst>
               <a:ext uri="{FF2B5EF4-FFF2-40B4-BE49-F238E27FC236}">
-                <a16:creationId xmlns:a16="http://schemas.microsoft.com/office/drawing/2014/main" id="{EE50FC3C-AACC-C2FC-154A-A3EC15F30D1E}"/>
+                <a16:creationId xmlns:a16="http://schemas.microsoft.com/office/drawing/2014/main" id="{33580BEF-90D5-ED4F-311A-CE59F017276D}"/>
               </a:ext>
             </a:extLst>
           </p:cNvPr>
@@ -4927,225 +7263,102 @@
           <a:p>
             <a:pPr algn="ctr"/>
             <a:r>
+              <a:rPr lang="de-DE" dirty="0"/>
+              <a:t>Git – Version Control</a:t>
+            </a:r>
+            <a:endParaRPr lang="en-GB" dirty="0"/>
+          </a:p>
+        </p:txBody>
+      </p:sp>
+      <p:sp>
+        <p:nvSpPr>
+          <p:cNvPr id="3" name="Inhaltsplatzhalter 2">
+            <a:extLst>
+              <a:ext uri="{FF2B5EF4-FFF2-40B4-BE49-F238E27FC236}">
+                <a16:creationId xmlns:a16="http://schemas.microsoft.com/office/drawing/2014/main" id="{7340F12B-380C-6AA8-F5FB-649AA5B89434}"/>
+              </a:ext>
+            </a:extLst>
+          </p:cNvPr>
+          <p:cNvSpPr>
+            <a:spLocks noGrp="1"/>
+          </p:cNvSpPr>
+          <p:nvPr>
+            <p:ph idx="1"/>
+          </p:nvPr>
+        </p:nvSpPr>
+        <p:spPr/>
+        <p:txBody>
+          <a:bodyPr/>
+          <a:lstStyle/>
+          <a:p>
+            <a:pPr marL="0" indent="0" algn="ctr">
+              <a:buNone/>
+            </a:pPr>
+            <a:endParaRPr lang="de-DE" dirty="0"/>
+          </a:p>
+          <a:p>
+            <a:pPr marL="0" indent="0" algn="ctr">
+              <a:buNone/>
+            </a:pPr>
+            <a:r>
+              <a:rPr lang="de-DE" dirty="0"/>
+              <a:t>Track </a:t>
+            </a:r>
+            <a:r>
+              <a:rPr lang="de-DE" dirty="0" err="1"/>
+              <a:t>changes</a:t>
+            </a:r>
+            <a:endParaRPr lang="de-DE" dirty="0"/>
+          </a:p>
+          <a:p>
+            <a:pPr marL="0" indent="0" algn="ctr">
+              <a:buNone/>
+            </a:pPr>
+            <a:endParaRPr lang="de-DE" dirty="0"/>
+          </a:p>
+          <a:p>
+            <a:pPr marL="0" indent="0" algn="ctr">
+              <a:buNone/>
+            </a:pPr>
+            <a:r>
+              <a:rPr lang="de-DE" dirty="0"/>
+              <a:t>Rollback </a:t>
+            </a:r>
+            <a:r>
+              <a:rPr lang="de-DE" dirty="0" err="1"/>
+              <a:t>changes</a:t>
+            </a:r>
+            <a:endParaRPr lang="de-DE" dirty="0"/>
+          </a:p>
+          <a:p>
+            <a:pPr marL="0" indent="0" algn="ctr">
+              <a:buNone/>
+            </a:pPr>
+            <a:endParaRPr lang="de-DE" dirty="0"/>
+          </a:p>
+          <a:p>
+            <a:pPr marL="0" indent="0" algn="ctr">
+              <a:buNone/>
+            </a:pPr>
+            <a:r>
               <a:rPr lang="en-GB" dirty="0"/>
-              <a:t>Fast Forward Merge</a:t>
-            </a:r>
-          </a:p>
-        </p:txBody>
-      </p:sp>
-      <p:sp>
-        <p:nvSpPr>
-          <p:cNvPr id="19" name="Content Placeholder 18">
-            <a:extLst>
-              <a:ext uri="{FF2B5EF4-FFF2-40B4-BE49-F238E27FC236}">
-                <a16:creationId xmlns:a16="http://schemas.microsoft.com/office/drawing/2014/main" id="{08103D50-4417-9C94-54A2-16B0218D2071}"/>
-              </a:ext>
-            </a:extLst>
-          </p:cNvPr>
-          <p:cNvSpPr>
-            <a:spLocks noGrp="1"/>
-          </p:cNvSpPr>
-          <p:nvPr>
-            <p:ph sz="half" idx="1"/>
-          </p:nvPr>
-        </p:nvSpPr>
-        <p:spPr>
-          <a:xfrm>
-            <a:off x="838200" y="3946357"/>
-            <a:ext cx="5181600" cy="2230605"/>
-          </a:xfrm>
-        </p:spPr>
-        <p:txBody>
-          <a:bodyPr/>
-          <a:lstStyle/>
-          <a:p>
-            <a:pPr marL="0" indent="0" algn="ctr">
-              <a:buNone/>
-            </a:pPr>
-            <a:r>
-              <a:rPr lang="en-GB" b="1" dirty="0"/>
-              <a:t>+</a:t>
-            </a:r>
-          </a:p>
-          <a:p>
-            <a:pPr marL="0" indent="0" algn="ctr">
-              <a:buNone/>
-            </a:pPr>
+              <a:t>Multiple </a:t>
+            </a:r>
+            <a:r>
+              <a:rPr lang="en-GB" dirty="0" err="1"/>
+              <a:t>devs</a:t>
+            </a:r>
             <a:r>
               <a:rPr lang="en-GB" dirty="0"/>
-              <a:t>Easiest merge</a:t>
-            </a:r>
-          </a:p>
-          <a:p>
-            <a:pPr marL="0" indent="0" algn="ctr">
-              <a:buNone/>
-            </a:pPr>
-            <a:r>
-              <a:rPr lang="en-GB" dirty="0"/>
-              <a:t>Clean history</a:t>
-            </a:r>
-            <a:endParaRPr lang="de-AT" dirty="0"/>
-          </a:p>
-        </p:txBody>
-      </p:sp>
-      <p:sp>
-        <p:nvSpPr>
-          <p:cNvPr id="20" name="Content Placeholder 19">
-            <a:extLst>
-              <a:ext uri="{FF2B5EF4-FFF2-40B4-BE49-F238E27FC236}">
-                <a16:creationId xmlns:a16="http://schemas.microsoft.com/office/drawing/2014/main" id="{60D338C3-E25A-63DD-94CB-DF8DE0EA7815}"/>
-              </a:ext>
-            </a:extLst>
-          </p:cNvPr>
-          <p:cNvSpPr>
-            <a:spLocks noGrp="1"/>
-          </p:cNvSpPr>
-          <p:nvPr>
-            <p:ph sz="half" idx="2"/>
-          </p:nvPr>
-        </p:nvSpPr>
-        <p:spPr>
-          <a:xfrm>
-            <a:off x="6172200" y="3946357"/>
-            <a:ext cx="5181600" cy="2230605"/>
-          </a:xfrm>
-        </p:spPr>
-        <p:txBody>
-          <a:bodyPr/>
-          <a:lstStyle/>
-          <a:p>
-            <a:pPr marL="0" indent="0" algn="ctr">
-              <a:buNone/>
-            </a:pPr>
-            <a:r>
-              <a:rPr lang="en-GB" b="1" dirty="0"/>
-              <a:t>-</a:t>
-            </a:r>
-          </a:p>
-          <a:p>
-            <a:pPr marL="0" indent="0" algn="ctr">
-              <a:buNone/>
-            </a:pPr>
-            <a:r>
-              <a:rPr lang="en-GB" dirty="0"/>
-              <a:t>Not always possible</a:t>
-            </a:r>
-            <a:endParaRPr lang="de-AT" dirty="0"/>
-          </a:p>
-        </p:txBody>
-      </p:sp>
-      <p:sp>
-        <p:nvSpPr>
-          <p:cNvPr id="6" name="TextBox 5">
-            <a:extLst>
-              <a:ext uri="{FF2B5EF4-FFF2-40B4-BE49-F238E27FC236}">
-                <a16:creationId xmlns:a16="http://schemas.microsoft.com/office/drawing/2014/main" id="{554B6E34-CEB2-BED3-A433-A8564FA92055}"/>
-              </a:ext>
-            </a:extLst>
-          </p:cNvPr>
-          <p:cNvSpPr txBox="1"/>
-          <p:nvPr/>
-        </p:nvSpPr>
-        <p:spPr>
-          <a:xfrm>
-            <a:off x="0" y="6492875"/>
-            <a:ext cx="8903368" cy="369332"/>
-          </a:xfrm>
-          <a:prstGeom prst="rect">
-            <a:avLst/>
-          </a:prstGeom>
-          <a:noFill/>
-        </p:spPr>
-        <p:txBody>
-          <a:bodyPr wrap="square" rtlCol="0">
-            <a:spAutoFit/>
-          </a:bodyPr>
-          <a:lstStyle/>
-          <a:p>
-            <a:r>
-              <a:rPr lang="de-AT" dirty="0"/>
-              <a:t>https://www.atlassian.com/de/git</a:t>
-            </a:r>
-          </a:p>
-        </p:txBody>
-      </p:sp>
-      <p:pic>
-        <p:nvPicPr>
-          <p:cNvPr id="22" name="Picture 21" descr="A purple circle with white arrows&#10;&#10;Description automatically generated">
-            <a:extLst>
-              <a:ext uri="{FF2B5EF4-FFF2-40B4-BE49-F238E27FC236}">
-                <a16:creationId xmlns:a16="http://schemas.microsoft.com/office/drawing/2014/main" id="{1B587541-19F6-0937-D27D-B563D798B5D7}"/>
-              </a:ext>
-            </a:extLst>
-          </p:cNvPr>
-          <p:cNvPicPr>
-            <a:picLocks noChangeAspect="1"/>
-          </p:cNvPicPr>
-          <p:nvPr/>
-        </p:nvPicPr>
-        <p:blipFill>
-          <a:blip r:embed="rId2">
-            <a:extLst>
-              <a:ext uri="{28A0092B-C50C-407E-A947-70E740481C1C}">
-                <a14:useLocalDpi xmlns:a14="http://schemas.microsoft.com/office/drawing/2010/main" val="0"/>
-              </a:ext>
-            </a:extLst>
-          </a:blip>
-          <a:stretch>
-            <a:fillRect/>
-          </a:stretch>
-        </p:blipFill>
-        <p:spPr>
-          <a:xfrm>
-            <a:off x="2371723" y="2584282"/>
-            <a:ext cx="7448550" cy="1362075"/>
-          </a:xfrm>
-          <a:prstGeom prst="rect">
-            <a:avLst/>
-          </a:prstGeom>
-        </p:spPr>
-      </p:pic>
-      <p:sp>
-        <p:nvSpPr>
-          <p:cNvPr id="23" name="TextBox 22">
-            <a:extLst>
-              <a:ext uri="{FF2B5EF4-FFF2-40B4-BE49-F238E27FC236}">
-                <a16:creationId xmlns:a16="http://schemas.microsoft.com/office/drawing/2014/main" id="{08394621-EEAD-A400-28C6-86193001A20E}"/>
-              </a:ext>
-            </a:extLst>
-          </p:cNvPr>
-          <p:cNvSpPr txBox="1"/>
-          <p:nvPr/>
-        </p:nvSpPr>
-        <p:spPr>
-          <a:xfrm>
-            <a:off x="838199" y="1616744"/>
-            <a:ext cx="10515599" cy="523220"/>
-          </a:xfrm>
-          <a:prstGeom prst="rect">
-            <a:avLst/>
-          </a:prstGeom>
-          <a:noFill/>
-        </p:spPr>
-        <p:txBody>
-          <a:bodyPr wrap="square" rtlCol="0">
-            <a:spAutoFit/>
-          </a:bodyPr>
-          <a:lstStyle/>
-          <a:p>
-            <a:pPr algn="ctr"/>
-            <a:r>
-              <a:rPr lang="en-GB" sz="2800" dirty="0"/>
-              <a:t>Changes get added at the end of the main branch</a:t>
-            </a:r>
-            <a:endParaRPr lang="de-AT" sz="2800" dirty="0"/>
+              <a:t> working on same codebase</a:t>
+            </a:r>
           </a:p>
         </p:txBody>
       </p:sp>
     </p:spTree>
     <p:extLst>
       <p:ext uri="{BB962C8B-B14F-4D97-AF65-F5344CB8AC3E}">
-        <p14:creationId xmlns:p14="http://schemas.microsoft.com/office/powerpoint/2010/main" val="4248700396"/>
+        <p14:creationId xmlns:p14="http://schemas.microsoft.com/office/powerpoint/2010/main" val="2430631305"/>
       </p:ext>
     </p:extLst>
   </p:cSld>
@@ -5174,10 +7387,10 @@
       </p:grpSpPr>
       <p:sp>
         <p:nvSpPr>
-          <p:cNvPr id="2" name="Title 1">
+          <p:cNvPr id="2" name="Titel 1">
             <a:extLst>
               <a:ext uri="{FF2B5EF4-FFF2-40B4-BE49-F238E27FC236}">
-                <a16:creationId xmlns:a16="http://schemas.microsoft.com/office/drawing/2014/main" id="{EE50FC3C-AACC-C2FC-154A-A3EC15F30D1E}"/>
+                <a16:creationId xmlns:a16="http://schemas.microsoft.com/office/drawing/2014/main" id="{9C0DCB4F-4AD8-DB64-CB33-F1EB90CCFFFD}"/>
               </a:ext>
             </a:extLst>
           </p:cNvPr>
@@ -5195,207 +7408,40 @@
           <a:p>
             <a:pPr algn="ctr"/>
             <a:r>
-              <a:rPr lang="en-GB" dirty="0"/>
-              <a:t>Merge</a:t>
-            </a:r>
-          </a:p>
-        </p:txBody>
-      </p:sp>
-      <p:sp>
-        <p:nvSpPr>
-          <p:cNvPr id="19" name="Content Placeholder 18">
-            <a:extLst>
-              <a:ext uri="{FF2B5EF4-FFF2-40B4-BE49-F238E27FC236}">
-                <a16:creationId xmlns:a16="http://schemas.microsoft.com/office/drawing/2014/main" id="{08103D50-4417-9C94-54A2-16B0218D2071}"/>
-              </a:ext>
-            </a:extLst>
-          </p:cNvPr>
-          <p:cNvSpPr>
-            <a:spLocks noGrp="1"/>
-          </p:cNvSpPr>
-          <p:nvPr>
-            <p:ph sz="half" idx="1"/>
-          </p:nvPr>
-        </p:nvSpPr>
-        <p:spPr>
-          <a:xfrm>
-            <a:off x="838200" y="3946357"/>
-            <a:ext cx="5181600" cy="2230605"/>
-          </a:xfrm>
-        </p:spPr>
-        <p:txBody>
-          <a:bodyPr/>
-          <a:lstStyle/>
-          <a:p>
-            <a:pPr marL="0" indent="0" algn="ctr">
-              <a:buNone/>
-            </a:pPr>
-            <a:r>
-              <a:rPr lang="en-GB" b="1" dirty="0"/>
-              <a:t>+</a:t>
-            </a:r>
-          </a:p>
-          <a:p>
-            <a:pPr marL="0" indent="0" algn="ctr">
-              <a:buNone/>
-            </a:pPr>
-            <a:r>
-              <a:rPr lang="en-GB" dirty="0"/>
-              <a:t>Full history</a:t>
-            </a:r>
-          </a:p>
-          <a:p>
-            <a:pPr marL="0" indent="0" algn="ctr">
-              <a:buNone/>
-            </a:pPr>
-            <a:r>
-              <a:rPr lang="en-GB" dirty="0"/>
-              <a:t>No lost commits</a:t>
-            </a:r>
-            <a:endParaRPr lang="de-AT" dirty="0"/>
-          </a:p>
-        </p:txBody>
-      </p:sp>
-      <p:sp>
-        <p:nvSpPr>
-          <p:cNvPr id="20" name="Content Placeholder 19">
-            <a:extLst>
-              <a:ext uri="{FF2B5EF4-FFF2-40B4-BE49-F238E27FC236}">
-                <a16:creationId xmlns:a16="http://schemas.microsoft.com/office/drawing/2014/main" id="{60D338C3-E25A-63DD-94CB-DF8DE0EA7815}"/>
-              </a:ext>
-            </a:extLst>
-          </p:cNvPr>
-          <p:cNvSpPr>
-            <a:spLocks noGrp="1"/>
-          </p:cNvSpPr>
-          <p:nvPr>
-            <p:ph sz="half" idx="2"/>
-          </p:nvPr>
-        </p:nvSpPr>
-        <p:spPr>
-          <a:xfrm>
-            <a:off x="6172200" y="3946357"/>
-            <a:ext cx="5181600" cy="2230605"/>
-          </a:xfrm>
-        </p:spPr>
-        <p:txBody>
-          <a:bodyPr/>
-          <a:lstStyle/>
-          <a:p>
-            <a:pPr marL="0" indent="0" algn="ctr">
-              <a:buNone/>
-            </a:pPr>
-            <a:r>
-              <a:rPr lang="en-GB" b="1" dirty="0"/>
-              <a:t>-</a:t>
-            </a:r>
-          </a:p>
-          <a:p>
-            <a:pPr marL="0" indent="0" algn="ctr">
-              <a:buNone/>
-            </a:pPr>
-            <a:r>
-              <a:rPr lang="en-GB" dirty="0"/>
-              <a:t>Cluttered history</a:t>
-            </a:r>
-          </a:p>
-          <a:p>
-            <a:pPr marL="0" indent="0" algn="ctr">
-              <a:buNone/>
-            </a:pPr>
-            <a:r>
-              <a:rPr lang="en-GB" dirty="0"/>
-              <a:t>Extra merge commit</a:t>
-            </a:r>
-            <a:endParaRPr lang="de-AT" dirty="0"/>
-          </a:p>
-        </p:txBody>
-      </p:sp>
-      <p:sp>
-        <p:nvSpPr>
-          <p:cNvPr id="6" name="TextBox 5">
-            <a:extLst>
-              <a:ext uri="{FF2B5EF4-FFF2-40B4-BE49-F238E27FC236}">
-                <a16:creationId xmlns:a16="http://schemas.microsoft.com/office/drawing/2014/main" id="{554B6E34-CEB2-BED3-A433-A8564FA92055}"/>
-              </a:ext>
-            </a:extLst>
-          </p:cNvPr>
-          <p:cNvSpPr txBox="1"/>
-          <p:nvPr/>
-        </p:nvSpPr>
-        <p:spPr>
-          <a:xfrm>
-            <a:off x="0" y="6492875"/>
-            <a:ext cx="8903368" cy="369332"/>
-          </a:xfrm>
-          <a:prstGeom prst="rect">
-            <a:avLst/>
-          </a:prstGeom>
-          <a:noFill/>
-        </p:spPr>
-        <p:txBody>
-          <a:bodyPr wrap="square" rtlCol="0">
-            <a:spAutoFit/>
-          </a:bodyPr>
-          <a:lstStyle/>
-          <a:p>
-            <a:r>
-              <a:rPr lang="de-AT" dirty="0"/>
-              <a:t>https://www.atlassian.com/de/git</a:t>
-            </a:r>
-          </a:p>
-        </p:txBody>
-      </p:sp>
-      <p:sp>
-        <p:nvSpPr>
-          <p:cNvPr id="23" name="TextBox 22">
-            <a:extLst>
-              <a:ext uri="{FF2B5EF4-FFF2-40B4-BE49-F238E27FC236}">
-                <a16:creationId xmlns:a16="http://schemas.microsoft.com/office/drawing/2014/main" id="{08394621-EEAD-A400-28C6-86193001A20E}"/>
-              </a:ext>
-            </a:extLst>
-          </p:cNvPr>
-          <p:cNvSpPr txBox="1"/>
-          <p:nvPr/>
-        </p:nvSpPr>
-        <p:spPr>
-          <a:xfrm>
-            <a:off x="838199" y="1616744"/>
-            <a:ext cx="10515599" cy="523220"/>
-          </a:xfrm>
-          <a:prstGeom prst="rect">
-            <a:avLst/>
-          </a:prstGeom>
-          <a:noFill/>
-        </p:spPr>
-        <p:txBody>
-          <a:bodyPr wrap="square" rtlCol="0">
-            <a:spAutoFit/>
-          </a:bodyPr>
-          <a:lstStyle/>
-          <a:p>
-            <a:pPr algn="ctr"/>
-            <a:r>
-              <a:rPr lang="en-GB" sz="2800" dirty="0"/>
-              <a:t>Changes get added in a merge commit, preserving the branch</a:t>
-            </a:r>
-            <a:endParaRPr lang="de-AT" sz="2800" dirty="0"/>
+              <a:rPr lang="de-DE" dirty="0"/>
+              <a:t>Git – </a:t>
+            </a:r>
+            <a:r>
+              <a:rPr lang="de-DE" dirty="0" err="1"/>
+              <a:t>Branches</a:t>
+            </a:r>
+            <a:r>
+              <a:rPr lang="de-DE" dirty="0"/>
+              <a:t> and </a:t>
+            </a:r>
+            <a:r>
+              <a:rPr lang="de-DE" dirty="0" err="1"/>
+              <a:t>Merging</a:t>
+            </a:r>
+            <a:endParaRPr lang="en-GB" dirty="0"/>
           </a:p>
         </p:txBody>
       </p:sp>
       <p:pic>
         <p:nvPicPr>
-          <p:cNvPr id="4" name="Picture 3" descr="A white arrow pointing to the left&#10;&#10;Description automatically generated">
+          <p:cNvPr id="4" name="Content Placeholder 3" descr="A white arrow pointing to the left&#10;&#10;Description automatically generated">
             <a:extLst>
               <a:ext uri="{FF2B5EF4-FFF2-40B4-BE49-F238E27FC236}">
-                <a16:creationId xmlns:a16="http://schemas.microsoft.com/office/drawing/2014/main" id="{B43BE4AE-8C95-894A-2C01-93344DBF872A}"/>
+                <a16:creationId xmlns:a16="http://schemas.microsoft.com/office/drawing/2014/main" id="{F1A731DB-3659-4066-1822-22AB33149F7D}"/>
               </a:ext>
             </a:extLst>
           </p:cNvPr>
           <p:cNvPicPr>
-            <a:picLocks noChangeAspect="1"/>
+            <a:picLocks noGrp="1" noChangeAspect="1"/>
           </p:cNvPicPr>
-          <p:nvPr/>
+          <p:nvPr>
+            <p:ph idx="1"/>
+          </p:nvPr>
         </p:nvPicPr>
         <p:blipFill>
           <a:blip r:embed="rId2">
@@ -5411,7 +7457,7 @@
         </p:blipFill>
         <p:spPr>
           <a:xfrm>
-            <a:off x="2371725" y="2584282"/>
+            <a:off x="2496454" y="4813998"/>
             <a:ext cx="7448550" cy="1362075"/>
           </a:xfrm>
           <a:prstGeom prst="rect">
@@ -5419,10 +7465,98 @@
           </a:prstGeom>
         </p:spPr>
       </p:pic>
+      <p:sp>
+        <p:nvSpPr>
+          <p:cNvPr id="5" name="Textfeld 4">
+            <a:extLst>
+              <a:ext uri="{FF2B5EF4-FFF2-40B4-BE49-F238E27FC236}">
+                <a16:creationId xmlns:a16="http://schemas.microsoft.com/office/drawing/2014/main" id="{25605F49-7140-9C2A-AD1C-8137C7529391}"/>
+              </a:ext>
+            </a:extLst>
+          </p:cNvPr>
+          <p:cNvSpPr txBox="1"/>
+          <p:nvPr/>
+        </p:nvSpPr>
+        <p:spPr>
+          <a:xfrm>
+            <a:off x="1287810" y="1778521"/>
+            <a:ext cx="9307286" cy="2308324"/>
+          </a:xfrm>
+          <a:prstGeom prst="rect">
+            <a:avLst/>
+          </a:prstGeom>
+          <a:noFill/>
+        </p:spPr>
+        <p:txBody>
+          <a:bodyPr wrap="square" rtlCol="0">
+            <a:spAutoFit/>
+          </a:bodyPr>
+          <a:lstStyle/>
+          <a:p>
+            <a:pPr algn="ctr"/>
+            <a:r>
+              <a:rPr lang="de-DE" sz="2400" dirty="0" err="1"/>
+              <a:t>Developing</a:t>
+            </a:r>
+            <a:r>
+              <a:rPr lang="de-DE" sz="2400" dirty="0"/>
+              <a:t> </a:t>
+            </a:r>
+            <a:r>
+              <a:rPr lang="de-DE" sz="2400" dirty="0" err="1"/>
+              <a:t>features</a:t>
+            </a:r>
+            <a:endParaRPr lang="de-DE" sz="2400" dirty="0"/>
+          </a:p>
+          <a:p>
+            <a:pPr algn="ctr"/>
+            <a:r>
+              <a:rPr lang="de-DE" sz="2400" dirty="0"/>
+              <a:t>Fixing </a:t>
+            </a:r>
+            <a:r>
+              <a:rPr lang="de-DE" sz="2400" dirty="0" err="1"/>
+              <a:t>bugs</a:t>
+            </a:r>
+            <a:endParaRPr lang="en-GB" sz="2400" dirty="0"/>
+          </a:p>
+          <a:p>
+            <a:pPr algn="ctr"/>
+            <a:r>
+              <a:rPr lang="en-GB" sz="2400" dirty="0"/>
+              <a:t>Experiment</a:t>
+            </a:r>
+            <a:r>
+              <a:rPr lang="de-DE" sz="2400" dirty="0" err="1"/>
+              <a:t>ing</a:t>
+            </a:r>
+            <a:endParaRPr lang="de-DE" sz="2400" dirty="0"/>
+          </a:p>
+          <a:p>
+            <a:pPr algn="ctr"/>
+            <a:endParaRPr lang="en-GB" sz="2400" dirty="0"/>
+          </a:p>
+          <a:p>
+            <a:pPr algn="ctr"/>
+            <a:r>
+              <a:rPr lang="en-GB" sz="2400" dirty="0"/>
+              <a:t>All done in different branches</a:t>
+            </a:r>
+          </a:p>
+          <a:p>
+            <a:pPr algn="ctr"/>
+            <a:r>
+              <a:rPr lang="en-GB" sz="2400" dirty="0"/>
+              <a:t>Merged together later on</a:t>
+            </a:r>
+            <a:endParaRPr lang="en-GB" dirty="0"/>
+          </a:p>
+        </p:txBody>
+      </p:sp>
     </p:spTree>
     <p:extLst>
       <p:ext uri="{BB962C8B-B14F-4D97-AF65-F5344CB8AC3E}">
-        <p14:creationId xmlns:p14="http://schemas.microsoft.com/office/powerpoint/2010/main" val="2048745845"/>
+        <p14:creationId xmlns:p14="http://schemas.microsoft.com/office/powerpoint/2010/main" val="308071996"/>
       </p:ext>
     </p:extLst>
   </p:cSld>
@@ -5451,10 +7585,10 @@
       </p:grpSpPr>
       <p:sp>
         <p:nvSpPr>
-          <p:cNvPr id="2" name="Title 1">
+          <p:cNvPr id="2" name="Titel 1">
             <a:extLst>
               <a:ext uri="{FF2B5EF4-FFF2-40B4-BE49-F238E27FC236}">
-                <a16:creationId xmlns:a16="http://schemas.microsoft.com/office/drawing/2014/main" id="{EE50FC3C-AACC-C2FC-154A-A3EC15F30D1E}"/>
+                <a16:creationId xmlns:a16="http://schemas.microsoft.com/office/drawing/2014/main" id="{AFDC94E8-B36E-8192-8EF9-C7AAD8FD8777}"/>
               </a:ext>
             </a:extLst>
           </p:cNvPr>
@@ -5472,18 +7606,19 @@
           <a:p>
             <a:pPr algn="ctr"/>
             <a:r>
-              <a:rPr lang="en-GB" dirty="0"/>
-              <a:t>Rebase</a:t>
-            </a:r>
-          </a:p>
-        </p:txBody>
-      </p:sp>
-      <p:sp>
-        <p:nvSpPr>
-          <p:cNvPr id="19" name="Content Placeholder 18">
+              <a:rPr lang="de-DE" dirty="0"/>
+              <a:t>Git – CI/CD</a:t>
+            </a:r>
+            <a:endParaRPr lang="en-GB" dirty="0"/>
+          </a:p>
+        </p:txBody>
+      </p:sp>
+      <p:sp>
+        <p:nvSpPr>
+          <p:cNvPr id="3" name="Inhaltsplatzhalter 2">
             <a:extLst>
               <a:ext uri="{FF2B5EF4-FFF2-40B4-BE49-F238E27FC236}">
-                <a16:creationId xmlns:a16="http://schemas.microsoft.com/office/drawing/2014/main" id="{08103D50-4417-9C94-54A2-16B0218D2071}"/>
+                <a16:creationId xmlns:a16="http://schemas.microsoft.com/office/drawing/2014/main" id="{7A5DF38B-85B6-1AED-F429-E1ADE8489731}"/>
               </a:ext>
             </a:extLst>
           </p:cNvPr>
@@ -5491,15 +7626,10 @@
             <a:spLocks noGrp="1"/>
           </p:cNvSpPr>
           <p:nvPr>
-            <p:ph sz="half" idx="1"/>
-          </p:nvPr>
-        </p:nvSpPr>
-        <p:spPr>
-          <a:xfrm>
-            <a:off x="838200" y="3946357"/>
-            <a:ext cx="5181600" cy="2230605"/>
-          </a:xfrm>
-        </p:spPr>
+            <p:ph idx="1"/>
+          </p:nvPr>
+        </p:nvSpPr>
+        <p:spPr/>
         <p:txBody>
           <a:bodyPr/>
           <a:lstStyle/>
@@ -5507,18 +7637,23 @@
             <a:pPr marL="0" indent="0" algn="ctr">
               <a:buNone/>
             </a:pPr>
-            <a:r>
-              <a:rPr lang="en-GB" b="1" dirty="0"/>
-              <a:t>+</a:t>
-            </a:r>
+            <a:endParaRPr lang="de-DE" b="1" dirty="0"/>
           </a:p>
           <a:p>
             <a:pPr marL="0" indent="0" algn="ctr">
               <a:buNone/>
             </a:pPr>
             <a:r>
-              <a:rPr lang="en-GB" dirty="0"/>
-              <a:t>Clean history</a:t>
+              <a:rPr lang="de-DE" b="1" dirty="0"/>
+              <a:t>Automation </a:t>
+            </a:r>
+            <a:r>
+              <a:rPr lang="de-DE" b="1" dirty="0" err="1"/>
+              <a:t>of</a:t>
+            </a:r>
+            <a:r>
+              <a:rPr lang="de-DE" b="1" dirty="0"/>
+              <a:t>:</a:t>
             </a:r>
           </a:p>
           <a:p>
@@ -5526,194 +7661,65 @@
               <a:buNone/>
             </a:pPr>
             <a:r>
-              <a:rPr lang="en-GB" dirty="0"/>
-              <a:t>Interactive rebase possible</a:t>
+              <a:rPr lang="de-DE" sz="2400" dirty="0"/>
+              <a:t>Building</a:t>
             </a:r>
           </a:p>
           <a:p>
             <a:pPr marL="0" indent="0" algn="ctr">
               <a:buNone/>
             </a:pPr>
-            <a:endParaRPr lang="de-AT" dirty="0"/>
-          </a:p>
-        </p:txBody>
-      </p:sp>
-      <p:sp>
-        <p:nvSpPr>
-          <p:cNvPr id="20" name="Content Placeholder 19">
-            <a:extLst>
-              <a:ext uri="{FF2B5EF4-FFF2-40B4-BE49-F238E27FC236}">
-                <a16:creationId xmlns:a16="http://schemas.microsoft.com/office/drawing/2014/main" id="{60D338C3-E25A-63DD-94CB-DF8DE0EA7815}"/>
-              </a:ext>
-            </a:extLst>
-          </p:cNvPr>
-          <p:cNvSpPr>
-            <a:spLocks noGrp="1"/>
-          </p:cNvSpPr>
-          <p:nvPr>
-            <p:ph sz="half" idx="2"/>
-          </p:nvPr>
-        </p:nvSpPr>
-        <p:spPr>
-          <a:xfrm>
-            <a:off x="6172200" y="3946357"/>
-            <a:ext cx="5181600" cy="2230605"/>
-          </a:xfrm>
-        </p:spPr>
-        <p:txBody>
-          <a:bodyPr/>
-          <a:lstStyle/>
+            <a:r>
+              <a:rPr lang="de-DE" sz="2400" dirty="0" err="1"/>
+              <a:t>Testing</a:t>
+            </a:r>
+            <a:r>
+              <a:rPr lang="de-DE" sz="2400" dirty="0"/>
+              <a:t> </a:t>
+            </a:r>
+          </a:p>
           <a:p>
             <a:pPr marL="0" indent="0" algn="ctr">
               <a:buNone/>
             </a:pPr>
             <a:r>
-              <a:rPr lang="en-GB" b="1" dirty="0"/>
-              <a:t>-</a:t>
-            </a:r>
+              <a:rPr lang="de-DE" sz="2400" dirty="0" err="1"/>
+              <a:t>Pushing</a:t>
+            </a:r>
+            <a:r>
+              <a:rPr lang="de-DE" sz="2400" dirty="0"/>
+              <a:t> </a:t>
+            </a:r>
+            <a:r>
+              <a:rPr lang="de-DE" sz="2400" dirty="0" err="1"/>
+              <a:t>to</a:t>
+            </a:r>
+            <a:r>
+              <a:rPr lang="de-DE" sz="2400" dirty="0"/>
+              <a:t> </a:t>
+            </a:r>
+            <a:r>
+              <a:rPr lang="de-DE" sz="2400" dirty="0" err="1"/>
+              <a:t>server</a:t>
+            </a:r>
+            <a:endParaRPr lang="de-DE" sz="2400" dirty="0"/>
           </a:p>
           <a:p>
             <a:pPr marL="0" indent="0" algn="ctr">
               <a:buNone/>
             </a:pPr>
             <a:r>
-              <a:rPr lang="en-GB" dirty="0"/>
-              <a:t>Rewrites history</a:t>
-            </a:r>
-          </a:p>
-          <a:p>
-            <a:pPr marL="0" indent="0" algn="ctr">
-              <a:buNone/>
-            </a:pPr>
-            <a:r>
-              <a:rPr lang="en-GB" dirty="0"/>
-              <a:t>Complex</a:t>
-            </a:r>
-          </a:p>
-          <a:p>
-            <a:pPr marL="0" indent="0" algn="ctr">
-              <a:buNone/>
-            </a:pPr>
-            <a:r>
-              <a:rPr lang="en-GB" dirty="0"/>
-              <a:t>Never rebase shared branches!!!</a:t>
-            </a:r>
-            <a:endParaRPr lang="de-AT" dirty="0"/>
-          </a:p>
-        </p:txBody>
-      </p:sp>
-      <p:sp>
-        <p:nvSpPr>
-          <p:cNvPr id="6" name="TextBox 5">
-            <a:extLst>
-              <a:ext uri="{FF2B5EF4-FFF2-40B4-BE49-F238E27FC236}">
-                <a16:creationId xmlns:a16="http://schemas.microsoft.com/office/drawing/2014/main" id="{554B6E34-CEB2-BED3-A433-A8564FA92055}"/>
-              </a:ext>
-            </a:extLst>
-          </p:cNvPr>
-          <p:cNvSpPr txBox="1"/>
-          <p:nvPr/>
-        </p:nvSpPr>
-        <p:spPr>
-          <a:xfrm>
-            <a:off x="0" y="6492875"/>
-            <a:ext cx="8903368" cy="369332"/>
-          </a:xfrm>
-          <a:prstGeom prst="rect">
-            <a:avLst/>
-          </a:prstGeom>
-          <a:noFill/>
-        </p:spPr>
-        <p:txBody>
-          <a:bodyPr wrap="square" rtlCol="0">
-            <a:spAutoFit/>
-          </a:bodyPr>
-          <a:lstStyle/>
-          <a:p>
-            <a:r>
-              <a:rPr lang="de-AT" dirty="0"/>
-              <a:t>https://www.atlassian.com/de/git</a:t>
-            </a:r>
-          </a:p>
-        </p:txBody>
-      </p:sp>
-      <p:sp>
-        <p:nvSpPr>
-          <p:cNvPr id="23" name="TextBox 22">
-            <a:extLst>
-              <a:ext uri="{FF2B5EF4-FFF2-40B4-BE49-F238E27FC236}">
-                <a16:creationId xmlns:a16="http://schemas.microsoft.com/office/drawing/2014/main" id="{08394621-EEAD-A400-28C6-86193001A20E}"/>
-              </a:ext>
-            </a:extLst>
-          </p:cNvPr>
-          <p:cNvSpPr txBox="1"/>
-          <p:nvPr/>
-        </p:nvSpPr>
-        <p:spPr>
-          <a:xfrm>
-            <a:off x="838199" y="1616744"/>
-            <a:ext cx="10515599" cy="523220"/>
-          </a:xfrm>
-          <a:prstGeom prst="rect">
-            <a:avLst/>
-          </a:prstGeom>
-          <a:noFill/>
-        </p:spPr>
-        <p:txBody>
-          <a:bodyPr wrap="square" rtlCol="0">
-            <a:spAutoFit/>
-          </a:bodyPr>
-          <a:lstStyle/>
-          <a:p>
-            <a:pPr algn="ctr"/>
-            <a:r>
-              <a:rPr lang="en-GB" sz="2800" dirty="0"/>
-              <a:t>Changes get added as NEW commits</a:t>
-            </a:r>
-            <a:endParaRPr lang="de-AT" sz="2800" dirty="0"/>
-          </a:p>
-        </p:txBody>
-      </p:sp>
-      <p:pic>
-        <p:nvPicPr>
-          <p:cNvPr id="25" name="Picture 24" descr="A white arrow pointing to the left&#10;&#10;Description automatically generated">
-            <a:extLst>
-              <a:ext uri="{FF2B5EF4-FFF2-40B4-BE49-F238E27FC236}">
-                <a16:creationId xmlns:a16="http://schemas.microsoft.com/office/drawing/2014/main" id="{8C07384D-B4A1-F21E-996B-F5C7D47CBC25}"/>
-              </a:ext>
-            </a:extLst>
-          </p:cNvPr>
-          <p:cNvPicPr>
-            <a:picLocks noChangeAspect="1"/>
-          </p:cNvPicPr>
-          <p:nvPr/>
-        </p:nvPicPr>
-        <p:blipFill>
-          <a:blip r:embed="rId2">
-            <a:extLst>
-              <a:ext uri="{28A0092B-C50C-407E-A947-70E740481C1C}">
-                <a14:useLocalDpi xmlns:a14="http://schemas.microsoft.com/office/drawing/2010/main" val="0"/>
-              </a:ext>
-            </a:extLst>
-          </a:blip>
-          <a:stretch>
-            <a:fillRect/>
-          </a:stretch>
-        </p:blipFill>
-        <p:spPr>
-          <a:xfrm>
-            <a:off x="2357438" y="2584282"/>
-            <a:ext cx="7477125" cy="1362075"/>
-          </a:xfrm>
-          <a:prstGeom prst="rect">
-            <a:avLst/>
-          </a:prstGeom>
-        </p:spPr>
-      </p:pic>
+              <a:rPr lang="de-DE" sz="2400" dirty="0"/>
+              <a:t>Etc.</a:t>
+            </a:r>
+            <a:endParaRPr lang="en-GB" dirty="0"/>
+          </a:p>
+        </p:txBody>
+      </p:sp>
     </p:spTree>
     <p:extLst>
       <p:ext uri="{BB962C8B-B14F-4D97-AF65-F5344CB8AC3E}">
-        <p14:creationId xmlns:p14="http://schemas.microsoft.com/office/powerpoint/2010/main" val="1057167618"/>
+        <p14:creationId xmlns:p14="http://schemas.microsoft.com/office/powerpoint/2010/main" val="3655021036"/>
       </p:ext>
     </p:extLst>
   </p:cSld>

--- a/EN/GIT.pptx
+++ b/EN/GIT.pptx
@@ -151,7 +151,7 @@
   <pc:docChgLst>
     <pc:chgData name="Langegger Valentin - s2310307016" userId="c3768bcc-adb3-484d-9ecc-f21554ad6dce" providerId="ADAL" clId="{44D07C7B-F0A8-44E3-858E-6F10C64459F8}"/>
     <pc:docChg chg="undo custSel addSld delSld modSld">
-      <pc:chgData name="Langegger Valentin - s2310307016" userId="c3768bcc-adb3-484d-9ecc-f21554ad6dce" providerId="ADAL" clId="{44D07C7B-F0A8-44E3-858E-6F10C64459F8}" dt="2024-06-18T18:31:03.049" v="1585" actId="3626"/>
+      <pc:chgData name="Langegger Valentin - s2310307016" userId="c3768bcc-adb3-484d-9ecc-f21554ad6dce" providerId="ADAL" clId="{44D07C7B-F0A8-44E3-858E-6F10C64459F8}" dt="2024-06-21T20:05:33.230" v="1662" actId="20577"/>
       <pc:docMkLst>
         <pc:docMk/>
       </pc:docMkLst>
@@ -171,7 +171,7 @@
         </pc:spChg>
       </pc:sldChg>
       <pc:sldChg chg="modSp new mod">
-        <pc:chgData name="Langegger Valentin - s2310307016" userId="c3768bcc-adb3-484d-9ecc-f21554ad6dce" providerId="ADAL" clId="{44D07C7B-F0A8-44E3-858E-6F10C64459F8}" dt="2024-06-18T15:47:59.973" v="75" actId="12"/>
+        <pc:chgData name="Langegger Valentin - s2310307016" userId="c3768bcc-adb3-484d-9ecc-f21554ad6dce" providerId="ADAL" clId="{44D07C7B-F0A8-44E3-858E-6F10C64459F8}" dt="2024-06-21T20:04:49.743" v="1660" actId="20577"/>
         <pc:sldMkLst>
           <pc:docMk/>
           <pc:sldMk cId="3352256326" sldId="271"/>
@@ -185,7 +185,7 @@
           </ac:spMkLst>
         </pc:spChg>
         <pc:spChg chg="mod">
-          <ac:chgData name="Langegger Valentin - s2310307016" userId="c3768bcc-adb3-484d-9ecc-f21554ad6dce" providerId="ADAL" clId="{44D07C7B-F0A8-44E3-858E-6F10C64459F8}" dt="2024-06-18T15:47:59.973" v="75" actId="12"/>
+          <ac:chgData name="Langegger Valentin - s2310307016" userId="c3768bcc-adb3-484d-9ecc-f21554ad6dce" providerId="ADAL" clId="{44D07C7B-F0A8-44E3-858E-6F10C64459F8}" dt="2024-06-21T20:04:49.743" v="1660" actId="20577"/>
           <ac:spMkLst>
             <pc:docMk/>
             <pc:sldMk cId="3352256326" sldId="271"/>
@@ -232,7 +232,7 @@
         </pc:picChg>
       </pc:sldChg>
       <pc:sldChg chg="modSp new mod">
-        <pc:chgData name="Langegger Valentin - s2310307016" userId="c3768bcc-adb3-484d-9ecc-f21554ad6dce" providerId="ADAL" clId="{44D07C7B-F0A8-44E3-858E-6F10C64459F8}" dt="2024-06-18T15:50:55.512" v="277" actId="790"/>
+        <pc:chgData name="Langegger Valentin - s2310307016" userId="c3768bcc-adb3-484d-9ecc-f21554ad6dce" providerId="ADAL" clId="{44D07C7B-F0A8-44E3-858E-6F10C64459F8}" dt="2024-06-21T20:05:33.230" v="1662" actId="20577"/>
         <pc:sldMkLst>
           <pc:docMk/>
           <pc:sldMk cId="937609276" sldId="273"/>
@@ -246,7 +246,7 @@
           </ac:spMkLst>
         </pc:spChg>
         <pc:spChg chg="mod">
-          <ac:chgData name="Langegger Valentin - s2310307016" userId="c3768bcc-adb3-484d-9ecc-f21554ad6dce" providerId="ADAL" clId="{44D07C7B-F0A8-44E3-858E-6F10C64459F8}" dt="2024-06-18T15:50:51.416" v="276" actId="790"/>
+          <ac:chgData name="Langegger Valentin - s2310307016" userId="c3768bcc-adb3-484d-9ecc-f21554ad6dce" providerId="ADAL" clId="{44D07C7B-F0A8-44E3-858E-6F10C64459F8}" dt="2024-06-21T20:05:33.230" v="1662" actId="20577"/>
           <ac:spMkLst>
             <pc:docMk/>
             <pc:sldMk cId="937609276" sldId="273"/>
@@ -255,7 +255,7 @@
         </pc:spChg>
       </pc:sldChg>
       <pc:sldChg chg="modSp new mod">
-        <pc:chgData name="Langegger Valentin - s2310307016" userId="c3768bcc-adb3-484d-9ecc-f21554ad6dce" providerId="ADAL" clId="{44D07C7B-F0A8-44E3-858E-6F10C64459F8}" dt="2024-06-18T16:28:50.166" v="381" actId="20577"/>
+        <pc:chgData name="Langegger Valentin - s2310307016" userId="c3768bcc-adb3-484d-9ecc-f21554ad6dce" providerId="ADAL" clId="{44D07C7B-F0A8-44E3-858E-6F10C64459F8}" dt="2024-06-20T18:35:05.887" v="1588" actId="20577"/>
         <pc:sldMkLst>
           <pc:docMk/>
           <pc:sldMk cId="399275025" sldId="274"/>
@@ -269,7 +269,7 @@
           </ac:spMkLst>
         </pc:spChg>
         <pc:spChg chg="mod">
-          <ac:chgData name="Langegger Valentin - s2310307016" userId="c3768bcc-adb3-484d-9ecc-f21554ad6dce" providerId="ADAL" clId="{44D07C7B-F0A8-44E3-858E-6F10C64459F8}" dt="2024-06-18T16:28:50.166" v="381" actId="20577"/>
+          <ac:chgData name="Langegger Valentin - s2310307016" userId="c3768bcc-adb3-484d-9ecc-f21554ad6dce" providerId="ADAL" clId="{44D07C7B-F0A8-44E3-858E-6F10C64459F8}" dt="2024-06-20T18:35:05.887" v="1588" actId="20577"/>
           <ac:spMkLst>
             <pc:docMk/>
             <pc:sldMk cId="399275025" sldId="274"/>
@@ -440,7 +440,7 @@
         </pc:spChg>
       </pc:sldChg>
       <pc:sldChg chg="addSp modSp new mod">
-        <pc:chgData name="Langegger Valentin - s2310307016" userId="c3768bcc-adb3-484d-9ecc-f21554ad6dce" providerId="ADAL" clId="{44D07C7B-F0A8-44E3-858E-6F10C64459F8}" dt="2024-06-18T18:16:01.476" v="1362" actId="20577"/>
+        <pc:chgData name="Langegger Valentin - s2310307016" userId="c3768bcc-adb3-484d-9ecc-f21554ad6dce" providerId="ADAL" clId="{44D07C7B-F0A8-44E3-858E-6F10C64459F8}" dt="2024-06-20T18:44:05.409" v="1657" actId="20577"/>
         <pc:sldMkLst>
           <pc:docMk/>
           <pc:sldMk cId="1661772110" sldId="280"/>
@@ -454,7 +454,7 @@
           </ac:spMkLst>
         </pc:spChg>
         <pc:spChg chg="mod">
-          <ac:chgData name="Langegger Valentin - s2310307016" userId="c3768bcc-adb3-484d-9ecc-f21554ad6dce" providerId="ADAL" clId="{44D07C7B-F0A8-44E3-858E-6F10C64459F8}" dt="2024-06-18T18:16:01.476" v="1362" actId="20577"/>
+          <ac:chgData name="Langegger Valentin - s2310307016" userId="c3768bcc-adb3-484d-9ecc-f21554ad6dce" providerId="ADAL" clId="{44D07C7B-F0A8-44E3-858E-6F10C64459F8}" dt="2024-06-20T18:44:05.409" v="1657" actId="20577"/>
           <ac:spMkLst>
             <pc:docMk/>
             <pc:sldMk cId="1661772110" sldId="280"/>
@@ -588,7 +588,7 @@
           <a:p>
             <a:fld id="{B614D42E-D402-408B-8008-C7C176717511}" type="datetimeFigureOut">
               <a:rPr lang="de-AT" smtClean="0"/>
-              <a:t>21.06.2024</a:t>
+              <a:t>22.06.2024</a:t>
             </a:fld>
             <a:endParaRPr lang="de-AT"/>
           </a:p>
@@ -987,7 +987,7 @@
           <a:p>
             <a:fld id="{B194A4EC-4E50-4867-BB7A-2E9D83FB4FD3}" type="datetimeFigureOut">
               <a:rPr lang="en-AT" smtClean="0"/>
-              <a:t>21/06/2024</a:t>
+              <a:t>22/06/2024</a:t>
             </a:fld>
             <a:endParaRPr lang="en-AT"/>
           </a:p>
@@ -1157,7 +1157,7 @@
           <a:p>
             <a:fld id="{B194A4EC-4E50-4867-BB7A-2E9D83FB4FD3}" type="datetimeFigureOut">
               <a:rPr lang="en-AT" smtClean="0"/>
-              <a:t>21/06/2024</a:t>
+              <a:t>22/06/2024</a:t>
             </a:fld>
             <a:endParaRPr lang="en-AT"/>
           </a:p>
@@ -1337,7 +1337,7 @@
           <a:p>
             <a:fld id="{B194A4EC-4E50-4867-BB7A-2E9D83FB4FD3}" type="datetimeFigureOut">
               <a:rPr lang="en-AT" smtClean="0"/>
-              <a:t>21/06/2024</a:t>
+              <a:t>22/06/2024</a:t>
             </a:fld>
             <a:endParaRPr lang="en-AT"/>
           </a:p>
@@ -1507,7 +1507,7 @@
           <a:p>
             <a:fld id="{B194A4EC-4E50-4867-BB7A-2E9D83FB4FD3}" type="datetimeFigureOut">
               <a:rPr lang="en-AT" smtClean="0"/>
-              <a:t>21/06/2024</a:t>
+              <a:t>22/06/2024</a:t>
             </a:fld>
             <a:endParaRPr lang="en-AT"/>
           </a:p>
@@ -1753,7 +1753,7 @@
           <a:p>
             <a:fld id="{B194A4EC-4E50-4867-BB7A-2E9D83FB4FD3}" type="datetimeFigureOut">
               <a:rPr lang="en-AT" smtClean="0"/>
-              <a:t>21/06/2024</a:t>
+              <a:t>22/06/2024</a:t>
             </a:fld>
             <a:endParaRPr lang="en-AT"/>
           </a:p>
@@ -1985,7 +1985,7 @@
           <a:p>
             <a:fld id="{B194A4EC-4E50-4867-BB7A-2E9D83FB4FD3}" type="datetimeFigureOut">
               <a:rPr lang="en-AT" smtClean="0"/>
-              <a:t>21/06/2024</a:t>
+              <a:t>22/06/2024</a:t>
             </a:fld>
             <a:endParaRPr lang="en-AT"/>
           </a:p>
@@ -2352,7 +2352,7 @@
           <a:p>
             <a:fld id="{B194A4EC-4E50-4867-BB7A-2E9D83FB4FD3}" type="datetimeFigureOut">
               <a:rPr lang="en-AT" smtClean="0"/>
-              <a:t>21/06/2024</a:t>
+              <a:t>22/06/2024</a:t>
             </a:fld>
             <a:endParaRPr lang="en-AT"/>
           </a:p>
@@ -2470,7 +2470,7 @@
           <a:p>
             <a:fld id="{B194A4EC-4E50-4867-BB7A-2E9D83FB4FD3}" type="datetimeFigureOut">
               <a:rPr lang="en-AT" smtClean="0"/>
-              <a:t>21/06/2024</a:t>
+              <a:t>22/06/2024</a:t>
             </a:fld>
             <a:endParaRPr lang="en-AT"/>
           </a:p>
@@ -2565,7 +2565,7 @@
           <a:p>
             <a:fld id="{B194A4EC-4E50-4867-BB7A-2E9D83FB4FD3}" type="datetimeFigureOut">
               <a:rPr lang="en-AT" smtClean="0"/>
-              <a:t>21/06/2024</a:t>
+              <a:t>22/06/2024</a:t>
             </a:fld>
             <a:endParaRPr lang="en-AT"/>
           </a:p>
@@ -2842,7 +2842,7 @@
           <a:p>
             <a:fld id="{B194A4EC-4E50-4867-BB7A-2E9D83FB4FD3}" type="datetimeFigureOut">
               <a:rPr lang="en-AT" smtClean="0"/>
-              <a:t>21/06/2024</a:t>
+              <a:t>22/06/2024</a:t>
             </a:fld>
             <a:endParaRPr lang="en-AT"/>
           </a:p>
@@ -3099,7 +3099,7 @@
           <a:p>
             <a:fld id="{B194A4EC-4E50-4867-BB7A-2E9D83FB4FD3}" type="datetimeFigureOut">
               <a:rPr lang="en-AT" smtClean="0"/>
-              <a:t>21/06/2024</a:t>
+              <a:t>22/06/2024</a:t>
             </a:fld>
             <a:endParaRPr lang="en-AT"/>
           </a:p>
@@ -3312,7 +3312,7 @@
           <a:p>
             <a:fld id="{B194A4EC-4E50-4867-BB7A-2E9D83FB4FD3}" type="datetimeFigureOut">
               <a:rPr lang="en-AT" smtClean="0"/>
-              <a:t>21/06/2024</a:t>
+              <a:t>22/06/2024</a:t>
             </a:fld>
             <a:endParaRPr lang="en-AT"/>
           </a:p>
@@ -4139,6 +4139,9 @@
           <a:p>
             <a:endParaRPr lang="en-US" dirty="0"/>
           </a:p>
+          <a:p>
+            <a:endParaRPr lang="en-US" dirty="0"/>
+          </a:p>
         </p:txBody>
       </p:sp>
       <p:pic>
@@ -6619,7 +6622,7 @@
     </p:spTree>
     <p:extLst>
       <p:ext uri="{BB962C8B-B14F-4D97-AF65-F5344CB8AC3E}">
-        <p14:creationId xmlns:p14="http://schemas.microsoft.com/office/powerpoint/2010/main" val="3456375540"/>
+        <p14:creationId xmlns:p14="http://schemas.microsoft.com/office/powerpoint/2010/main" val="2147887556"/>
       </p:ext>
     </p:extLst>
   </p:cSld>
@@ -6845,18 +6848,33 @@
           <a:bodyPr/>
           <a:lstStyle/>
           <a:p>
+            <a:pPr marL="0" indent="0" algn="ctr">
+              <a:buNone/>
+            </a:pPr>
+            <a:endParaRPr lang="en-US" dirty="0"/>
+          </a:p>
+          <a:p>
+            <a:pPr marL="0" indent="0" algn="ctr">
+              <a:buNone/>
+            </a:pPr>
             <a:r>
               <a:rPr lang="en-US" dirty="0"/>
               <a:t>Code conflicts</a:t>
             </a:r>
           </a:p>
           <a:p>
+            <a:pPr marL="0" indent="0" algn="ctr">
+              <a:buNone/>
+            </a:pPr>
             <a:r>
               <a:rPr lang="en-US" dirty="0"/>
               <a:t>Lack of history</a:t>
             </a:r>
           </a:p>
           <a:p>
+            <a:pPr marL="0" indent="0" algn="ctr">
+              <a:buNone/>
+            </a:pPr>
             <a:r>
               <a:rPr lang="en-US" dirty="0"/>
               <a:t>Data loss</a:t>
@@ -6966,8 +6984,12 @@
           </a:p>
           <a:p>
             <a:r>
+              <a:rPr lang="en-US"/>
+              <a:t>Linus </a:t>
+            </a:r>
+            <a:r>
               <a:rPr lang="en-US" dirty="0"/>
-              <a:t>Linux Torvalds decided to take matter into his own hand</a:t>
+              <a:t>Torvalds decided to take matter into his own hand</a:t>
             </a:r>
           </a:p>
         </p:txBody>
@@ -7156,20 +7178,16 @@
             <a:pPr marL="0" indent="0" algn="ctr">
               <a:buNone/>
             </a:pPr>
+            <a:endParaRPr lang="de-DE" dirty="0"/>
+          </a:p>
+          <a:p>
+            <a:pPr marL="0" indent="0" algn="ctr">
+              <a:buNone/>
+            </a:pPr>
             <a:r>
               <a:rPr lang="de-DE" dirty="0"/>
               <a:t>Version Control</a:t>
             </a:r>
-          </a:p>
-          <a:p>
-            <a:pPr marL="0" indent="0" algn="ctr">
-              <a:buNone/>
-            </a:pPr>
-            <a:r>
-              <a:rPr lang="de-DE" dirty="0" err="1"/>
-              <a:t>Collaboration</a:t>
-            </a:r>
-            <a:endParaRPr lang="de-DE" dirty="0"/>
           </a:p>
           <a:p>
             <a:pPr marL="0" indent="0" algn="ctr">

--- a/EN/GIT.pptx
+++ b/EN/GIT.pptx
@@ -4756,48 +4756,9 @@
         <p:spPr/>
         <p:txBody>
           <a:bodyPr>
-            <a:normAutofit lnSpcReduction="10000"/>
+            <a:normAutofit/>
           </a:bodyPr>
           <a:lstStyle/>
-          <a:p>
-            <a:pPr marL="0" indent="0" algn="ctr">
-              <a:buNone/>
-            </a:pPr>
-            <a:r>
-              <a:rPr lang="en-GB" dirty="0"/>
-              <a:t>Allows parallel versions</a:t>
-            </a:r>
-          </a:p>
-          <a:p>
-            <a:pPr marL="0" indent="0" algn="ctr">
-              <a:buNone/>
-            </a:pPr>
-            <a:endParaRPr lang="en-GB" dirty="0"/>
-          </a:p>
-          <a:p>
-            <a:pPr marL="0" indent="0" algn="ctr">
-              <a:buNone/>
-            </a:pPr>
-            <a:r>
-              <a:rPr lang="en-GB" b="1" dirty="0"/>
-              <a:t>Example:</a:t>
-            </a:r>
-          </a:p>
-          <a:p>
-            <a:pPr marL="0" indent="0" algn="ctr">
-              <a:buNone/>
-            </a:pPr>
-            <a:r>
-              <a:rPr lang="en-GB" dirty="0"/>
-              <a:t>Feature Branches</a:t>
-            </a:r>
-          </a:p>
-          <a:p>
-            <a:pPr marL="0" indent="0" algn="ctr">
-              <a:buNone/>
-            </a:pPr>
-            <a:endParaRPr lang="en-GB" dirty="0"/>
-          </a:p>
           <a:p>
             <a:pPr marL="0" indent="0" algn="ctr">
               <a:buNone/>
@@ -6673,7 +6634,7 @@
             <a:pPr algn="ctr"/>
             <a:r>
               <a:rPr lang="de-AT" dirty="0"/>
-              <a:t>Quellen</a:t>
+              <a:t>Sources</a:t>
             </a:r>
           </a:p>
         </p:txBody>
@@ -6694,14 +6655,19 @@
             <p:ph idx="1"/>
           </p:nvPr>
         </p:nvSpPr>
-        <p:spPr/>
+        <p:spPr>
+          <a:xfrm>
+            <a:off x="4741777" y="2237804"/>
+            <a:ext cx="7576057" cy="2382391"/>
+          </a:xfrm>
+        </p:spPr>
         <p:txBody>
           <a:bodyPr>
-            <a:normAutofit/>
+            <a:normAutofit fontScale="92500" lnSpcReduction="20000"/>
           </a:bodyPr>
           <a:lstStyle/>
           <a:p>
-            <a:pPr marL="0" indent="0" algn="ctr">
+            <a:pPr marL="0" indent="0">
               <a:buNone/>
             </a:pPr>
             <a:r>
@@ -6710,7 +6676,7 @@
             </a:r>
           </a:p>
           <a:p>
-            <a:pPr marL="0" indent="0" algn="ctr">
+            <a:pPr marL="0" indent="0">
               <a:buNone/>
             </a:pPr>
             <a:r>
@@ -6719,7 +6685,7 @@
             </a:r>
           </a:p>
           <a:p>
-            <a:pPr marL="0" indent="0" algn="ctr">
+            <a:pPr marL="0" indent="0">
               <a:buNone/>
             </a:pPr>
             <a:r>
@@ -6728,7 +6694,7 @@
             </a:r>
           </a:p>
           <a:p>
-            <a:pPr marL="0" indent="0" algn="ctr">
+            <a:pPr marL="0" indent="0">
               <a:buNone/>
             </a:pPr>
             <a:r>
@@ -6737,7 +6703,7 @@
             </a:r>
           </a:p>
           <a:p>
-            <a:pPr marL="0" indent="0" algn="ctr">
+            <a:pPr marL="0" indent="0">
               <a:buNone/>
             </a:pPr>
             <a:r>
@@ -6746,19 +6712,73 @@
             </a:r>
           </a:p>
           <a:p>
-            <a:pPr marL="0" indent="0" algn="ctr">
+            <a:pPr marL="0" indent="0">
+              <a:buNone/>
+            </a:pPr>
+            <a:r>
+              <a:rPr lang="de-AT" sz="2000" dirty="0"/>
+              <a:t>https://openhub.net/repositories/compare</a:t>
+            </a:r>
+          </a:p>
+          <a:p>
+            <a:pPr marL="0" indent="0">
+              <a:buNone/>
+            </a:pPr>
+            <a:r>
+              <a:rPr lang="de-AT" sz="2000" dirty="0"/>
+              <a:t>https://xkcd.com/1597/</a:t>
+            </a:r>
+          </a:p>
+          <a:p>
+            <a:pPr marL="0" indent="0">
               <a:buNone/>
             </a:pPr>
             <a:endParaRPr lang="de-AT" sz="2000" dirty="0"/>
           </a:p>
           <a:p>
-            <a:pPr marL="0" indent="0" algn="ctr">
+            <a:pPr marL="0" indent="0">
               <a:buNone/>
             </a:pPr>
             <a:endParaRPr lang="de-AT" sz="2000" dirty="0"/>
           </a:p>
         </p:txBody>
       </p:sp>
+      <p:pic>
+        <p:nvPicPr>
+          <p:cNvPr id="5" name="Picture 4" descr="A cartoon of people looking at a computer&#10;&#10;Description automatically generated">
+            <a:extLst>
+              <a:ext uri="{FF2B5EF4-FFF2-40B4-BE49-F238E27FC236}">
+                <a16:creationId xmlns:a16="http://schemas.microsoft.com/office/drawing/2014/main" id="{4F439E45-F51F-9BDA-4F1D-428F064CE78E}"/>
+              </a:ext>
+            </a:extLst>
+          </p:cNvPr>
+          <p:cNvPicPr>
+            <a:picLocks noChangeAspect="1"/>
+          </p:cNvPicPr>
+          <p:nvPr/>
+        </p:nvPicPr>
+        <p:blipFill>
+          <a:blip r:embed="rId2">
+            <a:extLst>
+              <a:ext uri="{28A0092B-C50C-407E-A947-70E740481C1C}">
+                <a14:useLocalDpi xmlns:a14="http://schemas.microsoft.com/office/drawing/2010/main" val="0"/>
+              </a:ext>
+            </a:extLst>
+          </a:blip>
+          <a:stretch>
+            <a:fillRect/>
+          </a:stretch>
+        </p:blipFill>
+        <p:spPr>
+          <a:xfrm>
+            <a:off x="0" y="0"/>
+            <a:ext cx="4741777" cy="6858000"/>
+          </a:xfrm>
+          <a:prstGeom prst="rect">
+            <a:avLst/>
+          </a:prstGeom>
+        </p:spPr>
+      </p:pic>
     </p:spTree>
     <p:extLst>
       <p:ext uri="{BB962C8B-B14F-4D97-AF65-F5344CB8AC3E}">
@@ -7048,22 +7068,57 @@
             <a:pPr algn="ctr"/>
             <a:r>
               <a:rPr lang="en-US" dirty="0"/>
-              <a:t>Git - Domination</a:t>
+              <a:t>Git – Domination(In Open Source)</a:t>
+            </a:r>
+          </a:p>
+        </p:txBody>
+      </p:sp>
+      <p:sp>
+        <p:nvSpPr>
+          <p:cNvPr id="7" name="TextBox 6">
+            <a:extLst>
+              <a:ext uri="{FF2B5EF4-FFF2-40B4-BE49-F238E27FC236}">
+                <a16:creationId xmlns:a16="http://schemas.microsoft.com/office/drawing/2014/main" id="{86015F67-F1BE-A364-461E-F2AA7824887A}"/>
+              </a:ext>
+            </a:extLst>
+          </p:cNvPr>
+          <p:cNvSpPr txBox="1"/>
+          <p:nvPr/>
+        </p:nvSpPr>
+        <p:spPr>
+          <a:xfrm>
+            <a:off x="1480" y="6488668"/>
+            <a:ext cx="6094520" cy="369332"/>
+          </a:xfrm>
+          <a:prstGeom prst="rect">
+            <a:avLst/>
+          </a:prstGeom>
+          <a:noFill/>
+        </p:spPr>
+        <p:txBody>
+          <a:bodyPr wrap="square">
+            <a:spAutoFit/>
+          </a:bodyPr>
+          <a:lstStyle/>
+          <a:p>
+            <a:r>
+              <a:rPr lang="de-AT" dirty="0"/>
+              <a:t>https://openhub.net/repositories/compare</a:t>
             </a:r>
           </a:p>
         </p:txBody>
       </p:sp>
       <p:pic>
         <p:nvPicPr>
-          <p:cNvPr id="4" name="Grafik 3" descr="Ein Bild, das Screenshot, Text, Schrift, Zahl enthält.&#10;&#10;Automatisch generierte Beschreibung">
+          <p:cNvPr id="1026" name="Picture 2">
             <a:extLst>
               <a:ext uri="{FF2B5EF4-FFF2-40B4-BE49-F238E27FC236}">
-                <a16:creationId xmlns:a16="http://schemas.microsoft.com/office/drawing/2014/main" id="{5A780290-3B28-2330-D8C2-D5EC3FCC45DF}"/>
+                <a16:creationId xmlns:a16="http://schemas.microsoft.com/office/drawing/2014/main" id="{23882690-FF82-8F43-E8E1-2E0EB971D46B}"/>
               </a:ext>
             </a:extLst>
           </p:cNvPr>
           <p:cNvPicPr>
-            <a:picLocks noChangeAspect="1"/>
+            <a:picLocks noChangeAspect="1" noChangeArrowheads="1"/>
           </p:cNvPicPr>
           <p:nvPr/>
         </p:nvPicPr>
@@ -7082,16 +7137,22 @@
         </p:blipFill>
         <p:spPr bwMode="auto">
           <a:xfrm>
-            <a:off x="1271853" y="2753636"/>
-            <a:ext cx="9908570" cy="2092683"/>
+            <a:off x="3220640" y="1690688"/>
+            <a:ext cx="5750719" cy="4600575"/>
           </a:xfrm>
           <a:prstGeom prst="rect">
             <a:avLst/>
           </a:prstGeom>
           <a:noFill/>
-          <a:ln>
-            <a:noFill/>
-          </a:ln>
+          <a:extLst>
+            <a:ext uri="{909E8E84-426E-40DD-AFC4-6F175D3DCCD1}">
+              <a14:hiddenFill xmlns:a14="http://schemas.microsoft.com/office/drawing/2010/main">
+                <a:solidFill>
+                  <a:srgbClr val="FFFFFF"/>
+                </a:solidFill>
+              </a14:hiddenFill>
+            </a:ext>
+          </a:extLst>
         </p:spPr>
       </p:pic>
     </p:spTree>
